--- a/Blindness Detection Presentation.pptx
+++ b/Blindness Detection Presentation.pptx
@@ -5,7 +5,7 @@
     <p:sldMasterId id="2147483648" r:id="rId1"/>
   </p:sldMasterIdLst>
   <p:notesMasterIdLst>
-    <p:notesMasterId r:id="rId10"/>
+    <p:notesMasterId r:id="rId13"/>
   </p:notesMasterIdLst>
   <p:sldIdLst>
     <p:sldId id="256" r:id="rId2"/>
@@ -16,28 +16,31 @@
     <p:sldId id="270" r:id="rId7"/>
     <p:sldId id="271" r:id="rId8"/>
     <p:sldId id="272" r:id="rId9"/>
+    <p:sldId id="273" r:id="rId10"/>
+    <p:sldId id="275" r:id="rId11"/>
+    <p:sldId id="274" r:id="rId12"/>
   </p:sldIdLst>
   <p:sldSz cx="9144000" cy="5143500" type="screen16x9"/>
   <p:notesSz cx="6858000" cy="9144000"/>
   <p:embeddedFontLst>
     <p:embeddedFont>
       <p:font typeface="Corbel" panose="020B0503020204020204" pitchFamily="34" charset="0"/>
-      <p:regular r:id="rId11"/>
-      <p:bold r:id="rId12"/>
-      <p:italic r:id="rId13"/>
-      <p:boldItalic r:id="rId14"/>
+      <p:regular r:id="rId14"/>
+      <p:bold r:id="rId15"/>
+      <p:italic r:id="rId16"/>
+      <p:boldItalic r:id="rId17"/>
     </p:embeddedFont>
     <p:embeddedFont>
       <p:font typeface="Lato" panose="020F0502020204030203" pitchFamily="34" charset="0"/>
-      <p:regular r:id="rId15"/>
-      <p:bold r:id="rId16"/>
-      <p:italic r:id="rId17"/>
-      <p:boldItalic r:id="rId18"/>
+      <p:regular r:id="rId18"/>
+      <p:bold r:id="rId19"/>
+      <p:italic r:id="rId20"/>
+      <p:boldItalic r:id="rId21"/>
     </p:embeddedFont>
     <p:embeddedFont>
       <p:font typeface="Raleway ExtraBold" pitchFamily="2" charset="0"/>
-      <p:bold r:id="rId19"/>
-      <p:boldItalic r:id="rId20"/>
+      <p:bold r:id="rId22"/>
+      <p:boldItalic r:id="rId23"/>
     </p:embeddedFont>
   </p:embeddedFontLst>
   <p:defaultTextStyle>
@@ -285,7 +288,7 @@
       </p15:sldGuideLst>
     </p:ext>
     <p:ext uri="http://customooxmlschemas.google.com/">
-      <go:slidesCustomData xmlns:go="http://customooxmlschemas.google.com/" xmlns:ahyp="http://schemas.microsoft.com/office/drawing/2018/hyperlinkcolor" xmlns:p15="http://schemas.microsoft.com/office/powerpoint/2012/main" xmlns:p14="http://schemas.microsoft.com/office/powerpoint/2010/main" xmlns:com="http://schemas.openxmlformats.org/drawingml/2006/compatibility" xmlns:pvml="urn:schemas-microsoft-com:office:powerpoint" xmlns:v="urn:schemas-microsoft-com:vml" xmlns:o="urn:schemas-microsoft-com:office:office" xmlns:dgm="http://schemas.openxmlformats.org/drawingml/2006/diagram" xmlns:c="http://schemas.openxmlformats.org/drawingml/2006/chart" xmlns:mv="urn:schemas-microsoft-com:mac:vml" xmlns:mc="http://schemas.openxmlformats.org/markup-compatibility/2006" xmlns="" r:id="rId29" roundtripDataSignature="AMtx7mhGRjcg0Yqg7aDT2RBWlna5YBA7+Q=="/>
+      <go:slidesCustomData xmlns="" xmlns:mc="http://schemas.openxmlformats.org/markup-compatibility/2006" xmlns:mv="urn:schemas-microsoft-com:mac:vml" xmlns:c="http://schemas.openxmlformats.org/drawingml/2006/chart" xmlns:dgm="http://schemas.openxmlformats.org/drawingml/2006/diagram" xmlns:o="urn:schemas-microsoft-com:office:office" xmlns:v="urn:schemas-microsoft-com:vml" xmlns:pvml="urn:schemas-microsoft-com:office:powerpoint" xmlns:com="http://schemas.openxmlformats.org/drawingml/2006/compatibility" xmlns:p14="http://schemas.microsoft.com/office/powerpoint/2010/main" xmlns:p15="http://schemas.microsoft.com/office/powerpoint/2012/main" xmlns:ahyp="http://schemas.microsoft.com/office/drawing/2018/hyperlinkcolor" xmlns:go="http://customooxmlschemas.google.com/" r:id="rId29" roundtripDataSignature="AMtx7mhGRjcg0Yqg7aDT2RBWlna5YBA7+Q=="/>
     </p:ext>
   </p:extLst>
 </p:presentation>
@@ -3098,6 +3101,260 @@
 </p:notes>
 </file>
 
+<file path=ppt/notesSlides/notesSlide10.xml><?xml version="1.0" encoding="utf-8"?>
+<p:notes xmlns:a="http://schemas.openxmlformats.org/drawingml/2006/main" xmlns:r="http://schemas.openxmlformats.org/officeDocument/2006/relationships" xmlns:p="http://schemas.openxmlformats.org/presentationml/2006/main" showMasterSp="0" showMasterPhAnim="0">
+  <p:cSld>
+    <p:spTree>
+      <p:nvGrpSpPr>
+        <p:cNvPr id="1" name="Shape 155"/>
+        <p:cNvGrpSpPr/>
+        <p:nvPr/>
+      </p:nvGrpSpPr>
+      <p:grpSpPr>
+        <a:xfrm>
+          <a:off x="0" y="0"/>
+          <a:ext cx="0" cy="0"/>
+          <a:chOff x="0" y="0"/>
+          <a:chExt cx="0" cy="0"/>
+        </a:xfrm>
+      </p:grpSpPr>
+      <p:sp>
+        <p:nvSpPr>
+          <p:cNvPr id="156" name="Google Shape;156;p2:notes"/>
+          <p:cNvSpPr>
+            <a:spLocks noGrp="1" noRot="1" noChangeAspect="1"/>
+          </p:cNvSpPr>
+          <p:nvPr>
+            <p:ph type="sldImg" idx="2"/>
+          </p:nvPr>
+        </p:nvSpPr>
+        <p:spPr>
+          <a:xfrm>
+            <a:off x="381000" y="685800"/>
+            <a:ext cx="6096000" cy="3429000"/>
+          </a:xfrm>
+          <a:custGeom>
+            <a:avLst/>
+            <a:gdLst/>
+            <a:ahLst/>
+            <a:cxnLst/>
+            <a:rect l="l" t="t" r="r" b="b"/>
+            <a:pathLst>
+              <a:path w="120000" h="120000" extrusionOk="0">
+                <a:moveTo>
+                  <a:pt x="0" y="0"/>
+                </a:moveTo>
+                <a:lnTo>
+                  <a:pt x="120000" y="0"/>
+                </a:lnTo>
+                <a:lnTo>
+                  <a:pt x="120000" y="120000"/>
+                </a:lnTo>
+                <a:lnTo>
+                  <a:pt x="0" y="120000"/>
+                </a:lnTo>
+                <a:close/>
+              </a:path>
+            </a:pathLst>
+          </a:custGeom>
+          <a:noFill/>
+          <a:ln w="9525" cap="flat" cmpd="sng">
+            <a:solidFill>
+              <a:srgbClr val="000000"/>
+            </a:solidFill>
+            <a:prstDash val="solid"/>
+            <a:round/>
+            <a:headEnd type="none" w="sm" len="sm"/>
+            <a:tailEnd type="none" w="sm" len="sm"/>
+          </a:ln>
+        </p:spPr>
+      </p:sp>
+      <p:sp>
+        <p:nvSpPr>
+          <p:cNvPr id="157" name="Google Shape;157;p2:notes"/>
+          <p:cNvSpPr txBox="1">
+            <a:spLocks noGrp="1"/>
+          </p:cNvSpPr>
+          <p:nvPr>
+            <p:ph type="body" idx="1"/>
+          </p:nvPr>
+        </p:nvSpPr>
+        <p:spPr>
+          <a:xfrm>
+            <a:off x="685800" y="4343400"/>
+            <a:ext cx="5486400" cy="4114800"/>
+          </a:xfrm>
+          <a:prstGeom prst="rect">
+            <a:avLst/>
+          </a:prstGeom>
+          <a:noFill/>
+          <a:ln>
+            <a:noFill/>
+          </a:ln>
+        </p:spPr>
+        <p:txBody>
+          <a:bodyPr spcFirstLastPara="1" wrap="square" lIns="91425" tIns="91425" rIns="91425" bIns="91425" anchor="t" anchorCtr="0">
+            <a:noAutofit/>
+          </a:bodyPr>
+          <a:lstStyle/>
+          <a:p>
+            <a:pPr marL="0" lvl="0" indent="0" algn="l" rtl="0">
+              <a:lnSpc>
+                <a:spcPct val="100000"/>
+              </a:lnSpc>
+              <a:spcBef>
+                <a:spcPts val="0"/>
+              </a:spcBef>
+              <a:spcAft>
+                <a:spcPts val="0"/>
+              </a:spcAft>
+              <a:buSzPts val="1100"/>
+              <a:buNone/>
+            </a:pPr>
+            <a:endParaRPr/>
+          </a:p>
+        </p:txBody>
+      </p:sp>
+    </p:spTree>
+    <p:extLst>
+      <p:ext uri="{BB962C8B-B14F-4D97-AF65-F5344CB8AC3E}">
+        <p14:creationId xmlns:p14="http://schemas.microsoft.com/office/powerpoint/2010/main" val="3955643755"/>
+      </p:ext>
+    </p:extLst>
+  </p:cSld>
+  <p:clrMapOvr>
+    <a:masterClrMapping/>
+  </p:clrMapOvr>
+</p:notes>
+</file>
+
+<file path=ppt/notesSlides/notesSlide11.xml><?xml version="1.0" encoding="utf-8"?>
+<p:notes xmlns:a="http://schemas.openxmlformats.org/drawingml/2006/main" xmlns:r="http://schemas.openxmlformats.org/officeDocument/2006/relationships" xmlns:p="http://schemas.openxmlformats.org/presentationml/2006/main" showMasterSp="0" showMasterPhAnim="0">
+  <p:cSld>
+    <p:spTree>
+      <p:nvGrpSpPr>
+        <p:cNvPr id="1" name="Shape 155"/>
+        <p:cNvGrpSpPr/>
+        <p:nvPr/>
+      </p:nvGrpSpPr>
+      <p:grpSpPr>
+        <a:xfrm>
+          <a:off x="0" y="0"/>
+          <a:ext cx="0" cy="0"/>
+          <a:chOff x="0" y="0"/>
+          <a:chExt cx="0" cy="0"/>
+        </a:xfrm>
+      </p:grpSpPr>
+      <p:sp>
+        <p:nvSpPr>
+          <p:cNvPr id="156" name="Google Shape;156;p2:notes"/>
+          <p:cNvSpPr>
+            <a:spLocks noGrp="1" noRot="1" noChangeAspect="1"/>
+          </p:cNvSpPr>
+          <p:nvPr>
+            <p:ph type="sldImg" idx="2"/>
+          </p:nvPr>
+        </p:nvSpPr>
+        <p:spPr>
+          <a:xfrm>
+            <a:off x="381000" y="685800"/>
+            <a:ext cx="6096000" cy="3429000"/>
+          </a:xfrm>
+          <a:custGeom>
+            <a:avLst/>
+            <a:gdLst/>
+            <a:ahLst/>
+            <a:cxnLst/>
+            <a:rect l="l" t="t" r="r" b="b"/>
+            <a:pathLst>
+              <a:path w="120000" h="120000" extrusionOk="0">
+                <a:moveTo>
+                  <a:pt x="0" y="0"/>
+                </a:moveTo>
+                <a:lnTo>
+                  <a:pt x="120000" y="0"/>
+                </a:lnTo>
+                <a:lnTo>
+                  <a:pt x="120000" y="120000"/>
+                </a:lnTo>
+                <a:lnTo>
+                  <a:pt x="0" y="120000"/>
+                </a:lnTo>
+                <a:close/>
+              </a:path>
+            </a:pathLst>
+          </a:custGeom>
+          <a:noFill/>
+          <a:ln w="9525" cap="flat" cmpd="sng">
+            <a:solidFill>
+              <a:srgbClr val="000000"/>
+            </a:solidFill>
+            <a:prstDash val="solid"/>
+            <a:round/>
+            <a:headEnd type="none" w="sm" len="sm"/>
+            <a:tailEnd type="none" w="sm" len="sm"/>
+          </a:ln>
+        </p:spPr>
+      </p:sp>
+      <p:sp>
+        <p:nvSpPr>
+          <p:cNvPr id="157" name="Google Shape;157;p2:notes"/>
+          <p:cNvSpPr txBox="1">
+            <a:spLocks noGrp="1"/>
+          </p:cNvSpPr>
+          <p:nvPr>
+            <p:ph type="body" idx="1"/>
+          </p:nvPr>
+        </p:nvSpPr>
+        <p:spPr>
+          <a:xfrm>
+            <a:off x="685800" y="4343400"/>
+            <a:ext cx="5486400" cy="4114800"/>
+          </a:xfrm>
+          <a:prstGeom prst="rect">
+            <a:avLst/>
+          </a:prstGeom>
+          <a:noFill/>
+          <a:ln>
+            <a:noFill/>
+          </a:ln>
+        </p:spPr>
+        <p:txBody>
+          <a:bodyPr spcFirstLastPara="1" wrap="square" lIns="91425" tIns="91425" rIns="91425" bIns="91425" anchor="t" anchorCtr="0">
+            <a:noAutofit/>
+          </a:bodyPr>
+          <a:lstStyle/>
+          <a:p>
+            <a:pPr marL="0" lvl="0" indent="0" algn="l" rtl="0">
+              <a:lnSpc>
+                <a:spcPct val="100000"/>
+              </a:lnSpc>
+              <a:spcBef>
+                <a:spcPts val="0"/>
+              </a:spcBef>
+              <a:spcAft>
+                <a:spcPts val="0"/>
+              </a:spcAft>
+              <a:buSzPts val="1100"/>
+              <a:buNone/>
+            </a:pPr>
+            <a:endParaRPr/>
+          </a:p>
+        </p:txBody>
+      </p:sp>
+    </p:spTree>
+    <p:extLst>
+      <p:ext uri="{BB962C8B-B14F-4D97-AF65-F5344CB8AC3E}">
+        <p14:creationId xmlns:p14="http://schemas.microsoft.com/office/powerpoint/2010/main" val="3647443312"/>
+      </p:ext>
+    </p:extLst>
+  </p:cSld>
+  <p:clrMapOvr>
+    <a:masterClrMapping/>
+  </p:clrMapOvr>
+</p:notes>
+</file>
+
 <file path=ppt/notesSlides/notesSlide2.xml><?xml version="1.0" encoding="utf-8"?>
 <p:notes xmlns:a="http://schemas.openxmlformats.org/drawingml/2006/main" xmlns:r="http://schemas.openxmlformats.org/officeDocument/2006/relationships" xmlns:p="http://schemas.openxmlformats.org/presentationml/2006/main" showMasterSp="0" showMasterPhAnim="0">
   <p:cSld>
@@ -3973,6 +4230,133 @@
     <p:extLst>
       <p:ext uri="{BB962C8B-B14F-4D97-AF65-F5344CB8AC3E}">
         <p14:creationId xmlns:p14="http://schemas.microsoft.com/office/powerpoint/2010/main" val="503965965"/>
+      </p:ext>
+    </p:extLst>
+  </p:cSld>
+  <p:clrMapOvr>
+    <a:masterClrMapping/>
+  </p:clrMapOvr>
+</p:notes>
+</file>
+
+<file path=ppt/notesSlides/notesSlide9.xml><?xml version="1.0" encoding="utf-8"?>
+<p:notes xmlns:a="http://schemas.openxmlformats.org/drawingml/2006/main" xmlns:r="http://schemas.openxmlformats.org/officeDocument/2006/relationships" xmlns:p="http://schemas.openxmlformats.org/presentationml/2006/main" showMasterSp="0" showMasterPhAnim="0">
+  <p:cSld>
+    <p:spTree>
+      <p:nvGrpSpPr>
+        <p:cNvPr id="1" name="Shape 155"/>
+        <p:cNvGrpSpPr/>
+        <p:nvPr/>
+      </p:nvGrpSpPr>
+      <p:grpSpPr>
+        <a:xfrm>
+          <a:off x="0" y="0"/>
+          <a:ext cx="0" cy="0"/>
+          <a:chOff x="0" y="0"/>
+          <a:chExt cx="0" cy="0"/>
+        </a:xfrm>
+      </p:grpSpPr>
+      <p:sp>
+        <p:nvSpPr>
+          <p:cNvPr id="156" name="Google Shape;156;p2:notes"/>
+          <p:cNvSpPr>
+            <a:spLocks noGrp="1" noRot="1" noChangeAspect="1"/>
+          </p:cNvSpPr>
+          <p:nvPr>
+            <p:ph type="sldImg" idx="2"/>
+          </p:nvPr>
+        </p:nvSpPr>
+        <p:spPr>
+          <a:xfrm>
+            <a:off x="381000" y="685800"/>
+            <a:ext cx="6096000" cy="3429000"/>
+          </a:xfrm>
+          <a:custGeom>
+            <a:avLst/>
+            <a:gdLst/>
+            <a:ahLst/>
+            <a:cxnLst/>
+            <a:rect l="l" t="t" r="r" b="b"/>
+            <a:pathLst>
+              <a:path w="120000" h="120000" extrusionOk="0">
+                <a:moveTo>
+                  <a:pt x="0" y="0"/>
+                </a:moveTo>
+                <a:lnTo>
+                  <a:pt x="120000" y="0"/>
+                </a:lnTo>
+                <a:lnTo>
+                  <a:pt x="120000" y="120000"/>
+                </a:lnTo>
+                <a:lnTo>
+                  <a:pt x="0" y="120000"/>
+                </a:lnTo>
+                <a:close/>
+              </a:path>
+            </a:pathLst>
+          </a:custGeom>
+          <a:noFill/>
+          <a:ln w="9525" cap="flat" cmpd="sng">
+            <a:solidFill>
+              <a:srgbClr val="000000"/>
+            </a:solidFill>
+            <a:prstDash val="solid"/>
+            <a:round/>
+            <a:headEnd type="none" w="sm" len="sm"/>
+            <a:tailEnd type="none" w="sm" len="sm"/>
+          </a:ln>
+        </p:spPr>
+      </p:sp>
+      <p:sp>
+        <p:nvSpPr>
+          <p:cNvPr id="157" name="Google Shape;157;p2:notes"/>
+          <p:cNvSpPr txBox="1">
+            <a:spLocks noGrp="1"/>
+          </p:cNvSpPr>
+          <p:nvPr>
+            <p:ph type="body" idx="1"/>
+          </p:nvPr>
+        </p:nvSpPr>
+        <p:spPr>
+          <a:xfrm>
+            <a:off x="685800" y="4343400"/>
+            <a:ext cx="5486400" cy="4114800"/>
+          </a:xfrm>
+          <a:prstGeom prst="rect">
+            <a:avLst/>
+          </a:prstGeom>
+          <a:noFill/>
+          <a:ln>
+            <a:noFill/>
+          </a:ln>
+        </p:spPr>
+        <p:txBody>
+          <a:bodyPr spcFirstLastPara="1" wrap="square" lIns="91425" tIns="91425" rIns="91425" bIns="91425" anchor="t" anchorCtr="0">
+            <a:noAutofit/>
+          </a:bodyPr>
+          <a:lstStyle/>
+          <a:p>
+            <a:pPr marL="0" lvl="0" indent="0" algn="l" rtl="0">
+              <a:lnSpc>
+                <a:spcPct val="100000"/>
+              </a:lnSpc>
+              <a:spcBef>
+                <a:spcPts val="0"/>
+              </a:spcBef>
+              <a:spcAft>
+                <a:spcPts val="0"/>
+              </a:spcAft>
+              <a:buSzPts val="1100"/>
+              <a:buNone/>
+            </a:pPr>
+            <a:endParaRPr/>
+          </a:p>
+        </p:txBody>
+      </p:sp>
+    </p:spTree>
+    <p:extLst>
+      <p:ext uri="{BB962C8B-B14F-4D97-AF65-F5344CB8AC3E}">
+        <p14:creationId xmlns:p14="http://schemas.microsoft.com/office/powerpoint/2010/main" val="2723973182"/>
       </p:ext>
     </p:extLst>
   </p:cSld>
@@ -20901,6 +21285,368 @@
 </p:sld>
 </file>
 
+<file path=ppt/slides/slide10.xml><?xml version="1.0" encoding="utf-8"?>
+<p:sld xmlns:a="http://schemas.openxmlformats.org/drawingml/2006/main" xmlns:r="http://schemas.openxmlformats.org/officeDocument/2006/relationships" xmlns:p="http://schemas.openxmlformats.org/presentationml/2006/main">
+  <p:cSld>
+    <p:spTree>
+      <p:nvGrpSpPr>
+        <p:cNvPr id="1" name="Shape 158"/>
+        <p:cNvGrpSpPr/>
+        <p:nvPr/>
+      </p:nvGrpSpPr>
+      <p:grpSpPr>
+        <a:xfrm>
+          <a:off x="0" y="0"/>
+          <a:ext cx="0" cy="0"/>
+          <a:chOff x="0" y="0"/>
+          <a:chExt cx="0" cy="0"/>
+        </a:xfrm>
+      </p:grpSpPr>
+      <p:sp>
+        <p:nvSpPr>
+          <p:cNvPr id="3" name="Title 2">
+            <a:extLst>
+              <a:ext uri="{FF2B5EF4-FFF2-40B4-BE49-F238E27FC236}">
+                <a16:creationId xmlns:a16="http://schemas.microsoft.com/office/drawing/2014/main" id="{55A06791-28FA-228B-F912-94966CBEEE65}"/>
+              </a:ext>
+            </a:extLst>
+          </p:cNvPr>
+          <p:cNvSpPr>
+            <a:spLocks noGrp="1"/>
+          </p:cNvSpPr>
+          <p:nvPr>
+            <p:ph type="title"/>
+          </p:nvPr>
+        </p:nvSpPr>
+        <p:spPr>
+          <a:xfrm>
+            <a:off x="766664" y="99706"/>
+            <a:ext cx="7688400" cy="1518600"/>
+          </a:xfrm>
+        </p:spPr>
+        <p:txBody>
+          <a:bodyPr/>
+          <a:lstStyle/>
+          <a:p>
+            <a:r>
+              <a:rPr lang="en-US" dirty="0"/>
+              <a:t>Results Visualization</a:t>
+            </a:r>
+          </a:p>
+        </p:txBody>
+      </p:sp>
+      <p:pic>
+        <p:nvPicPr>
+          <p:cNvPr id="9" name="Picture 8">
+            <a:extLst>
+              <a:ext uri="{FF2B5EF4-FFF2-40B4-BE49-F238E27FC236}">
+                <a16:creationId xmlns:a16="http://schemas.microsoft.com/office/drawing/2014/main" id="{4E9643B5-7086-FB57-3016-8E834CA8EA9B}"/>
+              </a:ext>
+            </a:extLst>
+          </p:cNvPr>
+          <p:cNvPicPr>
+            <a:picLocks noChangeAspect="1"/>
+          </p:cNvPicPr>
+          <p:nvPr/>
+        </p:nvPicPr>
+        <p:blipFill rotWithShape="1">
+          <a:blip r:embed="rId3"/>
+          <a:srcRect b="33540"/>
+          <a:stretch/>
+        </p:blipFill>
+        <p:spPr>
+          <a:xfrm>
+            <a:off x="1243572" y="994146"/>
+            <a:ext cx="3722270" cy="3418366"/>
+          </a:xfrm>
+          <a:prstGeom prst="rect">
+            <a:avLst/>
+          </a:prstGeom>
+        </p:spPr>
+      </p:pic>
+      <p:pic>
+        <p:nvPicPr>
+          <p:cNvPr id="11" name="Picture 10">
+            <a:extLst>
+              <a:ext uri="{FF2B5EF4-FFF2-40B4-BE49-F238E27FC236}">
+                <a16:creationId xmlns:a16="http://schemas.microsoft.com/office/drawing/2014/main" id="{7106EC43-61D9-6240-15AF-FB474F4886FA}"/>
+              </a:ext>
+            </a:extLst>
+          </p:cNvPr>
+          <p:cNvPicPr>
+            <a:picLocks noChangeAspect="1"/>
+          </p:cNvPicPr>
+          <p:nvPr/>
+        </p:nvPicPr>
+        <p:blipFill rotWithShape="1">
+          <a:blip r:embed="rId3"/>
+          <a:srcRect t="65840"/>
+          <a:stretch/>
+        </p:blipFill>
+        <p:spPr>
+          <a:xfrm>
+            <a:off x="5039395" y="1047307"/>
+            <a:ext cx="3722270" cy="1757030"/>
+          </a:xfrm>
+          <a:prstGeom prst="rect">
+            <a:avLst/>
+          </a:prstGeom>
+        </p:spPr>
+      </p:pic>
+    </p:spTree>
+    <p:extLst>
+      <p:ext uri="{BB962C8B-B14F-4D97-AF65-F5344CB8AC3E}">
+        <p14:creationId xmlns:p14="http://schemas.microsoft.com/office/powerpoint/2010/main" val="2456988779"/>
+      </p:ext>
+    </p:extLst>
+  </p:cSld>
+  <p:clrMapOvr>
+    <a:masterClrMapping/>
+  </p:clrMapOvr>
+</p:sld>
+</file>
+
+<file path=ppt/slides/slide11.xml><?xml version="1.0" encoding="utf-8"?>
+<p:sld xmlns:a="http://schemas.openxmlformats.org/drawingml/2006/main" xmlns:r="http://schemas.openxmlformats.org/officeDocument/2006/relationships" xmlns:p="http://schemas.openxmlformats.org/presentationml/2006/main">
+  <p:cSld>
+    <p:spTree>
+      <p:nvGrpSpPr>
+        <p:cNvPr id="1" name="Shape 158"/>
+        <p:cNvGrpSpPr/>
+        <p:nvPr/>
+      </p:nvGrpSpPr>
+      <p:grpSpPr>
+        <a:xfrm>
+          <a:off x="0" y="0"/>
+          <a:ext cx="0" cy="0"/>
+          <a:chOff x="0" y="0"/>
+          <a:chExt cx="0" cy="0"/>
+        </a:xfrm>
+      </p:grpSpPr>
+      <p:sp>
+        <p:nvSpPr>
+          <p:cNvPr id="3" name="Title 2">
+            <a:extLst>
+              <a:ext uri="{FF2B5EF4-FFF2-40B4-BE49-F238E27FC236}">
+                <a16:creationId xmlns:a16="http://schemas.microsoft.com/office/drawing/2014/main" id="{55A06791-28FA-228B-F912-94966CBEEE65}"/>
+              </a:ext>
+            </a:extLst>
+          </p:cNvPr>
+          <p:cNvSpPr>
+            <a:spLocks noGrp="1"/>
+          </p:cNvSpPr>
+          <p:nvPr>
+            <p:ph type="title"/>
+          </p:nvPr>
+        </p:nvSpPr>
+        <p:spPr>
+          <a:xfrm>
+            <a:off x="766664" y="99706"/>
+            <a:ext cx="7688400" cy="1518600"/>
+          </a:xfrm>
+        </p:spPr>
+        <p:txBody>
+          <a:bodyPr/>
+          <a:lstStyle/>
+          <a:p>
+            <a:r>
+              <a:rPr lang="en-US" dirty="0"/>
+              <a:t>Planned Future Work</a:t>
+            </a:r>
+          </a:p>
+        </p:txBody>
+      </p:sp>
+      <p:sp>
+        <p:nvSpPr>
+          <p:cNvPr id="2" name="TextBox 1">
+            <a:extLst>
+              <a:ext uri="{FF2B5EF4-FFF2-40B4-BE49-F238E27FC236}">
+                <a16:creationId xmlns:a16="http://schemas.microsoft.com/office/drawing/2014/main" id="{79B1E69C-6737-DEF2-D995-BD872ECBE477}"/>
+              </a:ext>
+            </a:extLst>
+          </p:cNvPr>
+          <p:cNvSpPr txBox="1"/>
+          <p:nvPr/>
+        </p:nvSpPr>
+        <p:spPr>
+          <a:xfrm>
+            <a:off x="2030819" y="812432"/>
+            <a:ext cx="6028660" cy="2462213"/>
+          </a:xfrm>
+          <a:prstGeom prst="rect">
+            <a:avLst/>
+          </a:prstGeom>
+          <a:noFill/>
+        </p:spPr>
+        <p:txBody>
+          <a:bodyPr wrap="square" rtlCol="0">
+            <a:spAutoFit/>
+          </a:bodyPr>
+          <a:lstStyle/>
+          <a:p>
+            <a:pPr marL="285750" indent="-285750">
+              <a:buClr>
+                <a:schemeClr val="bg1"/>
+              </a:buClr>
+              <a:buFont typeface="Arial" panose="020B0604020202020204" pitchFamily="34" charset="0"/>
+              <a:buChar char="•"/>
+            </a:pPr>
+            <a:r>
+              <a:rPr lang="en-US" b="0" i="0" u="none" strike="noStrike" dirty="0">
+                <a:solidFill>
+                  <a:schemeClr val="bg1"/>
+                </a:solidFill>
+                <a:effectLst/>
+                <a:latin typeface="Arial" panose="020B0604020202020204" pitchFamily="34" charset="0"/>
+              </a:rPr>
+              <a:t>Evaluate on Test Data</a:t>
+            </a:r>
+          </a:p>
+          <a:p>
+            <a:pPr marL="285750" indent="-285750">
+              <a:buClr>
+                <a:schemeClr val="bg1"/>
+              </a:buClr>
+              <a:buFont typeface="Arial" panose="020B0604020202020204" pitchFamily="34" charset="0"/>
+              <a:buChar char="•"/>
+            </a:pPr>
+            <a:endParaRPr lang="en-US" b="0" i="0" u="none" strike="noStrike" dirty="0">
+              <a:solidFill>
+                <a:schemeClr val="bg1"/>
+              </a:solidFill>
+              <a:effectLst/>
+              <a:latin typeface="Arial" panose="020B0604020202020204" pitchFamily="34" charset="0"/>
+            </a:endParaRPr>
+          </a:p>
+          <a:p>
+            <a:pPr marL="285750" indent="-285750">
+              <a:buClr>
+                <a:schemeClr val="bg1"/>
+              </a:buClr>
+              <a:buFont typeface="Arial" panose="020B0604020202020204" pitchFamily="34" charset="0"/>
+              <a:buChar char="•"/>
+            </a:pPr>
+            <a:r>
+              <a:rPr lang="en-US" dirty="0">
+                <a:solidFill>
+                  <a:schemeClr val="bg1"/>
+                </a:solidFill>
+                <a:latin typeface="Arial" panose="020B0604020202020204" pitchFamily="34" charset="0"/>
+              </a:rPr>
+              <a:t>Perform logistic regression and ET decision trees</a:t>
+            </a:r>
+          </a:p>
+          <a:p>
+            <a:pPr marL="285750" indent="-285750">
+              <a:buClr>
+                <a:schemeClr val="bg1"/>
+              </a:buClr>
+              <a:buFont typeface="Arial" panose="020B0604020202020204" pitchFamily="34" charset="0"/>
+              <a:buChar char="•"/>
+            </a:pPr>
+            <a:endParaRPr lang="en-US" dirty="0">
+              <a:solidFill>
+                <a:schemeClr val="bg1"/>
+              </a:solidFill>
+              <a:latin typeface="Arial" panose="020B0604020202020204" pitchFamily="34" charset="0"/>
+            </a:endParaRPr>
+          </a:p>
+          <a:p>
+            <a:pPr marL="285750" indent="-285750">
+              <a:buClr>
+                <a:schemeClr val="bg1"/>
+              </a:buClr>
+              <a:buFont typeface="Arial" panose="020B0604020202020204" pitchFamily="34" charset="0"/>
+              <a:buChar char="•"/>
+            </a:pPr>
+            <a:r>
+              <a:rPr lang="en-US" b="0" i="0" u="none" strike="noStrike" dirty="0">
+                <a:solidFill>
+                  <a:schemeClr val="bg1"/>
+                </a:solidFill>
+                <a:effectLst/>
+                <a:latin typeface="Arial" panose="020B0604020202020204" pitchFamily="34" charset="0"/>
+              </a:rPr>
+              <a:t>Retrain the models with data augmentation and compare the results if data augmentation increases performance</a:t>
+            </a:r>
+          </a:p>
+          <a:p>
+            <a:pPr marL="285750" indent="-285750">
+              <a:buClr>
+                <a:schemeClr val="bg1"/>
+              </a:buClr>
+              <a:buFont typeface="Arial" panose="020B0604020202020204" pitchFamily="34" charset="0"/>
+              <a:buChar char="•"/>
+            </a:pPr>
+            <a:endParaRPr lang="en-US" dirty="0">
+              <a:solidFill>
+                <a:schemeClr val="bg1"/>
+              </a:solidFill>
+              <a:latin typeface="Arial" panose="020B0604020202020204" pitchFamily="34" charset="0"/>
+            </a:endParaRPr>
+          </a:p>
+          <a:p>
+            <a:pPr marL="285750" indent="-285750">
+              <a:buClr>
+                <a:schemeClr val="bg1"/>
+              </a:buClr>
+              <a:buFont typeface="Arial" panose="020B0604020202020204" pitchFamily="34" charset="0"/>
+              <a:buChar char="•"/>
+            </a:pPr>
+            <a:r>
+              <a:rPr lang="en-US" b="0" i="0" u="none" strike="noStrike" dirty="0">
+                <a:solidFill>
+                  <a:schemeClr val="bg1"/>
+                </a:solidFill>
+                <a:effectLst/>
+                <a:latin typeface="Arial" panose="020B0604020202020204" pitchFamily="34" charset="0"/>
+              </a:rPr>
+              <a:t>Continue tuning hyperparameters to increase accuracy without overfitting</a:t>
+            </a:r>
+          </a:p>
+          <a:p>
+            <a:pPr marL="285750" indent="-285750">
+              <a:buClr>
+                <a:schemeClr val="bg1"/>
+              </a:buClr>
+              <a:buFont typeface="Arial" panose="020B0604020202020204" pitchFamily="34" charset="0"/>
+              <a:buChar char="•"/>
+            </a:pPr>
+            <a:endParaRPr lang="en-US" dirty="0">
+              <a:solidFill>
+                <a:schemeClr val="bg1"/>
+              </a:solidFill>
+            </a:endParaRPr>
+          </a:p>
+          <a:p>
+            <a:pPr marL="285750" indent="-285750">
+              <a:buClr>
+                <a:schemeClr val="bg1"/>
+              </a:buClr>
+              <a:buFont typeface="Arial" panose="020B0604020202020204" pitchFamily="34" charset="0"/>
+              <a:buChar char="•"/>
+            </a:pPr>
+            <a:endParaRPr lang="en-US" dirty="0">
+              <a:solidFill>
+                <a:schemeClr val="bg1"/>
+              </a:solidFill>
+            </a:endParaRPr>
+          </a:p>
+        </p:txBody>
+      </p:sp>
+    </p:spTree>
+    <p:extLst>
+      <p:ext uri="{BB962C8B-B14F-4D97-AF65-F5344CB8AC3E}">
+        <p14:creationId xmlns:p14="http://schemas.microsoft.com/office/powerpoint/2010/main" val="2412890731"/>
+      </p:ext>
+    </p:extLst>
+  </p:cSld>
+  <p:clrMapOvr>
+    <a:masterClrMapping/>
+  </p:clrMapOvr>
+</p:sld>
+</file>
+
 <file path=ppt/slides/slide2.xml><?xml version="1.0" encoding="utf-8"?>
 <p:sld xmlns:a="http://schemas.openxmlformats.org/drawingml/2006/main" xmlns:r="http://schemas.openxmlformats.org/officeDocument/2006/relationships" xmlns:p="http://schemas.openxmlformats.org/presentationml/2006/main">
   <p:cSld>
@@ -21412,8 +22158,8 @@
         </p:nvSpPr>
         <p:spPr>
           <a:xfrm>
-            <a:off x="2340812" y="3410741"/>
-            <a:ext cx="2270051" cy="1600438"/>
+            <a:off x="2340812" y="3442639"/>
+            <a:ext cx="3714431" cy="1815882"/>
           </a:xfrm>
           <a:prstGeom prst="rect">
             <a:avLst/>
@@ -21441,7 +22187,7 @@
                 <a:effectLst/>
                 <a:latin typeface="+mj-lt"/>
               </a:rPr>
-              <a:t>0 - No DR</a:t>
+              <a:t>0 - No Diabetic Retinopathy</a:t>
             </a:r>
           </a:p>
           <a:p>
@@ -21502,7 +22248,7 @@
             </a:r>
           </a:p>
           <a:p>
-            <a:pPr marL="285750" indent="-285750" algn="l" fontAlgn="base">
+            <a:pPr marL="285750" indent="-285750" fontAlgn="base">
               <a:buClr>
                 <a:schemeClr val="bg1"/>
               </a:buClr>
@@ -21517,8 +22263,24 @@
                 <a:effectLst/>
                 <a:latin typeface="+mj-lt"/>
               </a:rPr>
-              <a:t>4 - Proliferative DR</a:t>
+              <a:t>4 - Proliferative Diabetic Retinopathy</a:t>
             </a:r>
+          </a:p>
+          <a:p>
+            <a:pPr marL="285750" indent="-285750" algn="l" fontAlgn="base">
+              <a:buClr>
+                <a:schemeClr val="bg1"/>
+              </a:buClr>
+              <a:buFont typeface="Arial" panose="020B0604020202020204" pitchFamily="34" charset="0"/>
+              <a:buChar char="•"/>
+            </a:pPr>
+            <a:endParaRPr lang="en-US" b="0" i="0" dirty="0">
+              <a:solidFill>
+                <a:schemeClr val="bg1"/>
+              </a:solidFill>
+              <a:effectLst/>
+              <a:latin typeface="+mj-lt"/>
+            </a:endParaRPr>
           </a:p>
           <a:p>
             <a:pPr marL="285750" indent="-285750">
@@ -22536,6 +23298,747 @@
     <p:extLst>
       <p:ext uri="{BB962C8B-B14F-4D97-AF65-F5344CB8AC3E}">
         <p14:creationId xmlns:p14="http://schemas.microsoft.com/office/powerpoint/2010/main" val="238913171"/>
+      </p:ext>
+    </p:extLst>
+  </p:cSld>
+  <p:clrMapOvr>
+    <a:masterClrMapping/>
+  </p:clrMapOvr>
+</p:sld>
+</file>
+
+<file path=ppt/slides/slide9.xml><?xml version="1.0" encoding="utf-8"?>
+<p:sld xmlns:a="http://schemas.openxmlformats.org/drawingml/2006/main" xmlns:r="http://schemas.openxmlformats.org/officeDocument/2006/relationships" xmlns:p="http://schemas.openxmlformats.org/presentationml/2006/main">
+  <p:cSld>
+    <p:spTree>
+      <p:nvGrpSpPr>
+        <p:cNvPr id="1" name="Shape 158"/>
+        <p:cNvGrpSpPr/>
+        <p:nvPr/>
+      </p:nvGrpSpPr>
+      <p:grpSpPr>
+        <a:xfrm>
+          <a:off x="0" y="0"/>
+          <a:ext cx="0" cy="0"/>
+          <a:chOff x="0" y="0"/>
+          <a:chExt cx="0" cy="0"/>
+        </a:xfrm>
+      </p:grpSpPr>
+      <p:sp>
+        <p:nvSpPr>
+          <p:cNvPr id="3" name="Title 2">
+            <a:extLst>
+              <a:ext uri="{FF2B5EF4-FFF2-40B4-BE49-F238E27FC236}">
+                <a16:creationId xmlns:a16="http://schemas.microsoft.com/office/drawing/2014/main" id="{55A06791-28FA-228B-F912-94966CBEEE65}"/>
+              </a:ext>
+            </a:extLst>
+          </p:cNvPr>
+          <p:cNvSpPr>
+            <a:spLocks noGrp="1"/>
+          </p:cNvSpPr>
+          <p:nvPr>
+            <p:ph type="title"/>
+          </p:nvPr>
+        </p:nvSpPr>
+        <p:spPr>
+          <a:xfrm>
+            <a:off x="766664" y="99706"/>
+            <a:ext cx="7688400" cy="1518600"/>
+          </a:xfrm>
+        </p:spPr>
+        <p:txBody>
+          <a:bodyPr/>
+          <a:lstStyle/>
+          <a:p>
+            <a:r>
+              <a:rPr lang="en-US" dirty="0"/>
+              <a:t>Results after Training</a:t>
+            </a:r>
+          </a:p>
+        </p:txBody>
+      </p:sp>
+      <p:graphicFrame>
+        <p:nvGraphicFramePr>
+          <p:cNvPr id="2" name="Table 4">
+            <a:extLst>
+              <a:ext uri="{FF2B5EF4-FFF2-40B4-BE49-F238E27FC236}">
+                <a16:creationId xmlns:a16="http://schemas.microsoft.com/office/drawing/2014/main" id="{FB718278-55CB-842B-44F3-9E7FC026204E}"/>
+              </a:ext>
+            </a:extLst>
+          </p:cNvPr>
+          <p:cNvGraphicFramePr>
+            <a:graphicFrameLocks noGrp="1"/>
+          </p:cNvGraphicFramePr>
+          <p:nvPr>
+            <p:extLst>
+              <p:ext uri="{D42A27DB-BD31-4B8C-83A1-F6EECF244321}">
+                <p14:modId xmlns:p14="http://schemas.microsoft.com/office/powerpoint/2010/main" val="3003311230"/>
+              </p:ext>
+            </p:extLst>
+          </p:nvPr>
+        </p:nvGraphicFramePr>
+        <p:xfrm>
+          <a:off x="103667" y="1618306"/>
+          <a:ext cx="8936665" cy="1594510"/>
+        </p:xfrm>
+        <a:graphic>
+          <a:graphicData uri="http://schemas.openxmlformats.org/drawingml/2006/table">
+            <a:tbl>
+              <a:tblPr firstRow="1" bandRow="1">
+                <a:tableStyleId>{5C22544A-7EE6-4342-B048-85BDC9FD1C3A}</a:tableStyleId>
+              </a:tblPr>
+              <a:tblGrid>
+                <a:gridCol w="1000805">
+                  <a:extLst>
+                    <a:ext uri="{9D8B030D-6E8A-4147-A177-3AD203B41FA5}">
+                      <a16:colId xmlns:a16="http://schemas.microsoft.com/office/drawing/2014/main" val="2608786438"/>
+                    </a:ext>
+                  </a:extLst>
+                </a:gridCol>
+                <a:gridCol w="874441">
+                  <a:extLst>
+                    <a:ext uri="{9D8B030D-6E8A-4147-A177-3AD203B41FA5}">
+                      <a16:colId xmlns:a16="http://schemas.microsoft.com/office/drawing/2014/main" val="2937430645"/>
+                    </a:ext>
+                  </a:extLst>
+                </a:gridCol>
+                <a:gridCol w="897824">
+                  <a:extLst>
+                    <a:ext uri="{9D8B030D-6E8A-4147-A177-3AD203B41FA5}">
+                      <a16:colId xmlns:a16="http://schemas.microsoft.com/office/drawing/2014/main" val="3413558513"/>
+                    </a:ext>
+                  </a:extLst>
+                </a:gridCol>
+                <a:gridCol w="801594">
+                  <a:extLst>
+                    <a:ext uri="{9D8B030D-6E8A-4147-A177-3AD203B41FA5}">
+                      <a16:colId xmlns:a16="http://schemas.microsoft.com/office/drawing/2014/main" val="3446600068"/>
+                    </a:ext>
+                  </a:extLst>
+                </a:gridCol>
+                <a:gridCol w="893667">
+                  <a:extLst>
+                    <a:ext uri="{9D8B030D-6E8A-4147-A177-3AD203B41FA5}">
+                      <a16:colId xmlns:a16="http://schemas.microsoft.com/office/drawing/2014/main" val="3763900091"/>
+                    </a:ext>
+                  </a:extLst>
+                </a:gridCol>
+                <a:gridCol w="893667">
+                  <a:extLst>
+                    <a:ext uri="{9D8B030D-6E8A-4147-A177-3AD203B41FA5}">
+                      <a16:colId xmlns:a16="http://schemas.microsoft.com/office/drawing/2014/main" val="3014481371"/>
+                    </a:ext>
+                  </a:extLst>
+                </a:gridCol>
+                <a:gridCol w="893667">
+                  <a:extLst>
+                    <a:ext uri="{9D8B030D-6E8A-4147-A177-3AD203B41FA5}">
+                      <a16:colId xmlns:a16="http://schemas.microsoft.com/office/drawing/2014/main" val="3632210339"/>
+                    </a:ext>
+                  </a:extLst>
+                </a:gridCol>
+                <a:gridCol w="893667">
+                  <a:extLst>
+                    <a:ext uri="{9D8B030D-6E8A-4147-A177-3AD203B41FA5}">
+                      <a16:colId xmlns:a16="http://schemas.microsoft.com/office/drawing/2014/main" val="1458811717"/>
+                    </a:ext>
+                  </a:extLst>
+                </a:gridCol>
+                <a:gridCol w="644332">
+                  <a:extLst>
+                    <a:ext uri="{9D8B030D-6E8A-4147-A177-3AD203B41FA5}">
+                      <a16:colId xmlns:a16="http://schemas.microsoft.com/office/drawing/2014/main" val="3509391455"/>
+                    </a:ext>
+                  </a:extLst>
+                </a:gridCol>
+                <a:gridCol w="1143001">
+                  <a:extLst>
+                    <a:ext uri="{9D8B030D-6E8A-4147-A177-3AD203B41FA5}">
+                      <a16:colId xmlns:a16="http://schemas.microsoft.com/office/drawing/2014/main" val="2563254493"/>
+                    </a:ext>
+                  </a:extLst>
+                </a:gridCol>
+              </a:tblGrid>
+              <a:tr h="419245">
+                <a:tc>
+                  <a:txBody>
+                    <a:bodyPr/>
+                    <a:lstStyle/>
+                    <a:p>
+                      <a:r>
+                        <a:rPr lang="en-US" sz="1200" dirty="0"/>
+                        <a:t>Model</a:t>
+                      </a:r>
+                    </a:p>
+                  </a:txBody>
+                  <a:tcPr/>
+                </a:tc>
+                <a:tc>
+                  <a:txBody>
+                    <a:bodyPr/>
+                    <a:lstStyle/>
+                    <a:p>
+                      <a:r>
+                        <a:rPr lang="en-US" sz="1200" dirty="0"/>
+                        <a:t>Train</a:t>
+                      </a:r>
+                    </a:p>
+                    <a:p>
+                      <a:r>
+                        <a:rPr lang="en-US" sz="1200" dirty="0"/>
+                        <a:t>Accuracy</a:t>
+                      </a:r>
+                    </a:p>
+                  </a:txBody>
+                  <a:tcPr/>
+                </a:tc>
+                <a:tc>
+                  <a:txBody>
+                    <a:bodyPr/>
+                    <a:lstStyle/>
+                    <a:p>
+                      <a:r>
+                        <a:rPr lang="en-US" sz="1200" dirty="0"/>
+                        <a:t>Val Accuracy</a:t>
+                      </a:r>
+                    </a:p>
+                  </a:txBody>
+                  <a:tcPr/>
+                </a:tc>
+                <a:tc>
+                  <a:txBody>
+                    <a:bodyPr/>
+                    <a:lstStyle/>
+                    <a:p>
+                      <a:r>
+                        <a:rPr lang="en-US" sz="1200" dirty="0"/>
+                        <a:t>Train Loss</a:t>
+                      </a:r>
+                    </a:p>
+                  </a:txBody>
+                  <a:tcPr/>
+                </a:tc>
+                <a:tc>
+                  <a:txBody>
+                    <a:bodyPr/>
+                    <a:lstStyle/>
+                    <a:p>
+                      <a:r>
+                        <a:rPr lang="en-US" sz="1200" dirty="0"/>
+                        <a:t>Val Loss</a:t>
+                      </a:r>
+                    </a:p>
+                  </a:txBody>
+                  <a:tcPr/>
+                </a:tc>
+                <a:tc>
+                  <a:txBody>
+                    <a:bodyPr/>
+                    <a:lstStyle/>
+                    <a:p>
+                      <a:r>
+                        <a:rPr lang="en-US" sz="1200" dirty="0"/>
+                        <a:t>Train</a:t>
+                      </a:r>
+                    </a:p>
+                    <a:p>
+                      <a:r>
+                        <a:rPr lang="en-US" sz="1200" dirty="0"/>
+                        <a:t>Precision</a:t>
+                      </a:r>
+                    </a:p>
+                  </a:txBody>
+                  <a:tcPr/>
+                </a:tc>
+                <a:tc>
+                  <a:txBody>
+                    <a:bodyPr/>
+                    <a:lstStyle/>
+                    <a:p>
+                      <a:r>
+                        <a:rPr lang="en-US" sz="1200" dirty="0"/>
+                        <a:t>Train Recall</a:t>
+                      </a:r>
+                    </a:p>
+                  </a:txBody>
+                  <a:tcPr/>
+                </a:tc>
+                <a:tc>
+                  <a:txBody>
+                    <a:bodyPr/>
+                    <a:lstStyle/>
+                    <a:p>
+                      <a:r>
+                        <a:rPr lang="en-US" sz="1200" dirty="0"/>
+                        <a:t>Train</a:t>
+                      </a:r>
+                    </a:p>
+                    <a:p>
+                      <a:r>
+                        <a:rPr lang="en-US" sz="1200" dirty="0"/>
+                        <a:t>F1_Score</a:t>
+                      </a:r>
+                    </a:p>
+                  </a:txBody>
+                  <a:tcPr/>
+                </a:tc>
+                <a:tc>
+                  <a:txBody>
+                    <a:bodyPr/>
+                    <a:lstStyle/>
+                    <a:p>
+                      <a:r>
+                        <a:rPr lang="en-US" sz="1200" dirty="0"/>
+                        <a:t>Train AUC</a:t>
+                      </a:r>
+                    </a:p>
+                  </a:txBody>
+                  <a:tcPr/>
+                </a:tc>
+                <a:tc>
+                  <a:txBody>
+                    <a:bodyPr/>
+                    <a:lstStyle/>
+                    <a:p>
+                      <a:r>
+                        <a:rPr lang="en-US" sz="1200" dirty="0"/>
+                        <a:t>Parameters</a:t>
+                      </a:r>
+                    </a:p>
+                  </a:txBody>
+                  <a:tcPr/>
+                </a:tc>
+                <a:extLst>
+                  <a:ext uri="{0D108BD9-81ED-4DB2-BD59-A6C34878D82A}">
+                    <a16:rowId xmlns:a16="http://schemas.microsoft.com/office/drawing/2014/main" val="714646363"/>
+                  </a:ext>
+                </a:extLst>
+              </a:tr>
+              <a:tr h="419245">
+                <a:tc>
+                  <a:txBody>
+                    <a:bodyPr/>
+                    <a:lstStyle/>
+                    <a:p>
+                      <a:r>
+                        <a:rPr lang="en-US" sz="1200" dirty="0"/>
+                        <a:t>Custom </a:t>
+                      </a:r>
+                    </a:p>
+                    <a:p>
+                      <a:r>
+                        <a:rPr lang="en-US" sz="1200" dirty="0"/>
+                        <a:t>CNN Model</a:t>
+                      </a:r>
+                    </a:p>
+                  </a:txBody>
+                  <a:tcPr/>
+                </a:tc>
+                <a:tc>
+                  <a:txBody>
+                    <a:bodyPr/>
+                    <a:lstStyle/>
+                    <a:p>
+                      <a:r>
+                        <a:rPr lang="en-US" sz="1200" dirty="0"/>
+                        <a:t>77%</a:t>
+                      </a:r>
+                    </a:p>
+                  </a:txBody>
+                  <a:tcPr/>
+                </a:tc>
+                <a:tc>
+                  <a:txBody>
+                    <a:bodyPr/>
+                    <a:lstStyle/>
+                    <a:p>
+                      <a:r>
+                        <a:rPr lang="en-US" sz="1200" dirty="0"/>
+                        <a:t>62%</a:t>
+                      </a:r>
+                    </a:p>
+                  </a:txBody>
+                  <a:tcPr/>
+                </a:tc>
+                <a:tc>
+                  <a:txBody>
+                    <a:bodyPr/>
+                    <a:lstStyle/>
+                    <a:p>
+                      <a:r>
+                        <a:rPr lang="en-US" sz="1200" dirty="0"/>
+                        <a:t>0.70</a:t>
+                      </a:r>
+                    </a:p>
+                  </a:txBody>
+                  <a:tcPr/>
+                </a:tc>
+                <a:tc>
+                  <a:txBody>
+                    <a:bodyPr/>
+                    <a:lstStyle/>
+                    <a:p>
+                      <a:r>
+                        <a:rPr lang="en-US" sz="1200" dirty="0"/>
+                        <a:t>1.17</a:t>
+                      </a:r>
+                    </a:p>
+                  </a:txBody>
+                  <a:tcPr/>
+                </a:tc>
+                <a:tc>
+                  <a:txBody>
+                    <a:bodyPr/>
+                    <a:lstStyle/>
+                    <a:p>
+                      <a:r>
+                        <a:rPr lang="en-US" sz="1200" dirty="0"/>
+                        <a:t>0.83</a:t>
+                      </a:r>
+                    </a:p>
+                  </a:txBody>
+                  <a:tcPr/>
+                </a:tc>
+                <a:tc>
+                  <a:txBody>
+                    <a:bodyPr/>
+                    <a:lstStyle/>
+                    <a:p>
+                      <a:r>
+                        <a:rPr lang="en-US" sz="1200" dirty="0"/>
+                        <a:t>0.70</a:t>
+                      </a:r>
+                    </a:p>
+                  </a:txBody>
+                  <a:tcPr/>
+                </a:tc>
+                <a:tc>
+                  <a:txBody>
+                    <a:bodyPr/>
+                    <a:lstStyle/>
+                    <a:p>
+                      <a:r>
+                        <a:rPr lang="en-US" sz="1200" dirty="0"/>
+                        <a:t>0.76</a:t>
+                      </a:r>
+                    </a:p>
+                  </a:txBody>
+                  <a:tcPr/>
+                </a:tc>
+                <a:tc>
+                  <a:txBody>
+                    <a:bodyPr/>
+                    <a:lstStyle/>
+                    <a:p>
+                      <a:r>
+                        <a:rPr lang="en-US" sz="1200" dirty="0"/>
+                        <a:t>0.96</a:t>
+                      </a:r>
+                    </a:p>
+                  </a:txBody>
+                  <a:tcPr/>
+                </a:tc>
+                <a:tc>
+                  <a:txBody>
+                    <a:bodyPr/>
+                    <a:lstStyle/>
+                    <a:p>
+                      <a:r>
+                        <a:rPr lang="en-US" sz="1200" dirty="0"/>
+                        <a:t>5,050,149</a:t>
+                      </a:r>
+                    </a:p>
+                  </a:txBody>
+                  <a:tcPr/>
+                </a:tc>
+                <a:extLst>
+                  <a:ext uri="{0D108BD9-81ED-4DB2-BD59-A6C34878D82A}">
+                    <a16:rowId xmlns:a16="http://schemas.microsoft.com/office/drawing/2014/main" val="1258041666"/>
+                  </a:ext>
+                </a:extLst>
+              </a:tr>
+              <a:tr h="340055">
+                <a:tc>
+                  <a:txBody>
+                    <a:bodyPr/>
+                    <a:lstStyle/>
+                    <a:p>
+                      <a:r>
+                        <a:rPr lang="en-US" sz="1200" dirty="0"/>
+                        <a:t>VGG16</a:t>
+                      </a:r>
+                    </a:p>
+                  </a:txBody>
+                  <a:tcPr/>
+                </a:tc>
+                <a:tc>
+                  <a:txBody>
+                    <a:bodyPr/>
+                    <a:lstStyle/>
+                    <a:p>
+                      <a:r>
+                        <a:rPr lang="en-US" sz="1200" dirty="0"/>
+                        <a:t>81%</a:t>
+                      </a:r>
+                    </a:p>
+                  </a:txBody>
+                  <a:tcPr/>
+                </a:tc>
+                <a:tc>
+                  <a:txBody>
+                    <a:bodyPr/>
+                    <a:lstStyle/>
+                    <a:p>
+                      <a:r>
+                        <a:rPr lang="en-US" sz="1200" dirty="0"/>
+                        <a:t>66%</a:t>
+                      </a:r>
+                    </a:p>
+                  </a:txBody>
+                  <a:tcPr/>
+                </a:tc>
+                <a:tc>
+                  <a:txBody>
+                    <a:bodyPr/>
+                    <a:lstStyle/>
+                    <a:p>
+                      <a:r>
+                        <a:rPr lang="en-US" sz="1200" dirty="0"/>
+                        <a:t>0.50</a:t>
+                      </a:r>
+                    </a:p>
+                  </a:txBody>
+                  <a:tcPr/>
+                </a:tc>
+                <a:tc>
+                  <a:txBody>
+                    <a:bodyPr/>
+                    <a:lstStyle/>
+                    <a:p>
+                      <a:r>
+                        <a:rPr lang="en-US" sz="1200" dirty="0"/>
+                        <a:t>0.91</a:t>
+                      </a:r>
+                    </a:p>
+                  </a:txBody>
+                  <a:tcPr/>
+                </a:tc>
+                <a:tc>
+                  <a:txBody>
+                    <a:bodyPr/>
+                    <a:lstStyle/>
+                    <a:p>
+                      <a:r>
+                        <a:rPr lang="en-US" sz="1200" dirty="0"/>
+                        <a:t>0.85</a:t>
+                      </a:r>
+                    </a:p>
+                  </a:txBody>
+                  <a:tcPr/>
+                </a:tc>
+                <a:tc>
+                  <a:txBody>
+                    <a:bodyPr/>
+                    <a:lstStyle/>
+                    <a:p>
+                      <a:r>
+                        <a:rPr lang="en-US" sz="1200" dirty="0"/>
+                        <a:t>0.76</a:t>
+                      </a:r>
+                    </a:p>
+                  </a:txBody>
+                  <a:tcPr/>
+                </a:tc>
+                <a:tc>
+                  <a:txBody>
+                    <a:bodyPr/>
+                    <a:lstStyle/>
+                    <a:p>
+                      <a:r>
+                        <a:rPr lang="en-US" sz="1200" dirty="0"/>
+                        <a:t>0.80</a:t>
+                      </a:r>
+                    </a:p>
+                  </a:txBody>
+                  <a:tcPr/>
+                </a:tc>
+                <a:tc>
+                  <a:txBody>
+                    <a:bodyPr/>
+                    <a:lstStyle/>
+                    <a:p>
+                      <a:r>
+                        <a:rPr lang="en-US" sz="1200" dirty="0"/>
+                        <a:t>0.97</a:t>
+                      </a:r>
+                    </a:p>
+                  </a:txBody>
+                  <a:tcPr/>
+                </a:tc>
+                <a:tc>
+                  <a:txBody>
+                    <a:bodyPr/>
+                    <a:lstStyle/>
+                    <a:p>
+                      <a:r>
+                        <a:rPr lang="en-US" sz="1200" dirty="0"/>
+                        <a:t>14,789,205</a:t>
+                      </a:r>
+                    </a:p>
+                  </a:txBody>
+                  <a:tcPr/>
+                </a:tc>
+                <a:extLst>
+                  <a:ext uri="{0D108BD9-81ED-4DB2-BD59-A6C34878D82A}">
+                    <a16:rowId xmlns:a16="http://schemas.microsoft.com/office/drawing/2014/main" val="957144739"/>
+                  </a:ext>
+                </a:extLst>
+              </a:tr>
+              <a:tr h="340055">
+                <a:tc>
+                  <a:txBody>
+                    <a:bodyPr/>
+                    <a:lstStyle/>
+                    <a:p>
+                      <a:r>
+                        <a:rPr lang="en-US" sz="1200" dirty="0"/>
+                        <a:t>ResNet50</a:t>
+                      </a:r>
+                    </a:p>
+                  </a:txBody>
+                  <a:tcPr/>
+                </a:tc>
+                <a:tc>
+                  <a:txBody>
+                    <a:bodyPr/>
+                    <a:lstStyle/>
+                    <a:p>
+                      <a:r>
+                        <a:rPr lang="en-US" sz="1200" dirty="0"/>
+                        <a:t>70%</a:t>
+                      </a:r>
+                    </a:p>
+                  </a:txBody>
+                  <a:tcPr/>
+                </a:tc>
+                <a:tc>
+                  <a:txBody>
+                    <a:bodyPr/>
+                    <a:lstStyle/>
+                    <a:p>
+                      <a:r>
+                        <a:rPr lang="en-US" sz="1200" dirty="0"/>
+                        <a:t>66%</a:t>
+                      </a:r>
+                    </a:p>
+                  </a:txBody>
+                  <a:tcPr/>
+                </a:tc>
+                <a:tc>
+                  <a:txBody>
+                    <a:bodyPr/>
+                    <a:lstStyle/>
+                    <a:p>
+                      <a:r>
+                        <a:rPr lang="en-US" sz="1200" dirty="0"/>
+                        <a:t>0.86</a:t>
+                      </a:r>
+                    </a:p>
+                  </a:txBody>
+                  <a:tcPr/>
+                </a:tc>
+                <a:tc>
+                  <a:txBody>
+                    <a:bodyPr/>
+                    <a:lstStyle/>
+                    <a:p>
+                      <a:r>
+                        <a:rPr lang="en-US" sz="1200" dirty="0"/>
+                        <a:t>0.97</a:t>
+                      </a:r>
+                    </a:p>
+                  </a:txBody>
+                  <a:tcPr/>
+                </a:tc>
+                <a:tc>
+                  <a:txBody>
+                    <a:bodyPr/>
+                    <a:lstStyle/>
+                    <a:p>
+                      <a:r>
+                        <a:rPr lang="en-US" sz="1200" dirty="0"/>
+                        <a:t>0.78</a:t>
+                      </a:r>
+                    </a:p>
+                  </a:txBody>
+                  <a:tcPr/>
+                </a:tc>
+                <a:tc>
+                  <a:txBody>
+                    <a:bodyPr/>
+                    <a:lstStyle/>
+                    <a:p>
+                      <a:r>
+                        <a:rPr lang="en-US" sz="1200" dirty="0"/>
+                        <a:t>0.58</a:t>
+                      </a:r>
+                    </a:p>
+                  </a:txBody>
+                  <a:tcPr/>
+                </a:tc>
+                <a:tc>
+                  <a:txBody>
+                    <a:bodyPr/>
+                    <a:lstStyle/>
+                    <a:p>
+                      <a:r>
+                        <a:rPr lang="en-US" sz="1200" dirty="0"/>
+                        <a:t>0.67 </a:t>
+                      </a:r>
+                    </a:p>
+                  </a:txBody>
+                  <a:tcPr/>
+                </a:tc>
+                <a:tc>
+                  <a:txBody>
+                    <a:bodyPr/>
+                    <a:lstStyle/>
+                    <a:p>
+                      <a:r>
+                        <a:rPr lang="en-US" sz="1200" dirty="0"/>
+                        <a:t>0.93</a:t>
+                      </a:r>
+                    </a:p>
+                  </a:txBody>
+                  <a:tcPr/>
+                </a:tc>
+                <a:tc>
+                  <a:txBody>
+                    <a:bodyPr/>
+                    <a:lstStyle/>
+                    <a:p>
+                      <a:r>
+                        <a:rPr lang="en-US" sz="1200" dirty="0"/>
+                        <a:t>25,826,693</a:t>
+                      </a:r>
+                    </a:p>
+                  </a:txBody>
+                  <a:tcPr/>
+                </a:tc>
+                <a:extLst>
+                  <a:ext uri="{0D108BD9-81ED-4DB2-BD59-A6C34878D82A}">
+                    <a16:rowId xmlns:a16="http://schemas.microsoft.com/office/drawing/2014/main" val="1762348993"/>
+                  </a:ext>
+                </a:extLst>
+              </a:tr>
+            </a:tbl>
+          </a:graphicData>
+        </a:graphic>
+      </p:graphicFrame>
+    </p:spTree>
+    <p:extLst>
+      <p:ext uri="{BB962C8B-B14F-4D97-AF65-F5344CB8AC3E}">
+        <p14:creationId xmlns:p14="http://schemas.microsoft.com/office/powerpoint/2010/main" val="1860712933"/>
       </p:ext>
     </p:extLst>
   </p:cSld>

--- a/Blindness Detection Presentation.pptx
+++ b/Blindness Detection Presentation.pptx
@@ -21612,11 +21612,14 @@
               <a:buFont typeface="Arial" panose="020B0604020202020204" pitchFamily="34" charset="0"/>
               <a:buChar char="•"/>
             </a:pPr>
-            <a:endParaRPr lang="en-US" dirty="0">
-              <a:solidFill>
-                <a:schemeClr val="bg1"/>
-              </a:solidFill>
-            </a:endParaRPr>
+            <a:r>
+              <a:rPr lang="en-US" dirty="0">
+                <a:solidFill>
+                  <a:schemeClr val="bg1"/>
+                </a:solidFill>
+              </a:rPr>
+              <a:t>Revisit and preprocess image data further (reword)</a:t>
+            </a:r>
           </a:p>
           <a:p>
             <a:pPr marL="285750" indent="-285750">
@@ -23372,7 +23375,7 @@
           <p:nvPr>
             <p:extLst>
               <p:ext uri="{D42A27DB-BD31-4B8C-83A1-F6EECF244321}">
-                <p14:modId xmlns:p14="http://schemas.microsoft.com/office/powerpoint/2010/main" val="3003311230"/>
+                <p14:modId xmlns:p14="http://schemas.microsoft.com/office/powerpoint/2010/main" val="3427445471"/>
               </p:ext>
             </p:extLst>
           </p:nvPr>
@@ -23764,7 +23767,11 @@
                     <a:lstStyle/>
                     <a:p>
                       <a:r>
-                        <a:rPr lang="en-US" sz="1200" dirty="0"/>
+                        <a:rPr lang="en-US" sz="1200" dirty="0">
+                          <a:highlight>
+                            <a:srgbClr val="00FF00"/>
+                          </a:highlight>
+                        </a:rPr>
                         <a:t>VGG16</a:t>
                       </a:r>
                     </a:p>
@@ -23777,7 +23784,11 @@
                     <a:lstStyle/>
                     <a:p>
                       <a:r>
-                        <a:rPr lang="en-US" sz="1200" dirty="0"/>
+                        <a:rPr lang="en-US" sz="1200" dirty="0">
+                          <a:highlight>
+                            <a:srgbClr val="00FF00"/>
+                          </a:highlight>
+                        </a:rPr>
                         <a:t>81%</a:t>
                       </a:r>
                     </a:p>
@@ -23790,7 +23801,11 @@
                     <a:lstStyle/>
                     <a:p>
                       <a:r>
-                        <a:rPr lang="en-US" sz="1200" dirty="0"/>
+                        <a:rPr lang="en-US" sz="1200" dirty="0">
+                          <a:highlight>
+                            <a:srgbClr val="00FF00"/>
+                          </a:highlight>
+                        </a:rPr>
                         <a:t>66%</a:t>
                       </a:r>
                     </a:p>
@@ -23803,7 +23818,11 @@
                     <a:lstStyle/>
                     <a:p>
                       <a:r>
-                        <a:rPr lang="en-US" sz="1200" dirty="0"/>
+                        <a:rPr lang="en-US" sz="1200" dirty="0">
+                          <a:highlight>
+                            <a:srgbClr val="00FF00"/>
+                          </a:highlight>
+                        </a:rPr>
                         <a:t>0.50</a:t>
                       </a:r>
                     </a:p>
@@ -23816,7 +23835,11 @@
                     <a:lstStyle/>
                     <a:p>
                       <a:r>
-                        <a:rPr lang="en-US" sz="1200" dirty="0"/>
+                        <a:rPr lang="en-US" sz="1200" dirty="0">
+                          <a:highlight>
+                            <a:srgbClr val="00FF00"/>
+                          </a:highlight>
+                        </a:rPr>
                         <a:t>0.91</a:t>
                       </a:r>
                     </a:p>
@@ -23829,7 +23852,11 @@
                     <a:lstStyle/>
                     <a:p>
                       <a:r>
-                        <a:rPr lang="en-US" sz="1200" dirty="0"/>
+                        <a:rPr lang="en-US" sz="1200" dirty="0">
+                          <a:highlight>
+                            <a:srgbClr val="00FF00"/>
+                          </a:highlight>
+                        </a:rPr>
                         <a:t>0.85</a:t>
                       </a:r>
                     </a:p>
@@ -23842,7 +23869,11 @@
                     <a:lstStyle/>
                     <a:p>
                       <a:r>
-                        <a:rPr lang="en-US" sz="1200" dirty="0"/>
+                        <a:rPr lang="en-US" sz="1200" dirty="0">
+                          <a:highlight>
+                            <a:srgbClr val="00FF00"/>
+                          </a:highlight>
+                        </a:rPr>
                         <a:t>0.76</a:t>
                       </a:r>
                     </a:p>
@@ -23855,7 +23886,11 @@
                     <a:lstStyle/>
                     <a:p>
                       <a:r>
-                        <a:rPr lang="en-US" sz="1200" dirty="0"/>
+                        <a:rPr lang="en-US" sz="1200" dirty="0">
+                          <a:highlight>
+                            <a:srgbClr val="00FF00"/>
+                          </a:highlight>
+                        </a:rPr>
                         <a:t>0.80</a:t>
                       </a:r>
                     </a:p>
@@ -23868,7 +23903,11 @@
                     <a:lstStyle/>
                     <a:p>
                       <a:r>
-                        <a:rPr lang="en-US" sz="1200" dirty="0"/>
+                        <a:rPr lang="en-US" sz="1200" dirty="0">
+                          <a:highlight>
+                            <a:srgbClr val="00FF00"/>
+                          </a:highlight>
+                        </a:rPr>
                         <a:t>0.97</a:t>
                       </a:r>
                     </a:p>
@@ -23881,7 +23920,11 @@
                     <a:lstStyle/>
                     <a:p>
                       <a:r>
-                        <a:rPr lang="en-US" sz="1200" dirty="0"/>
+                        <a:rPr lang="en-US" sz="1200" dirty="0">
+                          <a:highlight>
+                            <a:srgbClr val="00FF00"/>
+                          </a:highlight>
+                        </a:rPr>
                         <a:t>14,789,205</a:t>
                       </a:r>
                     </a:p>

--- a/Blindness Detection Presentation.pptx
+++ b/Blindness Detection Presentation.pptx
@@ -21366,10 +21366,10 @@
       </p:pic>
       <p:pic>
         <p:nvPicPr>
-          <p:cNvPr id="11" name="Picture 10">
+          <p:cNvPr id="15" name="Picture 14">
             <a:extLst>
               <a:ext uri="{FF2B5EF4-FFF2-40B4-BE49-F238E27FC236}">
-                <a16:creationId xmlns:a16="http://schemas.microsoft.com/office/drawing/2014/main" id="{7106EC43-61D9-6240-15AF-FB474F4886FA}"/>
+                <a16:creationId xmlns:a16="http://schemas.microsoft.com/office/drawing/2014/main" id="{34556110-9AA8-4EE4-6D94-F9C03991262B}"/>
               </a:ext>
             </a:extLst>
           </p:cNvPr>
@@ -21378,15 +21378,16 @@
           </p:cNvPicPr>
           <p:nvPr/>
         </p:nvPicPr>
-        <p:blipFill rotWithShape="1">
-          <a:blip r:embed="rId3"/>
-          <a:srcRect t="65840"/>
-          <a:stretch/>
+        <p:blipFill>
+          <a:blip r:embed="rId4"/>
+          <a:stretch>
+            <a:fillRect/>
+          </a:stretch>
         </p:blipFill>
         <p:spPr>
           <a:xfrm>
-            <a:off x="5039395" y="1047307"/>
-            <a:ext cx="3722270" cy="1757030"/>
+            <a:off x="5136033" y="1041482"/>
+            <a:ext cx="3603422" cy="3371030"/>
           </a:xfrm>
           <a:prstGeom prst="rect">
             <a:avLst/>

--- a/Blindness Detection Presentation.pptx
+++ b/Blindness Detection Presentation.pptx
@@ -5,42 +5,43 @@
     <p:sldMasterId id="2147483648" r:id="rId1"/>
   </p:sldMasterIdLst>
   <p:notesMasterIdLst>
-    <p:notesMasterId r:id="rId13"/>
+    <p:notesMasterId r:id="rId14"/>
   </p:notesMasterIdLst>
   <p:sldIdLst>
     <p:sldId id="256" r:id="rId2"/>
     <p:sldId id="257" r:id="rId3"/>
     <p:sldId id="267" r:id="rId4"/>
-    <p:sldId id="268" r:id="rId5"/>
-    <p:sldId id="269" r:id="rId6"/>
-    <p:sldId id="270" r:id="rId7"/>
-    <p:sldId id="271" r:id="rId8"/>
-    <p:sldId id="272" r:id="rId9"/>
-    <p:sldId id="273" r:id="rId10"/>
-    <p:sldId id="275" r:id="rId11"/>
-    <p:sldId id="274" r:id="rId12"/>
+    <p:sldId id="276" r:id="rId5"/>
+    <p:sldId id="268" r:id="rId6"/>
+    <p:sldId id="269" r:id="rId7"/>
+    <p:sldId id="270" r:id="rId8"/>
+    <p:sldId id="271" r:id="rId9"/>
+    <p:sldId id="272" r:id="rId10"/>
+    <p:sldId id="273" r:id="rId11"/>
+    <p:sldId id="275" r:id="rId12"/>
+    <p:sldId id="274" r:id="rId13"/>
   </p:sldIdLst>
   <p:sldSz cx="9144000" cy="5143500" type="screen16x9"/>
   <p:notesSz cx="6858000" cy="9144000"/>
   <p:embeddedFontLst>
     <p:embeddedFont>
       <p:font typeface="Corbel" panose="020B0503020204020204" pitchFamily="34" charset="0"/>
-      <p:regular r:id="rId14"/>
-      <p:bold r:id="rId15"/>
-      <p:italic r:id="rId16"/>
-      <p:boldItalic r:id="rId17"/>
+      <p:regular r:id="rId15"/>
+      <p:bold r:id="rId16"/>
+      <p:italic r:id="rId17"/>
+      <p:boldItalic r:id="rId18"/>
     </p:embeddedFont>
     <p:embeddedFont>
       <p:font typeface="Lato" panose="020F0502020204030203" pitchFamily="34" charset="0"/>
-      <p:regular r:id="rId18"/>
-      <p:bold r:id="rId19"/>
-      <p:italic r:id="rId20"/>
-      <p:boldItalic r:id="rId21"/>
+      <p:regular r:id="rId19"/>
+      <p:bold r:id="rId20"/>
+      <p:italic r:id="rId21"/>
+      <p:boldItalic r:id="rId22"/>
     </p:embeddedFont>
     <p:embeddedFont>
       <p:font typeface="Raleway ExtraBold" pitchFamily="2" charset="0"/>
-      <p:bold r:id="rId22"/>
-      <p:boldItalic r:id="rId23"/>
+      <p:bold r:id="rId23"/>
+      <p:boldItalic r:id="rId24"/>
     </p:embeddedFont>
   </p:embeddedFontLst>
   <p:defaultTextStyle>
@@ -288,7 +289,7 @@
       </p15:sldGuideLst>
     </p:ext>
     <p:ext uri="http://customooxmlschemas.google.com/">
-      <go:slidesCustomData xmlns="" xmlns:mc="http://schemas.openxmlformats.org/markup-compatibility/2006" xmlns:mv="urn:schemas-microsoft-com:mac:vml" xmlns:c="http://schemas.openxmlformats.org/drawingml/2006/chart" xmlns:dgm="http://schemas.openxmlformats.org/drawingml/2006/diagram" xmlns:o="urn:schemas-microsoft-com:office:office" xmlns:v="urn:schemas-microsoft-com:vml" xmlns:pvml="urn:schemas-microsoft-com:office:powerpoint" xmlns:com="http://schemas.openxmlformats.org/drawingml/2006/compatibility" xmlns:p14="http://schemas.microsoft.com/office/powerpoint/2010/main" xmlns:p15="http://schemas.microsoft.com/office/powerpoint/2012/main" xmlns:ahyp="http://schemas.microsoft.com/office/drawing/2018/hyperlinkcolor" xmlns:go="http://customooxmlschemas.google.com/" r:id="rId29" roundtripDataSignature="AMtx7mhGRjcg0Yqg7aDT2RBWlna5YBA7+Q=="/>
+      <go:slidesCustomData xmlns:go="http://customooxmlschemas.google.com/" xmlns:ahyp="http://schemas.microsoft.com/office/drawing/2018/hyperlinkcolor" xmlns:p15="http://schemas.microsoft.com/office/powerpoint/2012/main" xmlns:p14="http://schemas.microsoft.com/office/powerpoint/2010/main" xmlns:com="http://schemas.openxmlformats.org/drawingml/2006/compatibility" xmlns:pvml="urn:schemas-microsoft-com:office:powerpoint" xmlns:v="urn:schemas-microsoft-com:vml" xmlns:o="urn:schemas-microsoft-com:office:office" xmlns:dgm="http://schemas.openxmlformats.org/drawingml/2006/diagram" xmlns:c="http://schemas.openxmlformats.org/drawingml/2006/chart" xmlns:mv="urn:schemas-microsoft-com:mac:vml" xmlns:mc="http://schemas.openxmlformats.org/markup-compatibility/2006" xmlns="" r:id="rId29" roundtripDataSignature="AMtx7mhGRjcg0Yqg7aDT2RBWlna5YBA7+Q=="/>
     </p:ext>
   </p:extLst>
 </p:presentation>
@@ -21330,2032 +21331,6 @@
           <a:p>
             <a:r>
               <a:rPr lang="en-US" dirty="0"/>
-              <a:t>Results Visualization</a:t>
-            </a:r>
-          </a:p>
-        </p:txBody>
-      </p:sp>
-      <p:pic>
-        <p:nvPicPr>
-          <p:cNvPr id="9" name="Picture 8">
-            <a:extLst>
-              <a:ext uri="{FF2B5EF4-FFF2-40B4-BE49-F238E27FC236}">
-                <a16:creationId xmlns:a16="http://schemas.microsoft.com/office/drawing/2014/main" id="{4E9643B5-7086-FB57-3016-8E834CA8EA9B}"/>
-              </a:ext>
-            </a:extLst>
-          </p:cNvPr>
-          <p:cNvPicPr>
-            <a:picLocks noChangeAspect="1"/>
-          </p:cNvPicPr>
-          <p:nvPr/>
-        </p:nvPicPr>
-        <p:blipFill rotWithShape="1">
-          <a:blip r:embed="rId3"/>
-          <a:srcRect b="33540"/>
-          <a:stretch/>
-        </p:blipFill>
-        <p:spPr>
-          <a:xfrm>
-            <a:off x="1243572" y="994146"/>
-            <a:ext cx="3722270" cy="3418366"/>
-          </a:xfrm>
-          <a:prstGeom prst="rect">
-            <a:avLst/>
-          </a:prstGeom>
-        </p:spPr>
-      </p:pic>
-      <p:pic>
-        <p:nvPicPr>
-          <p:cNvPr id="15" name="Picture 14">
-            <a:extLst>
-              <a:ext uri="{FF2B5EF4-FFF2-40B4-BE49-F238E27FC236}">
-                <a16:creationId xmlns:a16="http://schemas.microsoft.com/office/drawing/2014/main" id="{34556110-9AA8-4EE4-6D94-F9C03991262B}"/>
-              </a:ext>
-            </a:extLst>
-          </p:cNvPr>
-          <p:cNvPicPr>
-            <a:picLocks noChangeAspect="1"/>
-          </p:cNvPicPr>
-          <p:nvPr/>
-        </p:nvPicPr>
-        <p:blipFill>
-          <a:blip r:embed="rId4"/>
-          <a:stretch>
-            <a:fillRect/>
-          </a:stretch>
-        </p:blipFill>
-        <p:spPr>
-          <a:xfrm>
-            <a:off x="5136033" y="1041482"/>
-            <a:ext cx="3603422" cy="3371030"/>
-          </a:xfrm>
-          <a:prstGeom prst="rect">
-            <a:avLst/>
-          </a:prstGeom>
-        </p:spPr>
-      </p:pic>
-    </p:spTree>
-    <p:extLst>
-      <p:ext uri="{BB962C8B-B14F-4D97-AF65-F5344CB8AC3E}">
-        <p14:creationId xmlns:p14="http://schemas.microsoft.com/office/powerpoint/2010/main" val="2456988779"/>
-      </p:ext>
-    </p:extLst>
-  </p:cSld>
-  <p:clrMapOvr>
-    <a:masterClrMapping/>
-  </p:clrMapOvr>
-</p:sld>
-</file>
-
-<file path=ppt/slides/slide11.xml><?xml version="1.0" encoding="utf-8"?>
-<p:sld xmlns:a="http://schemas.openxmlformats.org/drawingml/2006/main" xmlns:r="http://schemas.openxmlformats.org/officeDocument/2006/relationships" xmlns:p="http://schemas.openxmlformats.org/presentationml/2006/main">
-  <p:cSld>
-    <p:spTree>
-      <p:nvGrpSpPr>
-        <p:cNvPr id="1" name="Shape 158"/>
-        <p:cNvGrpSpPr/>
-        <p:nvPr/>
-      </p:nvGrpSpPr>
-      <p:grpSpPr>
-        <a:xfrm>
-          <a:off x="0" y="0"/>
-          <a:ext cx="0" cy="0"/>
-          <a:chOff x="0" y="0"/>
-          <a:chExt cx="0" cy="0"/>
-        </a:xfrm>
-      </p:grpSpPr>
-      <p:sp>
-        <p:nvSpPr>
-          <p:cNvPr id="3" name="Title 2">
-            <a:extLst>
-              <a:ext uri="{FF2B5EF4-FFF2-40B4-BE49-F238E27FC236}">
-                <a16:creationId xmlns:a16="http://schemas.microsoft.com/office/drawing/2014/main" id="{55A06791-28FA-228B-F912-94966CBEEE65}"/>
-              </a:ext>
-            </a:extLst>
-          </p:cNvPr>
-          <p:cNvSpPr>
-            <a:spLocks noGrp="1"/>
-          </p:cNvSpPr>
-          <p:nvPr>
-            <p:ph type="title"/>
-          </p:nvPr>
-        </p:nvSpPr>
-        <p:spPr>
-          <a:xfrm>
-            <a:off x="766664" y="99706"/>
-            <a:ext cx="7688400" cy="1518600"/>
-          </a:xfrm>
-        </p:spPr>
-        <p:txBody>
-          <a:bodyPr/>
-          <a:lstStyle/>
-          <a:p>
-            <a:r>
-              <a:rPr lang="en-US" dirty="0"/>
-              <a:t>Planned Future Work</a:t>
-            </a:r>
-          </a:p>
-        </p:txBody>
-      </p:sp>
-      <p:sp>
-        <p:nvSpPr>
-          <p:cNvPr id="2" name="TextBox 1">
-            <a:extLst>
-              <a:ext uri="{FF2B5EF4-FFF2-40B4-BE49-F238E27FC236}">
-                <a16:creationId xmlns:a16="http://schemas.microsoft.com/office/drawing/2014/main" id="{79B1E69C-6737-DEF2-D995-BD872ECBE477}"/>
-              </a:ext>
-            </a:extLst>
-          </p:cNvPr>
-          <p:cNvSpPr txBox="1"/>
-          <p:nvPr/>
-        </p:nvSpPr>
-        <p:spPr>
-          <a:xfrm>
-            <a:off x="2030819" y="812432"/>
-            <a:ext cx="6028660" cy="2462213"/>
-          </a:xfrm>
-          <a:prstGeom prst="rect">
-            <a:avLst/>
-          </a:prstGeom>
-          <a:noFill/>
-        </p:spPr>
-        <p:txBody>
-          <a:bodyPr wrap="square" rtlCol="0">
-            <a:spAutoFit/>
-          </a:bodyPr>
-          <a:lstStyle/>
-          <a:p>
-            <a:pPr marL="285750" indent="-285750">
-              <a:buClr>
-                <a:schemeClr val="bg1"/>
-              </a:buClr>
-              <a:buFont typeface="Arial" panose="020B0604020202020204" pitchFamily="34" charset="0"/>
-              <a:buChar char="•"/>
-            </a:pPr>
-            <a:r>
-              <a:rPr lang="en-US" b="0" i="0" u="none" strike="noStrike" dirty="0">
-                <a:solidFill>
-                  <a:schemeClr val="bg1"/>
-                </a:solidFill>
-                <a:effectLst/>
-                <a:latin typeface="Arial" panose="020B0604020202020204" pitchFamily="34" charset="0"/>
-              </a:rPr>
-              <a:t>Evaluate on Test Data</a:t>
-            </a:r>
-          </a:p>
-          <a:p>
-            <a:pPr marL="285750" indent="-285750">
-              <a:buClr>
-                <a:schemeClr val="bg1"/>
-              </a:buClr>
-              <a:buFont typeface="Arial" panose="020B0604020202020204" pitchFamily="34" charset="0"/>
-              <a:buChar char="•"/>
-            </a:pPr>
-            <a:endParaRPr lang="en-US" b="0" i="0" u="none" strike="noStrike" dirty="0">
-              <a:solidFill>
-                <a:schemeClr val="bg1"/>
-              </a:solidFill>
-              <a:effectLst/>
-              <a:latin typeface="Arial" panose="020B0604020202020204" pitchFamily="34" charset="0"/>
-            </a:endParaRPr>
-          </a:p>
-          <a:p>
-            <a:pPr marL="285750" indent="-285750">
-              <a:buClr>
-                <a:schemeClr val="bg1"/>
-              </a:buClr>
-              <a:buFont typeface="Arial" panose="020B0604020202020204" pitchFamily="34" charset="0"/>
-              <a:buChar char="•"/>
-            </a:pPr>
-            <a:r>
-              <a:rPr lang="en-US" dirty="0">
-                <a:solidFill>
-                  <a:schemeClr val="bg1"/>
-                </a:solidFill>
-                <a:latin typeface="Arial" panose="020B0604020202020204" pitchFamily="34" charset="0"/>
-              </a:rPr>
-              <a:t>Perform logistic regression and ET decision trees</a:t>
-            </a:r>
-          </a:p>
-          <a:p>
-            <a:pPr marL="285750" indent="-285750">
-              <a:buClr>
-                <a:schemeClr val="bg1"/>
-              </a:buClr>
-              <a:buFont typeface="Arial" panose="020B0604020202020204" pitchFamily="34" charset="0"/>
-              <a:buChar char="•"/>
-            </a:pPr>
-            <a:endParaRPr lang="en-US" dirty="0">
-              <a:solidFill>
-                <a:schemeClr val="bg1"/>
-              </a:solidFill>
-              <a:latin typeface="Arial" panose="020B0604020202020204" pitchFamily="34" charset="0"/>
-            </a:endParaRPr>
-          </a:p>
-          <a:p>
-            <a:pPr marL="285750" indent="-285750">
-              <a:buClr>
-                <a:schemeClr val="bg1"/>
-              </a:buClr>
-              <a:buFont typeface="Arial" panose="020B0604020202020204" pitchFamily="34" charset="0"/>
-              <a:buChar char="•"/>
-            </a:pPr>
-            <a:r>
-              <a:rPr lang="en-US" b="0" i="0" u="none" strike="noStrike" dirty="0">
-                <a:solidFill>
-                  <a:schemeClr val="bg1"/>
-                </a:solidFill>
-                <a:effectLst/>
-                <a:latin typeface="Arial" panose="020B0604020202020204" pitchFamily="34" charset="0"/>
-              </a:rPr>
-              <a:t>Retrain the models with data augmentation and compare the results if data augmentation increases performance</a:t>
-            </a:r>
-          </a:p>
-          <a:p>
-            <a:pPr marL="285750" indent="-285750">
-              <a:buClr>
-                <a:schemeClr val="bg1"/>
-              </a:buClr>
-              <a:buFont typeface="Arial" panose="020B0604020202020204" pitchFamily="34" charset="0"/>
-              <a:buChar char="•"/>
-            </a:pPr>
-            <a:endParaRPr lang="en-US" dirty="0">
-              <a:solidFill>
-                <a:schemeClr val="bg1"/>
-              </a:solidFill>
-              <a:latin typeface="Arial" panose="020B0604020202020204" pitchFamily="34" charset="0"/>
-            </a:endParaRPr>
-          </a:p>
-          <a:p>
-            <a:pPr marL="285750" indent="-285750">
-              <a:buClr>
-                <a:schemeClr val="bg1"/>
-              </a:buClr>
-              <a:buFont typeface="Arial" panose="020B0604020202020204" pitchFamily="34" charset="0"/>
-              <a:buChar char="•"/>
-            </a:pPr>
-            <a:r>
-              <a:rPr lang="en-US" b="0" i="0" u="none" strike="noStrike" dirty="0">
-                <a:solidFill>
-                  <a:schemeClr val="bg1"/>
-                </a:solidFill>
-                <a:effectLst/>
-                <a:latin typeface="Arial" panose="020B0604020202020204" pitchFamily="34" charset="0"/>
-              </a:rPr>
-              <a:t>Continue tuning hyperparameters to increase accuracy without overfitting</a:t>
-            </a:r>
-          </a:p>
-          <a:p>
-            <a:pPr marL="285750" indent="-285750">
-              <a:buClr>
-                <a:schemeClr val="bg1"/>
-              </a:buClr>
-              <a:buFont typeface="Arial" panose="020B0604020202020204" pitchFamily="34" charset="0"/>
-              <a:buChar char="•"/>
-            </a:pPr>
-            <a:r>
-              <a:rPr lang="en-US" dirty="0">
-                <a:solidFill>
-                  <a:schemeClr val="bg1"/>
-                </a:solidFill>
-              </a:rPr>
-              <a:t>Revisit and preprocess image data further (reword)</a:t>
-            </a:r>
-          </a:p>
-          <a:p>
-            <a:pPr marL="285750" indent="-285750">
-              <a:buClr>
-                <a:schemeClr val="bg1"/>
-              </a:buClr>
-              <a:buFont typeface="Arial" panose="020B0604020202020204" pitchFamily="34" charset="0"/>
-              <a:buChar char="•"/>
-            </a:pPr>
-            <a:endParaRPr lang="en-US" dirty="0">
-              <a:solidFill>
-                <a:schemeClr val="bg1"/>
-              </a:solidFill>
-            </a:endParaRPr>
-          </a:p>
-        </p:txBody>
-      </p:sp>
-    </p:spTree>
-    <p:extLst>
-      <p:ext uri="{BB962C8B-B14F-4D97-AF65-F5344CB8AC3E}">
-        <p14:creationId xmlns:p14="http://schemas.microsoft.com/office/powerpoint/2010/main" val="2412890731"/>
-      </p:ext>
-    </p:extLst>
-  </p:cSld>
-  <p:clrMapOvr>
-    <a:masterClrMapping/>
-  </p:clrMapOvr>
-</p:sld>
-</file>
-
-<file path=ppt/slides/slide2.xml><?xml version="1.0" encoding="utf-8"?>
-<p:sld xmlns:a="http://schemas.openxmlformats.org/drawingml/2006/main" xmlns:r="http://schemas.openxmlformats.org/officeDocument/2006/relationships" xmlns:p="http://schemas.openxmlformats.org/presentationml/2006/main">
-  <p:cSld>
-    <p:spTree>
-      <p:nvGrpSpPr>
-        <p:cNvPr id="1" name="Shape 158"/>
-        <p:cNvGrpSpPr/>
-        <p:nvPr/>
-      </p:nvGrpSpPr>
-      <p:grpSpPr>
-        <a:xfrm>
-          <a:off x="0" y="0"/>
-          <a:ext cx="0" cy="0"/>
-          <a:chOff x="0" y="0"/>
-          <a:chExt cx="0" cy="0"/>
-        </a:xfrm>
-      </p:grpSpPr>
-      <p:sp>
-        <p:nvSpPr>
-          <p:cNvPr id="3" name="Title 2">
-            <a:extLst>
-              <a:ext uri="{FF2B5EF4-FFF2-40B4-BE49-F238E27FC236}">
-                <a16:creationId xmlns:a16="http://schemas.microsoft.com/office/drawing/2014/main" id="{55A06791-28FA-228B-F912-94966CBEEE65}"/>
-              </a:ext>
-            </a:extLst>
-          </p:cNvPr>
-          <p:cNvSpPr>
-            <a:spLocks noGrp="1"/>
-          </p:cNvSpPr>
-          <p:nvPr>
-            <p:ph type="title"/>
-          </p:nvPr>
-        </p:nvSpPr>
-        <p:spPr>
-          <a:xfrm>
-            <a:off x="766664" y="99706"/>
-            <a:ext cx="7688400" cy="1518600"/>
-          </a:xfrm>
-        </p:spPr>
-        <p:txBody>
-          <a:bodyPr/>
-          <a:lstStyle/>
-          <a:p>
-            <a:r>
-              <a:rPr lang="en-US" dirty="0"/>
-              <a:t>Problem Statement</a:t>
-            </a:r>
-          </a:p>
-        </p:txBody>
-      </p:sp>
-      <p:sp>
-        <p:nvSpPr>
-          <p:cNvPr id="4" name="TextBox 3">
-            <a:extLst>
-              <a:ext uri="{FF2B5EF4-FFF2-40B4-BE49-F238E27FC236}">
-                <a16:creationId xmlns:a16="http://schemas.microsoft.com/office/drawing/2014/main" id="{9D65A79C-4354-4DED-C092-5823A0568A9C}"/>
-              </a:ext>
-            </a:extLst>
-          </p:cNvPr>
-          <p:cNvSpPr txBox="1"/>
-          <p:nvPr/>
-        </p:nvSpPr>
-        <p:spPr>
-          <a:xfrm>
-            <a:off x="1982973" y="687309"/>
-            <a:ext cx="6028660" cy="2031325"/>
-          </a:xfrm>
-          <a:prstGeom prst="rect">
-            <a:avLst/>
-          </a:prstGeom>
-          <a:noFill/>
-        </p:spPr>
-        <p:txBody>
-          <a:bodyPr wrap="square" rtlCol="0">
-            <a:spAutoFit/>
-          </a:bodyPr>
-          <a:lstStyle/>
-          <a:p>
-            <a:pPr marL="285750" indent="-285750">
-              <a:buClr>
-                <a:schemeClr val="bg1"/>
-              </a:buClr>
-              <a:buFont typeface="Arial" panose="020B0604020202020204" pitchFamily="34" charset="0"/>
-              <a:buChar char="•"/>
-            </a:pPr>
-            <a:r>
-              <a:rPr lang="en-US" b="0" i="0" u="none" strike="noStrike" dirty="0">
-                <a:solidFill>
-                  <a:schemeClr val="bg1"/>
-                </a:solidFill>
-                <a:effectLst/>
-                <a:latin typeface="Arial" panose="020B0604020202020204" pitchFamily="34" charset="0"/>
-              </a:rPr>
-              <a:t>Diabetic retinopathy is one of the most common causes of blindness in people who have diabetes</a:t>
-            </a:r>
-          </a:p>
-          <a:p>
-            <a:pPr marL="285750" indent="-285750">
-              <a:buClr>
-                <a:schemeClr val="bg1"/>
-              </a:buClr>
-              <a:buFont typeface="Arial" panose="020B0604020202020204" pitchFamily="34" charset="0"/>
-              <a:buChar char="•"/>
-            </a:pPr>
-            <a:endParaRPr lang="en-US" dirty="0">
-              <a:solidFill>
-                <a:schemeClr val="bg1"/>
-              </a:solidFill>
-            </a:endParaRPr>
-          </a:p>
-          <a:p>
-            <a:pPr marL="285750" indent="-285750">
-              <a:buClr>
-                <a:schemeClr val="bg1"/>
-              </a:buClr>
-              <a:buFont typeface="Arial" panose="020B0604020202020204" pitchFamily="34" charset="0"/>
-              <a:buChar char="•"/>
-            </a:pPr>
-            <a:r>
-              <a:rPr lang="en-US" dirty="0">
-                <a:solidFill>
-                  <a:schemeClr val="bg1"/>
-                </a:solidFill>
-              </a:rPr>
-              <a:t>It is important to take a screening exam for early detection</a:t>
-            </a:r>
-          </a:p>
-          <a:p>
-            <a:pPr marL="285750" indent="-285750">
-              <a:buClr>
-                <a:schemeClr val="bg1"/>
-              </a:buClr>
-              <a:buFont typeface="Arial" panose="020B0604020202020204" pitchFamily="34" charset="0"/>
-              <a:buChar char="•"/>
-            </a:pPr>
-            <a:endParaRPr lang="en-US" dirty="0">
-              <a:solidFill>
-                <a:schemeClr val="bg1"/>
-              </a:solidFill>
-            </a:endParaRPr>
-          </a:p>
-          <a:p>
-            <a:pPr marL="285750" lvl="2" indent="-285750">
-              <a:buClr>
-                <a:schemeClr val="bg1"/>
-              </a:buClr>
-              <a:buFont typeface="Arial" panose="020B0604020202020204" pitchFamily="34" charset="0"/>
-              <a:buChar char="•"/>
-            </a:pPr>
-            <a:r>
-              <a:rPr lang="en-US" dirty="0">
-                <a:solidFill>
-                  <a:schemeClr val="bg1"/>
-                </a:solidFill>
-              </a:rPr>
-              <a:t>Lack of infrastructure and skilled professionals in some rural areas</a:t>
-            </a:r>
-          </a:p>
-          <a:p>
-            <a:pPr marL="285750" lvl="5" indent="-285750">
-              <a:buClr>
-                <a:schemeClr val="bg1"/>
-              </a:buClr>
-              <a:buFont typeface="Arial" panose="020B0604020202020204" pitchFamily="34" charset="0"/>
-              <a:buChar char="•"/>
-            </a:pPr>
-            <a:endParaRPr lang="en-US" dirty="0">
-              <a:solidFill>
-                <a:schemeClr val="bg1"/>
-              </a:solidFill>
-            </a:endParaRPr>
-          </a:p>
-          <a:p>
-            <a:pPr marL="285750" indent="-285750">
-              <a:buClr>
-                <a:schemeClr val="bg1"/>
-              </a:buClr>
-              <a:buFont typeface="Arial" panose="020B0604020202020204" pitchFamily="34" charset="0"/>
-              <a:buChar char="•"/>
-            </a:pPr>
-            <a:r>
-              <a:rPr lang="en-US" dirty="0">
-                <a:solidFill>
-                  <a:schemeClr val="bg1"/>
-                </a:solidFill>
-              </a:rPr>
-              <a:t>Very time-consuming and labor-intensive</a:t>
-            </a:r>
-          </a:p>
-          <a:p>
-            <a:pPr marL="285750" indent="-285750">
-              <a:buClr>
-                <a:schemeClr val="bg1"/>
-              </a:buClr>
-              <a:buFont typeface="Arial" panose="020B0604020202020204" pitchFamily="34" charset="0"/>
-              <a:buChar char="•"/>
-            </a:pPr>
-            <a:endParaRPr lang="en-US" dirty="0">
-              <a:solidFill>
-                <a:schemeClr val="bg1"/>
-              </a:solidFill>
-            </a:endParaRPr>
-          </a:p>
-        </p:txBody>
-      </p:sp>
-      <p:pic>
-        <p:nvPicPr>
-          <p:cNvPr id="1026" name="Picture 2" descr="Understanding Diabetic Retinopathy and how to reverse it">
-            <a:extLst>
-              <a:ext uri="{FF2B5EF4-FFF2-40B4-BE49-F238E27FC236}">
-                <a16:creationId xmlns:a16="http://schemas.microsoft.com/office/drawing/2014/main" id="{38ECC534-2653-BD18-848F-7E698B78BE1A}"/>
-              </a:ext>
-            </a:extLst>
-          </p:cNvPr>
-          <p:cNvPicPr>
-            <a:picLocks noChangeAspect="1" noChangeArrowheads="1"/>
-          </p:cNvPicPr>
-          <p:nvPr/>
-        </p:nvPicPr>
-        <p:blipFill>
-          <a:blip r:embed="rId3">
-            <a:extLst>
-              <a:ext uri="{28A0092B-C50C-407E-A947-70E740481C1C}">
-                <a14:useLocalDpi xmlns:a14="http://schemas.microsoft.com/office/drawing/2010/main" val="0"/>
-              </a:ext>
-            </a:extLst>
-          </a:blip>
-          <a:srcRect/>
-          <a:stretch>
-            <a:fillRect/>
-          </a:stretch>
-        </p:blipFill>
-        <p:spPr bwMode="auto">
-          <a:xfrm>
-            <a:off x="2349796" y="2571750"/>
-            <a:ext cx="4227932" cy="2378212"/>
-          </a:xfrm>
-          <a:prstGeom prst="rect">
-            <a:avLst/>
-          </a:prstGeom>
-          <a:noFill/>
-          <a:extLst>
-            <a:ext uri="{909E8E84-426E-40DD-AFC4-6F175D3DCCD1}">
-              <a14:hiddenFill xmlns:a14="http://schemas.microsoft.com/office/drawing/2010/main">
-                <a:solidFill>
-                  <a:srgbClr val="FFFFFF"/>
-                </a:solidFill>
-              </a14:hiddenFill>
-            </a:ext>
-          </a:extLst>
-        </p:spPr>
-      </p:pic>
-    </p:spTree>
-  </p:cSld>
-  <p:clrMapOvr>
-    <a:masterClrMapping/>
-  </p:clrMapOvr>
-</p:sld>
-</file>
-
-<file path=ppt/slides/slide3.xml><?xml version="1.0" encoding="utf-8"?>
-<p:sld xmlns:a="http://schemas.openxmlformats.org/drawingml/2006/main" xmlns:r="http://schemas.openxmlformats.org/officeDocument/2006/relationships" xmlns:p="http://schemas.openxmlformats.org/presentationml/2006/main">
-  <p:cSld>
-    <p:spTree>
-      <p:nvGrpSpPr>
-        <p:cNvPr id="1" name="Shape 158"/>
-        <p:cNvGrpSpPr/>
-        <p:nvPr/>
-      </p:nvGrpSpPr>
-      <p:grpSpPr>
-        <a:xfrm>
-          <a:off x="0" y="0"/>
-          <a:ext cx="0" cy="0"/>
-          <a:chOff x="0" y="0"/>
-          <a:chExt cx="0" cy="0"/>
-        </a:xfrm>
-      </p:grpSpPr>
-      <p:sp>
-        <p:nvSpPr>
-          <p:cNvPr id="3" name="Title 2">
-            <a:extLst>
-              <a:ext uri="{FF2B5EF4-FFF2-40B4-BE49-F238E27FC236}">
-                <a16:creationId xmlns:a16="http://schemas.microsoft.com/office/drawing/2014/main" id="{55A06791-28FA-228B-F912-94966CBEEE65}"/>
-              </a:ext>
-            </a:extLst>
-          </p:cNvPr>
-          <p:cNvSpPr>
-            <a:spLocks noGrp="1"/>
-          </p:cNvSpPr>
-          <p:nvPr>
-            <p:ph type="title"/>
-          </p:nvPr>
-        </p:nvSpPr>
-        <p:spPr>
-          <a:xfrm>
-            <a:off x="766664" y="99706"/>
-            <a:ext cx="7688400" cy="1518600"/>
-          </a:xfrm>
-        </p:spPr>
-        <p:txBody>
-          <a:bodyPr/>
-          <a:lstStyle/>
-          <a:p>
-            <a:r>
-              <a:rPr lang="en-US" dirty="0"/>
-              <a:t>Proposed Solution &amp; Dataset</a:t>
-            </a:r>
-          </a:p>
-        </p:txBody>
-      </p:sp>
-      <p:sp>
-        <p:nvSpPr>
-          <p:cNvPr id="4" name="TextBox 3">
-            <a:extLst>
-              <a:ext uri="{FF2B5EF4-FFF2-40B4-BE49-F238E27FC236}">
-                <a16:creationId xmlns:a16="http://schemas.microsoft.com/office/drawing/2014/main" id="{9D65A79C-4354-4DED-C092-5823A0568A9C}"/>
-              </a:ext>
-            </a:extLst>
-          </p:cNvPr>
-          <p:cNvSpPr txBox="1"/>
-          <p:nvPr/>
-        </p:nvSpPr>
-        <p:spPr>
-          <a:xfrm>
-            <a:off x="1988289" y="1032867"/>
-            <a:ext cx="6028660" cy="2677656"/>
-          </a:xfrm>
-          <a:prstGeom prst="rect">
-            <a:avLst/>
-          </a:prstGeom>
-          <a:noFill/>
-        </p:spPr>
-        <p:txBody>
-          <a:bodyPr wrap="square" rtlCol="0">
-            <a:spAutoFit/>
-          </a:bodyPr>
-          <a:lstStyle/>
-          <a:p>
-            <a:pPr marL="285750" indent="-285750">
-              <a:buClr>
-                <a:schemeClr val="bg1"/>
-              </a:buClr>
-              <a:buFont typeface="Arial" panose="020B0604020202020204" pitchFamily="34" charset="0"/>
-              <a:buChar char="•"/>
-            </a:pPr>
-            <a:r>
-              <a:rPr lang="en-US" b="0" i="0" u="none" strike="noStrike" dirty="0">
-                <a:solidFill>
-                  <a:schemeClr val="bg1"/>
-                </a:solidFill>
-                <a:effectLst/>
-                <a:latin typeface="Arial" panose="020B0604020202020204" pitchFamily="34" charset="0"/>
-              </a:rPr>
-              <a:t>Implement various Deep Learning models to perform multi-class image classification.</a:t>
-            </a:r>
-          </a:p>
-          <a:p>
-            <a:pPr marL="285750" indent="-285750">
-              <a:buClr>
-                <a:schemeClr val="bg1"/>
-              </a:buClr>
-              <a:buFont typeface="Arial" panose="020B0604020202020204" pitchFamily="34" charset="0"/>
-              <a:buChar char="•"/>
-            </a:pPr>
-            <a:endParaRPr lang="en-US" dirty="0">
-              <a:solidFill>
-                <a:schemeClr val="bg1"/>
-              </a:solidFill>
-              <a:latin typeface="Arial" panose="020B0604020202020204" pitchFamily="34" charset="0"/>
-            </a:endParaRPr>
-          </a:p>
-          <a:p>
-            <a:pPr marL="285750" indent="-285750">
-              <a:buClr>
-                <a:schemeClr val="bg1"/>
-              </a:buClr>
-              <a:buFont typeface="Arial" panose="020B0604020202020204" pitchFamily="34" charset="0"/>
-              <a:buChar char="•"/>
-            </a:pPr>
-            <a:endParaRPr lang="en-US" b="0" i="0" u="none" strike="noStrike" dirty="0">
-              <a:solidFill>
-                <a:schemeClr val="bg1"/>
-              </a:solidFill>
-              <a:effectLst/>
-              <a:latin typeface="Arial" panose="020B0604020202020204" pitchFamily="34" charset="0"/>
-            </a:endParaRPr>
-          </a:p>
-          <a:p>
-            <a:pPr marL="285750" indent="-285750">
-              <a:buClr>
-                <a:schemeClr val="bg1"/>
-              </a:buClr>
-              <a:buFont typeface="Arial" panose="020B0604020202020204" pitchFamily="34" charset="0"/>
-              <a:buChar char="•"/>
-            </a:pPr>
-            <a:endParaRPr lang="en-US" b="0" i="0" u="none" strike="noStrike" dirty="0">
-              <a:solidFill>
-                <a:schemeClr val="bg1"/>
-              </a:solidFill>
-              <a:effectLst/>
-              <a:latin typeface="Arial" panose="020B0604020202020204" pitchFamily="34" charset="0"/>
-            </a:endParaRPr>
-          </a:p>
-          <a:p>
-            <a:pPr marL="285750" indent="-285750">
-              <a:buClr>
-                <a:schemeClr val="bg1"/>
-              </a:buClr>
-              <a:buFont typeface="Arial" panose="020B0604020202020204" pitchFamily="34" charset="0"/>
-              <a:buChar char="•"/>
-            </a:pPr>
-            <a:endParaRPr lang="en-US" dirty="0">
-              <a:solidFill>
-                <a:schemeClr val="bg1"/>
-              </a:solidFill>
-            </a:endParaRPr>
-          </a:p>
-          <a:p>
-            <a:pPr marL="285750" indent="-285750">
-              <a:buClr>
-                <a:schemeClr val="bg1"/>
-              </a:buClr>
-              <a:buFont typeface="Arial" panose="020B0604020202020204" pitchFamily="34" charset="0"/>
-              <a:buChar char="•"/>
-            </a:pPr>
-            <a:r>
-              <a:rPr lang="en-US" dirty="0">
-                <a:solidFill>
-                  <a:schemeClr val="bg1"/>
-                </a:solidFill>
-              </a:rPr>
-              <a:t>Dataset: </a:t>
-            </a:r>
-            <a:r>
-              <a:rPr lang="en-US" b="0" i="0" u="none" strike="noStrike" dirty="0">
-                <a:solidFill>
-                  <a:schemeClr val="bg1"/>
-                </a:solidFill>
-                <a:effectLst/>
-                <a:latin typeface="Arial" panose="020B0604020202020204" pitchFamily="34" charset="0"/>
-                <a:hlinkClick r:id="rId3"/>
-              </a:rPr>
-              <a:t>APTOS 2019 Blindness Detection dataset</a:t>
-            </a:r>
-            <a:endParaRPr lang="en-US" dirty="0">
-              <a:solidFill>
-                <a:schemeClr val="bg1"/>
-              </a:solidFill>
-            </a:endParaRPr>
-          </a:p>
-          <a:p>
-            <a:pPr marL="285750" indent="-285750">
-              <a:buClr>
-                <a:schemeClr val="bg1"/>
-              </a:buClr>
-              <a:buFont typeface="Arial" panose="020B0604020202020204" pitchFamily="34" charset="0"/>
-              <a:buChar char="•"/>
-            </a:pPr>
-            <a:endParaRPr lang="en-US" dirty="0">
-              <a:solidFill>
-                <a:schemeClr val="bg1"/>
-              </a:solidFill>
-            </a:endParaRPr>
-          </a:p>
-          <a:p>
-            <a:pPr marL="285750" lvl="2" indent="-285750">
-              <a:buClr>
-                <a:schemeClr val="bg1"/>
-              </a:buClr>
-              <a:buFont typeface="Arial" panose="020B0604020202020204" pitchFamily="34" charset="0"/>
-              <a:buChar char="•"/>
-            </a:pPr>
-            <a:r>
-              <a:rPr lang="en-US" dirty="0">
-                <a:solidFill>
-                  <a:schemeClr val="bg1"/>
-                </a:solidFill>
-              </a:rPr>
-              <a:t>Contains 3,662 training (later split into 2,462 training samples, and 1,200 validation samples) and 1,928 testing retina images. Each image is labelled as belonging to 1 of 5 classes:</a:t>
-            </a:r>
-          </a:p>
-          <a:p>
-            <a:pPr marL="285750" lvl="8" indent="-285750">
-              <a:buClr>
-                <a:schemeClr val="bg1"/>
-              </a:buClr>
-              <a:buFont typeface="Arial" panose="020B0604020202020204" pitchFamily="34" charset="0"/>
-              <a:buChar char="•"/>
-            </a:pPr>
-            <a:endParaRPr lang="en-US" dirty="0">
-              <a:solidFill>
-                <a:schemeClr val="bg1"/>
-              </a:solidFill>
-            </a:endParaRPr>
-          </a:p>
-        </p:txBody>
-      </p:sp>
-      <p:sp>
-        <p:nvSpPr>
-          <p:cNvPr id="5" name="TextBox 4">
-            <a:extLst>
-              <a:ext uri="{FF2B5EF4-FFF2-40B4-BE49-F238E27FC236}">
-                <a16:creationId xmlns:a16="http://schemas.microsoft.com/office/drawing/2014/main" id="{31B2DA5E-2D2D-55EA-0F2A-339F7E7AF832}"/>
-              </a:ext>
-            </a:extLst>
-          </p:cNvPr>
-          <p:cNvSpPr txBox="1"/>
-          <p:nvPr/>
-        </p:nvSpPr>
-        <p:spPr>
-          <a:xfrm>
-            <a:off x="2340812" y="3442639"/>
-            <a:ext cx="3714431" cy="1815882"/>
-          </a:xfrm>
-          <a:prstGeom prst="rect">
-            <a:avLst/>
-          </a:prstGeom>
-          <a:noFill/>
-        </p:spPr>
-        <p:txBody>
-          <a:bodyPr wrap="square" rtlCol="0">
-            <a:spAutoFit/>
-          </a:bodyPr>
-          <a:lstStyle/>
-          <a:p>
-            <a:pPr marL="285750" indent="-285750" algn="l" fontAlgn="base">
-              <a:buClr>
-                <a:schemeClr val="bg1"/>
-              </a:buClr>
-              <a:buFont typeface="Arial" panose="020B0604020202020204" pitchFamily="34" charset="0"/>
-              <a:buChar char="•"/>
-            </a:pPr>
-            <a:r>
-              <a:rPr lang="en-US" b="0" i="0" dirty="0">
-                <a:solidFill>
-                  <a:schemeClr val="bg1"/>
-                </a:solidFill>
-                <a:effectLst/>
-                <a:latin typeface="+mj-lt"/>
-              </a:rPr>
-              <a:t>0 - No Diabetic Retinopathy</a:t>
-            </a:r>
-          </a:p>
-          <a:p>
-            <a:pPr marL="285750" indent="-285750" algn="l" fontAlgn="base">
-              <a:buClr>
-                <a:schemeClr val="bg1"/>
-              </a:buClr>
-              <a:buFont typeface="Arial" panose="020B0604020202020204" pitchFamily="34" charset="0"/>
-              <a:buChar char="•"/>
-            </a:pPr>
-            <a:r>
-              <a:rPr lang="en-US" b="0" i="0" dirty="0">
-                <a:solidFill>
-                  <a:schemeClr val="bg1"/>
-                </a:solidFill>
-                <a:effectLst/>
-                <a:latin typeface="+mj-lt"/>
-              </a:rPr>
-              <a:t>1 - Mild</a:t>
-            </a:r>
-          </a:p>
-          <a:p>
-            <a:pPr marL="285750" indent="-285750" algn="l" fontAlgn="base">
-              <a:buClr>
-                <a:schemeClr val="bg1"/>
-              </a:buClr>
-              <a:buFont typeface="Arial" panose="020B0604020202020204" pitchFamily="34" charset="0"/>
-              <a:buChar char="•"/>
-            </a:pPr>
-            <a:r>
-              <a:rPr lang="en-US" b="0" i="0" dirty="0">
-                <a:solidFill>
-                  <a:schemeClr val="bg1"/>
-                </a:solidFill>
-                <a:effectLst/>
-                <a:latin typeface="+mj-lt"/>
-              </a:rPr>
-              <a:t>2 - Moderate</a:t>
-            </a:r>
-          </a:p>
-          <a:p>
-            <a:pPr marL="285750" indent="-285750" algn="l" fontAlgn="base">
-              <a:buClr>
-                <a:schemeClr val="bg1"/>
-              </a:buClr>
-              <a:buFont typeface="Arial" panose="020B0604020202020204" pitchFamily="34" charset="0"/>
-              <a:buChar char="•"/>
-            </a:pPr>
-            <a:r>
-              <a:rPr lang="en-US" b="0" i="0" dirty="0">
-                <a:solidFill>
-                  <a:schemeClr val="bg1"/>
-                </a:solidFill>
-                <a:effectLst/>
-                <a:latin typeface="+mj-lt"/>
-              </a:rPr>
-              <a:t>3 - Severe</a:t>
-            </a:r>
-          </a:p>
-          <a:p>
-            <a:pPr marL="285750" indent="-285750" fontAlgn="base">
-              <a:buClr>
-                <a:schemeClr val="bg1"/>
-              </a:buClr>
-              <a:buFont typeface="Arial" panose="020B0604020202020204" pitchFamily="34" charset="0"/>
-              <a:buChar char="•"/>
-            </a:pPr>
-            <a:r>
-              <a:rPr lang="en-US" b="0" i="0" dirty="0">
-                <a:solidFill>
-                  <a:schemeClr val="bg1"/>
-                </a:solidFill>
-                <a:effectLst/>
-                <a:latin typeface="+mj-lt"/>
-              </a:rPr>
-              <a:t>4 - Proliferative Diabetic Retinopathy</a:t>
-            </a:r>
-          </a:p>
-          <a:p>
-            <a:pPr marL="285750" indent="-285750" algn="l" fontAlgn="base">
-              <a:buClr>
-                <a:schemeClr val="bg1"/>
-              </a:buClr>
-              <a:buFont typeface="Arial" panose="020B0604020202020204" pitchFamily="34" charset="0"/>
-              <a:buChar char="•"/>
-            </a:pPr>
-            <a:endParaRPr lang="en-US" b="0" i="0" dirty="0">
-              <a:solidFill>
-                <a:schemeClr val="bg1"/>
-              </a:solidFill>
-              <a:effectLst/>
-              <a:latin typeface="+mj-lt"/>
-            </a:endParaRPr>
-          </a:p>
-          <a:p>
-            <a:pPr marL="285750" indent="-285750">
-              <a:buClr>
-                <a:schemeClr val="bg1"/>
-              </a:buClr>
-              <a:buFont typeface="Arial" panose="020B0604020202020204" pitchFamily="34" charset="0"/>
-              <a:buChar char="•"/>
-            </a:pPr>
-            <a:endParaRPr lang="en-US" dirty="0">
-              <a:solidFill>
-                <a:schemeClr val="bg1"/>
-              </a:solidFill>
-              <a:latin typeface="+mj-lt"/>
-            </a:endParaRPr>
-          </a:p>
-          <a:p>
-            <a:pPr marL="285750" indent="-285750">
-              <a:buClr>
-                <a:schemeClr val="bg1"/>
-              </a:buClr>
-              <a:buFont typeface="Arial" panose="020B0604020202020204" pitchFamily="34" charset="0"/>
-              <a:buChar char="•"/>
-            </a:pPr>
-            <a:endParaRPr lang="en-US" dirty="0">
-              <a:solidFill>
-                <a:schemeClr val="bg1"/>
-              </a:solidFill>
-              <a:latin typeface="+mj-lt"/>
-            </a:endParaRPr>
-          </a:p>
-        </p:txBody>
-      </p:sp>
-      <p:sp>
-        <p:nvSpPr>
-          <p:cNvPr id="6" name="TextBox 5">
-            <a:extLst>
-              <a:ext uri="{FF2B5EF4-FFF2-40B4-BE49-F238E27FC236}">
-                <a16:creationId xmlns:a16="http://schemas.microsoft.com/office/drawing/2014/main" id="{E1806D4D-8555-D11C-3862-1EABAF1E9009}"/>
-              </a:ext>
-            </a:extLst>
-          </p:cNvPr>
-          <p:cNvSpPr txBox="1"/>
-          <p:nvPr/>
-        </p:nvSpPr>
-        <p:spPr>
-          <a:xfrm>
-            <a:off x="2340812" y="1533304"/>
-            <a:ext cx="2270051" cy="1169551"/>
-          </a:xfrm>
-          <a:prstGeom prst="rect">
-            <a:avLst/>
-          </a:prstGeom>
-          <a:noFill/>
-        </p:spPr>
-        <p:txBody>
-          <a:bodyPr wrap="square" rtlCol="0">
-            <a:spAutoFit/>
-          </a:bodyPr>
-          <a:lstStyle/>
-          <a:p>
-            <a:pPr marL="285750" indent="-285750" algn="l" fontAlgn="base">
-              <a:buClr>
-                <a:schemeClr val="bg1"/>
-              </a:buClr>
-              <a:buFont typeface="Arial" panose="020B0604020202020204" pitchFamily="34" charset="0"/>
-              <a:buChar char="•"/>
-            </a:pPr>
-            <a:r>
-              <a:rPr lang="en-US" b="0" i="0" dirty="0">
-                <a:solidFill>
-                  <a:schemeClr val="bg1"/>
-                </a:solidFill>
-                <a:effectLst/>
-                <a:latin typeface="+mj-lt"/>
-              </a:rPr>
-              <a:t>Custom CNN Model</a:t>
-            </a:r>
-          </a:p>
-          <a:p>
-            <a:pPr marL="285750" indent="-285750" algn="l" fontAlgn="base">
-              <a:buClr>
-                <a:schemeClr val="bg1"/>
-              </a:buClr>
-              <a:buFont typeface="Arial" panose="020B0604020202020204" pitchFamily="34" charset="0"/>
-              <a:buChar char="•"/>
-            </a:pPr>
-            <a:r>
-              <a:rPr lang="en-US" b="0" i="0" dirty="0">
-                <a:solidFill>
-                  <a:schemeClr val="bg1"/>
-                </a:solidFill>
-                <a:effectLst/>
-                <a:latin typeface="+mj-lt"/>
-              </a:rPr>
-              <a:t>VGG-16</a:t>
-            </a:r>
-          </a:p>
-          <a:p>
-            <a:pPr marL="285750" indent="-285750" algn="l" fontAlgn="base">
-              <a:buClr>
-                <a:schemeClr val="bg1"/>
-              </a:buClr>
-              <a:buFont typeface="Arial" panose="020B0604020202020204" pitchFamily="34" charset="0"/>
-              <a:buChar char="•"/>
-            </a:pPr>
-            <a:r>
-              <a:rPr lang="en-US" b="0" i="0" dirty="0" err="1">
-                <a:solidFill>
-                  <a:schemeClr val="bg1"/>
-                </a:solidFill>
-                <a:effectLst/>
-                <a:latin typeface="+mj-lt"/>
-              </a:rPr>
-              <a:t>ResNet</a:t>
-            </a:r>
-            <a:endParaRPr lang="en-US" b="0" i="0" dirty="0">
-              <a:solidFill>
-                <a:schemeClr val="bg1"/>
-              </a:solidFill>
-              <a:effectLst/>
-              <a:latin typeface="+mj-lt"/>
-            </a:endParaRPr>
-          </a:p>
-          <a:p>
-            <a:pPr>
-              <a:buClr>
-                <a:schemeClr val="bg1"/>
-              </a:buClr>
-            </a:pPr>
-            <a:endParaRPr lang="en-US" dirty="0">
-              <a:solidFill>
-                <a:schemeClr val="bg1"/>
-              </a:solidFill>
-              <a:latin typeface="+mj-lt"/>
-            </a:endParaRPr>
-          </a:p>
-          <a:p>
-            <a:pPr marL="285750" indent="-285750">
-              <a:buClr>
-                <a:schemeClr val="bg1"/>
-              </a:buClr>
-              <a:buFont typeface="Arial" panose="020B0604020202020204" pitchFamily="34" charset="0"/>
-              <a:buChar char="•"/>
-            </a:pPr>
-            <a:endParaRPr lang="en-US" dirty="0">
-              <a:solidFill>
-                <a:schemeClr val="bg1"/>
-              </a:solidFill>
-              <a:latin typeface="+mj-lt"/>
-            </a:endParaRPr>
-          </a:p>
-        </p:txBody>
-      </p:sp>
-    </p:spTree>
-    <p:extLst>
-      <p:ext uri="{BB962C8B-B14F-4D97-AF65-F5344CB8AC3E}">
-        <p14:creationId xmlns:p14="http://schemas.microsoft.com/office/powerpoint/2010/main" val="446167219"/>
-      </p:ext>
-    </p:extLst>
-  </p:cSld>
-  <p:clrMapOvr>
-    <a:masterClrMapping/>
-  </p:clrMapOvr>
-</p:sld>
-</file>
-
-<file path=ppt/slides/slide4.xml><?xml version="1.0" encoding="utf-8"?>
-<p:sld xmlns:a="http://schemas.openxmlformats.org/drawingml/2006/main" xmlns:r="http://schemas.openxmlformats.org/officeDocument/2006/relationships" xmlns:p="http://schemas.openxmlformats.org/presentationml/2006/main">
-  <p:cSld>
-    <p:spTree>
-      <p:nvGrpSpPr>
-        <p:cNvPr id="1" name="Shape 158"/>
-        <p:cNvGrpSpPr/>
-        <p:nvPr/>
-      </p:nvGrpSpPr>
-      <p:grpSpPr>
-        <a:xfrm>
-          <a:off x="0" y="0"/>
-          <a:ext cx="0" cy="0"/>
-          <a:chOff x="0" y="0"/>
-          <a:chExt cx="0" cy="0"/>
-        </a:xfrm>
-      </p:grpSpPr>
-      <p:sp>
-        <p:nvSpPr>
-          <p:cNvPr id="3" name="Title 2">
-            <a:extLst>
-              <a:ext uri="{FF2B5EF4-FFF2-40B4-BE49-F238E27FC236}">
-                <a16:creationId xmlns:a16="http://schemas.microsoft.com/office/drawing/2014/main" id="{55A06791-28FA-228B-F912-94966CBEEE65}"/>
-              </a:ext>
-            </a:extLst>
-          </p:cNvPr>
-          <p:cNvSpPr>
-            <a:spLocks noGrp="1"/>
-          </p:cNvSpPr>
-          <p:nvPr>
-            <p:ph type="title"/>
-          </p:nvPr>
-        </p:nvSpPr>
-        <p:spPr>
-          <a:xfrm>
-            <a:off x="766664" y="99706"/>
-            <a:ext cx="7688400" cy="1518600"/>
-          </a:xfrm>
-        </p:spPr>
-        <p:txBody>
-          <a:bodyPr/>
-          <a:lstStyle/>
-          <a:p>
-            <a:r>
-              <a:rPr lang="en-US" dirty="0"/>
-              <a:t>Data Exploration</a:t>
-            </a:r>
-          </a:p>
-        </p:txBody>
-      </p:sp>
-      <p:sp>
-        <p:nvSpPr>
-          <p:cNvPr id="4" name="TextBox 3">
-            <a:extLst>
-              <a:ext uri="{FF2B5EF4-FFF2-40B4-BE49-F238E27FC236}">
-                <a16:creationId xmlns:a16="http://schemas.microsoft.com/office/drawing/2014/main" id="{9D65A79C-4354-4DED-C092-5823A0568A9C}"/>
-              </a:ext>
-            </a:extLst>
-          </p:cNvPr>
-          <p:cNvSpPr txBox="1"/>
-          <p:nvPr/>
-        </p:nvSpPr>
-        <p:spPr>
-          <a:xfrm>
-            <a:off x="2030819" y="812432"/>
-            <a:ext cx="6028660" cy="954107"/>
-          </a:xfrm>
-          <a:prstGeom prst="rect">
-            <a:avLst/>
-          </a:prstGeom>
-          <a:noFill/>
-        </p:spPr>
-        <p:txBody>
-          <a:bodyPr wrap="square" rtlCol="0">
-            <a:spAutoFit/>
-          </a:bodyPr>
-          <a:lstStyle/>
-          <a:p>
-            <a:pPr marL="285750" indent="-285750">
-              <a:buClr>
-                <a:schemeClr val="bg1"/>
-              </a:buClr>
-              <a:buFont typeface="Arial" panose="020B0604020202020204" pitchFamily="34" charset="0"/>
-              <a:buChar char="•"/>
-            </a:pPr>
-            <a:r>
-              <a:rPr lang="en-US" b="0" i="0" u="none" strike="noStrike" dirty="0">
-                <a:solidFill>
-                  <a:schemeClr val="bg1"/>
-                </a:solidFill>
-                <a:effectLst/>
-                <a:latin typeface="Arial" panose="020B0604020202020204" pitchFamily="34" charset="0"/>
-              </a:rPr>
-              <a:t>Images within the dataset had different dimensions ranging from 474 x 358 pixels to 3388 x 2588 pixels. For uniformity, all images were resized to 200 x 200 pixels.</a:t>
-            </a:r>
-            <a:endParaRPr lang="en-US" dirty="0">
-              <a:solidFill>
-                <a:schemeClr val="bg1"/>
-              </a:solidFill>
-            </a:endParaRPr>
-          </a:p>
-          <a:p>
-            <a:pPr marL="285750" lvl="8" indent="-285750">
-              <a:buClr>
-                <a:schemeClr val="bg1"/>
-              </a:buClr>
-              <a:buFont typeface="Arial" panose="020B0604020202020204" pitchFamily="34" charset="0"/>
-              <a:buChar char="•"/>
-            </a:pPr>
-            <a:endParaRPr lang="en-US" dirty="0">
-              <a:solidFill>
-                <a:schemeClr val="bg1"/>
-              </a:solidFill>
-            </a:endParaRPr>
-          </a:p>
-        </p:txBody>
-      </p:sp>
-      <p:pic>
-        <p:nvPicPr>
-          <p:cNvPr id="8" name="Picture 7">
-            <a:extLst>
-              <a:ext uri="{FF2B5EF4-FFF2-40B4-BE49-F238E27FC236}">
-                <a16:creationId xmlns:a16="http://schemas.microsoft.com/office/drawing/2014/main" id="{5B134AB2-8DD9-8BD0-7BB6-C1B837EAFBD8}"/>
-              </a:ext>
-            </a:extLst>
-          </p:cNvPr>
-          <p:cNvPicPr>
-            <a:picLocks noChangeAspect="1"/>
-          </p:cNvPicPr>
-          <p:nvPr/>
-        </p:nvPicPr>
-        <p:blipFill>
-          <a:blip r:embed="rId3"/>
-          <a:stretch>
-            <a:fillRect/>
-          </a:stretch>
-        </p:blipFill>
-        <p:spPr>
-          <a:xfrm>
-            <a:off x="2420300" y="1618307"/>
-            <a:ext cx="4384537" cy="1592732"/>
-          </a:xfrm>
-          <a:prstGeom prst="rect">
-            <a:avLst/>
-          </a:prstGeom>
-        </p:spPr>
-      </p:pic>
-      <p:pic>
-        <p:nvPicPr>
-          <p:cNvPr id="2050" name="Picture 2">
-            <a:extLst>
-              <a:ext uri="{FF2B5EF4-FFF2-40B4-BE49-F238E27FC236}">
-                <a16:creationId xmlns:a16="http://schemas.microsoft.com/office/drawing/2014/main" id="{1378D9AA-57E7-DC66-C5A2-70B44C6ED8B5}"/>
-              </a:ext>
-            </a:extLst>
-          </p:cNvPr>
-          <p:cNvPicPr>
-            <a:picLocks noChangeAspect="1" noChangeArrowheads="1"/>
-          </p:cNvPicPr>
-          <p:nvPr/>
-        </p:nvPicPr>
-        <p:blipFill>
-          <a:blip r:embed="rId4">
-            <a:extLst>
-              <a:ext uri="{28A0092B-C50C-407E-A947-70E740481C1C}">
-                <a14:useLocalDpi xmlns:a14="http://schemas.microsoft.com/office/drawing/2010/main" val="0"/>
-              </a:ext>
-            </a:extLst>
-          </a:blip>
-          <a:srcRect/>
-          <a:stretch>
-            <a:fillRect/>
-          </a:stretch>
-        </p:blipFill>
-        <p:spPr bwMode="auto">
-          <a:xfrm>
-            <a:off x="2420301" y="3282301"/>
-            <a:ext cx="4384536" cy="1602527"/>
-          </a:xfrm>
-          <a:prstGeom prst="rect">
-            <a:avLst/>
-          </a:prstGeom>
-          <a:noFill/>
-          <a:extLst>
-            <a:ext uri="{909E8E84-426E-40DD-AFC4-6F175D3DCCD1}">
-              <a14:hiddenFill xmlns:a14="http://schemas.microsoft.com/office/drawing/2010/main">
-                <a:solidFill>
-                  <a:srgbClr val="FFFFFF"/>
-                </a:solidFill>
-              </a14:hiddenFill>
-            </a:ext>
-          </a:extLst>
-        </p:spPr>
-      </p:pic>
-    </p:spTree>
-    <p:extLst>
-      <p:ext uri="{BB962C8B-B14F-4D97-AF65-F5344CB8AC3E}">
-        <p14:creationId xmlns:p14="http://schemas.microsoft.com/office/powerpoint/2010/main" val="4263819914"/>
-      </p:ext>
-    </p:extLst>
-  </p:cSld>
-  <p:clrMapOvr>
-    <a:masterClrMapping/>
-  </p:clrMapOvr>
-</p:sld>
-</file>
-
-<file path=ppt/slides/slide5.xml><?xml version="1.0" encoding="utf-8"?>
-<p:sld xmlns:a="http://schemas.openxmlformats.org/drawingml/2006/main" xmlns:r="http://schemas.openxmlformats.org/officeDocument/2006/relationships" xmlns:p="http://schemas.openxmlformats.org/presentationml/2006/main">
-  <p:cSld>
-    <p:spTree>
-      <p:nvGrpSpPr>
-        <p:cNvPr id="1" name="Shape 158"/>
-        <p:cNvGrpSpPr/>
-        <p:nvPr/>
-      </p:nvGrpSpPr>
-      <p:grpSpPr>
-        <a:xfrm>
-          <a:off x="0" y="0"/>
-          <a:ext cx="0" cy="0"/>
-          <a:chOff x="0" y="0"/>
-          <a:chExt cx="0" cy="0"/>
-        </a:xfrm>
-      </p:grpSpPr>
-      <p:sp>
-        <p:nvSpPr>
-          <p:cNvPr id="3" name="Title 2">
-            <a:extLst>
-              <a:ext uri="{FF2B5EF4-FFF2-40B4-BE49-F238E27FC236}">
-                <a16:creationId xmlns:a16="http://schemas.microsoft.com/office/drawing/2014/main" id="{55A06791-28FA-228B-F912-94966CBEEE65}"/>
-              </a:ext>
-            </a:extLst>
-          </p:cNvPr>
-          <p:cNvSpPr>
-            <a:spLocks noGrp="1"/>
-          </p:cNvSpPr>
-          <p:nvPr>
-            <p:ph type="title"/>
-          </p:nvPr>
-        </p:nvSpPr>
-        <p:spPr>
-          <a:xfrm>
-            <a:off x="766664" y="99706"/>
-            <a:ext cx="7688400" cy="1518600"/>
-          </a:xfrm>
-        </p:spPr>
-        <p:txBody>
-          <a:bodyPr/>
-          <a:lstStyle/>
-          <a:p>
-            <a:r>
-              <a:rPr lang="en-US" dirty="0"/>
-              <a:t>Dataset Class Imbalance</a:t>
-            </a:r>
-          </a:p>
-        </p:txBody>
-      </p:sp>
-      <p:sp>
-        <p:nvSpPr>
-          <p:cNvPr id="4" name="TextBox 3">
-            <a:extLst>
-              <a:ext uri="{FF2B5EF4-FFF2-40B4-BE49-F238E27FC236}">
-                <a16:creationId xmlns:a16="http://schemas.microsoft.com/office/drawing/2014/main" id="{9D65A79C-4354-4DED-C092-5823A0568A9C}"/>
-              </a:ext>
-            </a:extLst>
-          </p:cNvPr>
-          <p:cNvSpPr txBox="1"/>
-          <p:nvPr/>
-        </p:nvSpPr>
-        <p:spPr>
-          <a:xfrm>
-            <a:off x="2030819" y="812432"/>
-            <a:ext cx="6028660" cy="1169551"/>
-          </a:xfrm>
-          <a:prstGeom prst="rect">
-            <a:avLst/>
-          </a:prstGeom>
-          <a:noFill/>
-        </p:spPr>
-        <p:txBody>
-          <a:bodyPr wrap="square" rtlCol="0">
-            <a:spAutoFit/>
-          </a:bodyPr>
-          <a:lstStyle/>
-          <a:p>
-            <a:pPr marL="285750" indent="-285750">
-              <a:buClr>
-                <a:schemeClr val="bg1"/>
-              </a:buClr>
-              <a:buFont typeface="Arial" panose="020B0604020202020204" pitchFamily="34" charset="0"/>
-              <a:buChar char="•"/>
-            </a:pPr>
-            <a:r>
-              <a:rPr lang="en-US" b="0" i="0" u="none" strike="noStrike" dirty="0">
-                <a:solidFill>
-                  <a:schemeClr val="bg1"/>
-                </a:solidFill>
-                <a:effectLst/>
-                <a:latin typeface="Arial" panose="020B0604020202020204" pitchFamily="34" charset="0"/>
-              </a:rPr>
-              <a:t>The distribution of samples among the five classes varies significantly</a:t>
-            </a:r>
-          </a:p>
-          <a:p>
-            <a:pPr marL="285750" indent="-285750">
-              <a:buClr>
-                <a:schemeClr val="bg1"/>
-              </a:buClr>
-              <a:buFont typeface="Arial" panose="020B0604020202020204" pitchFamily="34" charset="0"/>
-              <a:buChar char="•"/>
-            </a:pPr>
-            <a:endParaRPr lang="en-US" b="0" i="0" u="none" strike="noStrike" dirty="0">
-              <a:solidFill>
-                <a:schemeClr val="bg1"/>
-              </a:solidFill>
-              <a:effectLst/>
-              <a:latin typeface="Arial" panose="020B0604020202020204" pitchFamily="34" charset="0"/>
-            </a:endParaRPr>
-          </a:p>
-          <a:p>
-            <a:pPr marL="285750" indent="-285750">
-              <a:buClr>
-                <a:schemeClr val="bg1"/>
-              </a:buClr>
-              <a:buFont typeface="Arial" panose="020B0604020202020204" pitchFamily="34" charset="0"/>
-              <a:buChar char="•"/>
-            </a:pPr>
-            <a:r>
-              <a:rPr lang="en-US" b="0" i="0" u="none" strike="noStrike" dirty="0">
-                <a:solidFill>
-                  <a:schemeClr val="bg1"/>
-                </a:solidFill>
-                <a:effectLst/>
-                <a:latin typeface="Arial" panose="020B0604020202020204" pitchFamily="34" charset="0"/>
-              </a:rPr>
-              <a:t>Perform data augmentation (rotation - 90°, 180°, 270°) on classes 1, 3, and 4 to create more samples and achieve a more balanced dataset</a:t>
-            </a:r>
-            <a:endParaRPr lang="en-US" dirty="0">
-              <a:solidFill>
-                <a:schemeClr val="bg1"/>
-              </a:solidFill>
-            </a:endParaRPr>
-          </a:p>
-          <a:p>
-            <a:pPr marL="285750" indent="-285750">
-              <a:buClr>
-                <a:schemeClr val="bg1"/>
-              </a:buClr>
-              <a:buFont typeface="Arial" panose="020B0604020202020204" pitchFamily="34" charset="0"/>
-              <a:buChar char="•"/>
-            </a:pPr>
-            <a:endParaRPr lang="en-US" dirty="0">
-              <a:solidFill>
-                <a:schemeClr val="bg1"/>
-              </a:solidFill>
-            </a:endParaRPr>
-          </a:p>
-        </p:txBody>
-      </p:sp>
-      <p:graphicFrame>
-        <p:nvGraphicFramePr>
-          <p:cNvPr id="9" name="Chart 8">
-            <a:extLst>
-              <a:ext uri="{FF2B5EF4-FFF2-40B4-BE49-F238E27FC236}">
-                <a16:creationId xmlns:a16="http://schemas.microsoft.com/office/drawing/2014/main" id="{CD0AB731-88FC-3E36-B982-7BA92B9CBDF4}"/>
-              </a:ext>
-            </a:extLst>
-          </p:cNvPr>
-          <p:cNvGraphicFramePr/>
-          <p:nvPr>
-            <p:extLst>
-              <p:ext uri="{D42A27DB-BD31-4B8C-83A1-F6EECF244321}">
-                <p14:modId xmlns:p14="http://schemas.microsoft.com/office/powerpoint/2010/main" val="668387303"/>
-              </p:ext>
-            </p:extLst>
-          </p:nvPr>
-        </p:nvGraphicFramePr>
-        <p:xfrm>
-          <a:off x="2481563" y="1840592"/>
-          <a:ext cx="5127171" cy="3134179"/>
-        </p:xfrm>
-        <a:graphic>
-          <a:graphicData uri="http://schemas.openxmlformats.org/drawingml/2006/chart">
-            <c:chart xmlns:c="http://schemas.openxmlformats.org/drawingml/2006/chart" xmlns:r="http://schemas.openxmlformats.org/officeDocument/2006/relationships" r:id="rId3"/>
-          </a:graphicData>
-        </a:graphic>
-      </p:graphicFrame>
-    </p:spTree>
-    <p:extLst>
-      <p:ext uri="{BB962C8B-B14F-4D97-AF65-F5344CB8AC3E}">
-        <p14:creationId xmlns:p14="http://schemas.microsoft.com/office/powerpoint/2010/main" val="2168841364"/>
-      </p:ext>
-    </p:extLst>
-  </p:cSld>
-  <p:clrMapOvr>
-    <a:masterClrMapping/>
-  </p:clrMapOvr>
-</p:sld>
-</file>
-
-<file path=ppt/slides/slide6.xml><?xml version="1.0" encoding="utf-8"?>
-<p:sld xmlns:a="http://schemas.openxmlformats.org/drawingml/2006/main" xmlns:r="http://schemas.openxmlformats.org/officeDocument/2006/relationships" xmlns:p="http://schemas.openxmlformats.org/presentationml/2006/main">
-  <p:cSld>
-    <p:spTree>
-      <p:nvGrpSpPr>
-        <p:cNvPr id="1" name="Shape 158"/>
-        <p:cNvGrpSpPr/>
-        <p:nvPr/>
-      </p:nvGrpSpPr>
-      <p:grpSpPr>
-        <a:xfrm>
-          <a:off x="0" y="0"/>
-          <a:ext cx="0" cy="0"/>
-          <a:chOff x="0" y="0"/>
-          <a:chExt cx="0" cy="0"/>
-        </a:xfrm>
-      </p:grpSpPr>
-      <p:sp>
-        <p:nvSpPr>
-          <p:cNvPr id="3" name="Title 2">
-            <a:extLst>
-              <a:ext uri="{FF2B5EF4-FFF2-40B4-BE49-F238E27FC236}">
-                <a16:creationId xmlns:a16="http://schemas.microsoft.com/office/drawing/2014/main" id="{55A06791-28FA-228B-F912-94966CBEEE65}"/>
-              </a:ext>
-            </a:extLst>
-          </p:cNvPr>
-          <p:cNvSpPr>
-            <a:spLocks noGrp="1"/>
-          </p:cNvSpPr>
-          <p:nvPr>
-            <p:ph type="title"/>
-          </p:nvPr>
-        </p:nvSpPr>
-        <p:spPr>
-          <a:xfrm>
-            <a:off x="1213232" y="94390"/>
-            <a:ext cx="7688400" cy="1518600"/>
-          </a:xfrm>
-        </p:spPr>
-        <p:txBody>
-          <a:bodyPr/>
-          <a:lstStyle/>
-          <a:p>
-            <a:r>
-              <a:rPr lang="en-US" dirty="0"/>
-              <a:t>Dataset Class Imbalance Cont’d</a:t>
-            </a:r>
-          </a:p>
-        </p:txBody>
-      </p:sp>
-      <p:graphicFrame>
-        <p:nvGraphicFramePr>
-          <p:cNvPr id="7" name="Chart 6">
-            <a:extLst>
-              <a:ext uri="{FF2B5EF4-FFF2-40B4-BE49-F238E27FC236}">
-                <a16:creationId xmlns:a16="http://schemas.microsoft.com/office/drawing/2014/main" id="{40646989-635C-C501-6E42-25E08F218755}"/>
-              </a:ext>
-            </a:extLst>
-          </p:cNvPr>
-          <p:cNvGraphicFramePr/>
-          <p:nvPr>
-            <p:extLst>
-              <p:ext uri="{D42A27DB-BD31-4B8C-83A1-F6EECF244321}">
-                <p14:modId xmlns:p14="http://schemas.microsoft.com/office/powerpoint/2010/main" val="16795842"/>
-              </p:ext>
-            </p:extLst>
-          </p:nvPr>
-        </p:nvGraphicFramePr>
-        <p:xfrm>
-          <a:off x="2340048" y="1004660"/>
-          <a:ext cx="5127171" cy="3134179"/>
-        </p:xfrm>
-        <a:graphic>
-          <a:graphicData uri="http://schemas.openxmlformats.org/drawingml/2006/chart">
-            <c:chart xmlns:c="http://schemas.openxmlformats.org/drawingml/2006/chart" xmlns:r="http://schemas.openxmlformats.org/officeDocument/2006/relationships" r:id="rId3"/>
-          </a:graphicData>
-        </a:graphic>
-      </p:graphicFrame>
-    </p:spTree>
-    <p:extLst>
-      <p:ext uri="{BB962C8B-B14F-4D97-AF65-F5344CB8AC3E}">
-        <p14:creationId xmlns:p14="http://schemas.microsoft.com/office/powerpoint/2010/main" val="3859570631"/>
-      </p:ext>
-    </p:extLst>
-  </p:cSld>
-  <p:clrMapOvr>
-    <a:masterClrMapping/>
-  </p:clrMapOvr>
-</p:sld>
-</file>
-
-<file path=ppt/slides/slide7.xml><?xml version="1.0" encoding="utf-8"?>
-<p:sld xmlns:a="http://schemas.openxmlformats.org/drawingml/2006/main" xmlns:r="http://schemas.openxmlformats.org/officeDocument/2006/relationships" xmlns:p="http://schemas.openxmlformats.org/presentationml/2006/main">
-  <p:cSld>
-    <p:spTree>
-      <p:nvGrpSpPr>
-        <p:cNvPr id="1" name="Shape 158"/>
-        <p:cNvGrpSpPr/>
-        <p:nvPr/>
-      </p:nvGrpSpPr>
-      <p:grpSpPr>
-        <a:xfrm>
-          <a:off x="0" y="0"/>
-          <a:ext cx="0" cy="0"/>
-          <a:chOff x="0" y="0"/>
-          <a:chExt cx="0" cy="0"/>
-        </a:xfrm>
-      </p:grpSpPr>
-      <p:sp>
-        <p:nvSpPr>
-          <p:cNvPr id="3" name="Title 2">
-            <a:extLst>
-              <a:ext uri="{FF2B5EF4-FFF2-40B4-BE49-F238E27FC236}">
-                <a16:creationId xmlns:a16="http://schemas.microsoft.com/office/drawing/2014/main" id="{55A06791-28FA-228B-F912-94966CBEEE65}"/>
-              </a:ext>
-            </a:extLst>
-          </p:cNvPr>
-          <p:cNvSpPr>
-            <a:spLocks noGrp="1"/>
-          </p:cNvSpPr>
-          <p:nvPr>
-            <p:ph type="title"/>
-          </p:nvPr>
-        </p:nvSpPr>
-        <p:spPr>
-          <a:xfrm>
-            <a:off x="766664" y="99706"/>
-            <a:ext cx="7688400" cy="1518600"/>
-          </a:xfrm>
-        </p:spPr>
-        <p:txBody>
-          <a:bodyPr/>
-          <a:lstStyle/>
-          <a:p>
-            <a:r>
-              <a:rPr lang="en-US" dirty="0"/>
-              <a:t>Custom CNN Model Results</a:t>
-            </a:r>
-          </a:p>
-        </p:txBody>
-      </p:sp>
-      <p:pic>
-        <p:nvPicPr>
-          <p:cNvPr id="7" name="Picture 6">
-            <a:extLst>
-              <a:ext uri="{FF2B5EF4-FFF2-40B4-BE49-F238E27FC236}">
-                <a16:creationId xmlns:a16="http://schemas.microsoft.com/office/drawing/2014/main" id="{2D255062-DF82-8ADB-090C-05BEDF625E12}"/>
-              </a:ext>
-            </a:extLst>
-          </p:cNvPr>
-          <p:cNvPicPr>
-            <a:picLocks noChangeAspect="1"/>
-          </p:cNvPicPr>
-          <p:nvPr/>
-        </p:nvPicPr>
-        <p:blipFill rotWithShape="1">
-          <a:blip r:embed="rId3"/>
-          <a:srcRect b="49620"/>
-          <a:stretch/>
-        </p:blipFill>
-        <p:spPr>
-          <a:xfrm>
-            <a:off x="2034116" y="746787"/>
-            <a:ext cx="4330858" cy="2028312"/>
-          </a:xfrm>
-          <a:prstGeom prst="rect">
-            <a:avLst/>
-          </a:prstGeom>
-        </p:spPr>
-      </p:pic>
-      <p:pic>
-        <p:nvPicPr>
-          <p:cNvPr id="10" name="Picture 9">
-            <a:extLst>
-              <a:ext uri="{FF2B5EF4-FFF2-40B4-BE49-F238E27FC236}">
-                <a16:creationId xmlns:a16="http://schemas.microsoft.com/office/drawing/2014/main" id="{CF057B4B-B61A-EE82-C380-46CE743CD8C1}"/>
-              </a:ext>
-            </a:extLst>
-          </p:cNvPr>
-          <p:cNvPicPr>
-            <a:picLocks noChangeAspect="1"/>
-          </p:cNvPicPr>
-          <p:nvPr/>
-        </p:nvPicPr>
-        <p:blipFill rotWithShape="1">
-          <a:blip r:embed="rId3"/>
-          <a:srcRect t="50000"/>
-          <a:stretch/>
-        </p:blipFill>
-        <p:spPr>
-          <a:xfrm>
-            <a:off x="2034116" y="3015482"/>
-            <a:ext cx="4363796" cy="2028312"/>
-          </a:xfrm>
-          <a:prstGeom prst="rect">
-            <a:avLst/>
-          </a:prstGeom>
-        </p:spPr>
-      </p:pic>
-    </p:spTree>
-    <p:extLst>
-      <p:ext uri="{BB962C8B-B14F-4D97-AF65-F5344CB8AC3E}">
-        <p14:creationId xmlns:p14="http://schemas.microsoft.com/office/powerpoint/2010/main" val="2187991415"/>
-      </p:ext>
-    </p:extLst>
-  </p:cSld>
-  <p:clrMapOvr>
-    <a:masterClrMapping/>
-  </p:clrMapOvr>
-</p:sld>
-</file>
-
-<file path=ppt/slides/slide8.xml><?xml version="1.0" encoding="utf-8"?>
-<p:sld xmlns:a="http://schemas.openxmlformats.org/drawingml/2006/main" xmlns:r="http://schemas.openxmlformats.org/officeDocument/2006/relationships" xmlns:p="http://schemas.openxmlformats.org/presentationml/2006/main">
-  <p:cSld>
-    <p:spTree>
-      <p:nvGrpSpPr>
-        <p:cNvPr id="1" name="Shape 158"/>
-        <p:cNvGrpSpPr/>
-        <p:nvPr/>
-      </p:nvGrpSpPr>
-      <p:grpSpPr>
-        <a:xfrm>
-          <a:off x="0" y="0"/>
-          <a:ext cx="0" cy="0"/>
-          <a:chOff x="0" y="0"/>
-          <a:chExt cx="0" cy="0"/>
-        </a:xfrm>
-      </p:grpSpPr>
-      <p:sp>
-        <p:nvSpPr>
-          <p:cNvPr id="3" name="Title 2">
-            <a:extLst>
-              <a:ext uri="{FF2B5EF4-FFF2-40B4-BE49-F238E27FC236}">
-                <a16:creationId xmlns:a16="http://schemas.microsoft.com/office/drawing/2014/main" id="{55A06791-28FA-228B-F912-94966CBEEE65}"/>
-              </a:ext>
-            </a:extLst>
-          </p:cNvPr>
-          <p:cNvSpPr>
-            <a:spLocks noGrp="1"/>
-          </p:cNvSpPr>
-          <p:nvPr>
-            <p:ph type="title"/>
-          </p:nvPr>
-        </p:nvSpPr>
-        <p:spPr>
-          <a:xfrm>
-            <a:off x="766664" y="99706"/>
-            <a:ext cx="7688400" cy="1518600"/>
-          </a:xfrm>
-        </p:spPr>
-        <p:txBody>
-          <a:bodyPr/>
-          <a:lstStyle/>
-          <a:p>
-            <a:r>
-              <a:rPr lang="en-US" dirty="0"/>
-              <a:t>Custom CNN Architecture</a:t>
-            </a:r>
-          </a:p>
-        </p:txBody>
-      </p:sp>
-      <p:sp>
-        <p:nvSpPr>
-          <p:cNvPr id="11" name="TextBox 10">
-            <a:extLst>
-              <a:ext uri="{FF2B5EF4-FFF2-40B4-BE49-F238E27FC236}">
-                <a16:creationId xmlns:a16="http://schemas.microsoft.com/office/drawing/2014/main" id="{6BEF58B2-6554-C121-290C-D5CCAEDCE293}"/>
-              </a:ext>
-            </a:extLst>
-          </p:cNvPr>
-          <p:cNvSpPr txBox="1"/>
-          <p:nvPr/>
-        </p:nvSpPr>
-        <p:spPr>
-          <a:xfrm>
-            <a:off x="4528351" y="3409047"/>
-            <a:ext cx="3593804" cy="1169551"/>
-          </a:xfrm>
-          <a:prstGeom prst="rect">
-            <a:avLst/>
-          </a:prstGeom>
-          <a:noFill/>
-        </p:spPr>
-        <p:txBody>
-          <a:bodyPr wrap="square" rtlCol="0">
-            <a:spAutoFit/>
-          </a:bodyPr>
-          <a:lstStyle/>
-          <a:p>
-            <a:pPr>
-              <a:buClr>
-                <a:schemeClr val="bg1"/>
-              </a:buClr>
-            </a:pPr>
-            <a:r>
-              <a:rPr lang="en-US" b="0" i="0" u="none" strike="noStrike" dirty="0">
-                <a:solidFill>
-                  <a:schemeClr val="bg1"/>
-                </a:solidFill>
-                <a:effectLst/>
-                <a:latin typeface="Arial" panose="020B0604020202020204" pitchFamily="34" charset="0"/>
-              </a:rPr>
-              <a:t>Regularization Techniques:</a:t>
-            </a:r>
-          </a:p>
-          <a:p>
-            <a:pPr>
-              <a:buClr>
-                <a:schemeClr val="bg1"/>
-              </a:buClr>
-            </a:pPr>
-            <a:endParaRPr lang="en-US" b="0" i="0" u="none" strike="noStrike" dirty="0">
-              <a:solidFill>
-                <a:schemeClr val="bg1"/>
-              </a:solidFill>
-              <a:effectLst/>
-              <a:latin typeface="Arial" panose="020B0604020202020204" pitchFamily="34" charset="0"/>
-            </a:endParaRPr>
-          </a:p>
-          <a:p>
-            <a:pPr marL="285750" indent="-285750">
-              <a:buClr>
-                <a:schemeClr val="bg1"/>
-              </a:buClr>
-              <a:buFont typeface="Arial" panose="020B0604020202020204" pitchFamily="34" charset="0"/>
-              <a:buChar char="•"/>
-            </a:pPr>
-            <a:r>
-              <a:rPr lang="en-US" dirty="0">
-                <a:solidFill>
-                  <a:schemeClr val="bg1"/>
-                </a:solidFill>
-              </a:rPr>
-              <a:t>L2 </a:t>
-            </a:r>
-            <a:r>
-              <a:rPr lang="en-US" dirty="0" err="1">
-                <a:solidFill>
-                  <a:schemeClr val="bg1"/>
-                </a:solidFill>
-              </a:rPr>
-              <a:t>regularizer</a:t>
-            </a:r>
-            <a:endParaRPr lang="en-US" dirty="0">
-              <a:solidFill>
-                <a:schemeClr val="bg1"/>
-              </a:solidFill>
-            </a:endParaRPr>
-          </a:p>
-          <a:p>
-            <a:pPr marL="285750" indent="-285750">
-              <a:buClr>
-                <a:schemeClr val="bg1"/>
-              </a:buClr>
-              <a:buFont typeface="Arial" panose="020B0604020202020204" pitchFamily="34" charset="0"/>
-              <a:buChar char="•"/>
-            </a:pPr>
-            <a:r>
-              <a:rPr lang="en-US" dirty="0">
-                <a:solidFill>
-                  <a:schemeClr val="bg1"/>
-                </a:solidFill>
-              </a:rPr>
-              <a:t>weight he initialization</a:t>
-            </a:r>
-          </a:p>
-          <a:p>
-            <a:pPr marL="285750" indent="-285750">
-              <a:buClr>
-                <a:schemeClr val="bg1"/>
-              </a:buClr>
-              <a:buFont typeface="Arial" panose="020B0604020202020204" pitchFamily="34" charset="0"/>
-              <a:buChar char="•"/>
-            </a:pPr>
-            <a:r>
-              <a:rPr lang="en-US" dirty="0">
-                <a:solidFill>
-                  <a:schemeClr val="bg1"/>
-                </a:solidFill>
-              </a:rPr>
-              <a:t>dropout layers</a:t>
-            </a:r>
-          </a:p>
-        </p:txBody>
-      </p:sp>
-      <p:pic>
-        <p:nvPicPr>
-          <p:cNvPr id="4" name="Picture 3">
-            <a:extLst>
-              <a:ext uri="{FF2B5EF4-FFF2-40B4-BE49-F238E27FC236}">
-                <a16:creationId xmlns:a16="http://schemas.microsoft.com/office/drawing/2014/main" id="{D64D27A0-9197-21C2-9378-8F87F93D2A55}"/>
-              </a:ext>
-            </a:extLst>
-          </p:cNvPr>
-          <p:cNvPicPr>
-            <a:picLocks noChangeAspect="1"/>
-          </p:cNvPicPr>
-          <p:nvPr/>
-        </p:nvPicPr>
-        <p:blipFill>
-          <a:blip r:embed="rId3"/>
-          <a:stretch>
-            <a:fillRect/>
-          </a:stretch>
-        </p:blipFill>
-        <p:spPr>
-          <a:xfrm>
-            <a:off x="1892321" y="924302"/>
-            <a:ext cx="5704641" cy="2363285"/>
-          </a:xfrm>
-          <a:prstGeom prst="rect">
-            <a:avLst/>
-          </a:prstGeom>
-        </p:spPr>
-      </p:pic>
-      <p:pic>
-        <p:nvPicPr>
-          <p:cNvPr id="6" name="Picture 5">
-            <a:extLst>
-              <a:ext uri="{FF2B5EF4-FFF2-40B4-BE49-F238E27FC236}">
-                <a16:creationId xmlns:a16="http://schemas.microsoft.com/office/drawing/2014/main" id="{1763D576-09EC-95DF-9DB5-E901BA5A0716}"/>
-              </a:ext>
-            </a:extLst>
-          </p:cNvPr>
-          <p:cNvPicPr>
-            <a:picLocks noChangeAspect="1"/>
-          </p:cNvPicPr>
-          <p:nvPr/>
-        </p:nvPicPr>
-        <p:blipFill>
-          <a:blip r:embed="rId4"/>
-          <a:stretch>
-            <a:fillRect/>
-          </a:stretch>
-        </p:blipFill>
-        <p:spPr>
-          <a:xfrm>
-            <a:off x="1892321" y="3622329"/>
-            <a:ext cx="2406774" cy="742988"/>
-          </a:xfrm>
-          <a:prstGeom prst="rect">
-            <a:avLst/>
-          </a:prstGeom>
-        </p:spPr>
-      </p:pic>
-    </p:spTree>
-    <p:extLst>
-      <p:ext uri="{BB962C8B-B14F-4D97-AF65-F5344CB8AC3E}">
-        <p14:creationId xmlns:p14="http://schemas.microsoft.com/office/powerpoint/2010/main" val="238913171"/>
-      </p:ext>
-    </p:extLst>
-  </p:cSld>
-  <p:clrMapOvr>
-    <a:masterClrMapping/>
-  </p:clrMapOvr>
-</p:sld>
-</file>
-
-<file path=ppt/slides/slide9.xml><?xml version="1.0" encoding="utf-8"?>
-<p:sld xmlns:a="http://schemas.openxmlformats.org/drawingml/2006/main" xmlns:r="http://schemas.openxmlformats.org/officeDocument/2006/relationships" xmlns:p="http://schemas.openxmlformats.org/presentationml/2006/main">
-  <p:cSld>
-    <p:spTree>
-      <p:nvGrpSpPr>
-        <p:cNvPr id="1" name="Shape 158"/>
-        <p:cNvGrpSpPr/>
-        <p:nvPr/>
-      </p:nvGrpSpPr>
-      <p:grpSpPr>
-        <a:xfrm>
-          <a:off x="0" y="0"/>
-          <a:ext cx="0" cy="0"/>
-          <a:chOff x="0" y="0"/>
-          <a:chExt cx="0" cy="0"/>
-        </a:xfrm>
-      </p:grpSpPr>
-      <p:sp>
-        <p:nvSpPr>
-          <p:cNvPr id="3" name="Title 2">
-            <a:extLst>
-              <a:ext uri="{FF2B5EF4-FFF2-40B4-BE49-F238E27FC236}">
-                <a16:creationId xmlns:a16="http://schemas.microsoft.com/office/drawing/2014/main" id="{55A06791-28FA-228B-F912-94966CBEEE65}"/>
-              </a:ext>
-            </a:extLst>
-          </p:cNvPr>
-          <p:cNvSpPr>
-            <a:spLocks noGrp="1"/>
-          </p:cNvSpPr>
-          <p:nvPr>
-            <p:ph type="title"/>
-          </p:nvPr>
-        </p:nvSpPr>
-        <p:spPr>
-          <a:xfrm>
-            <a:off x="766664" y="99706"/>
-            <a:ext cx="7688400" cy="1518600"/>
-          </a:xfrm>
-        </p:spPr>
-        <p:txBody>
-          <a:bodyPr/>
-          <a:lstStyle/>
-          <a:p>
-            <a:r>
-              <a:rPr lang="en-US" dirty="0"/>
               <a:t>Results after Training</a:t>
             </a:r>
           </a:p>
@@ -24092,6 +22067,3603 @@
 </p:sld>
 </file>
 
+<file path=ppt/slides/slide11.xml><?xml version="1.0" encoding="utf-8"?>
+<p:sld xmlns:a="http://schemas.openxmlformats.org/drawingml/2006/main" xmlns:r="http://schemas.openxmlformats.org/officeDocument/2006/relationships" xmlns:p="http://schemas.openxmlformats.org/presentationml/2006/main">
+  <p:cSld>
+    <p:spTree>
+      <p:nvGrpSpPr>
+        <p:cNvPr id="1" name="Shape 158"/>
+        <p:cNvGrpSpPr/>
+        <p:nvPr/>
+      </p:nvGrpSpPr>
+      <p:grpSpPr>
+        <a:xfrm>
+          <a:off x="0" y="0"/>
+          <a:ext cx="0" cy="0"/>
+          <a:chOff x="0" y="0"/>
+          <a:chExt cx="0" cy="0"/>
+        </a:xfrm>
+      </p:grpSpPr>
+      <p:sp>
+        <p:nvSpPr>
+          <p:cNvPr id="3" name="Title 2">
+            <a:extLst>
+              <a:ext uri="{FF2B5EF4-FFF2-40B4-BE49-F238E27FC236}">
+                <a16:creationId xmlns:a16="http://schemas.microsoft.com/office/drawing/2014/main" id="{55A06791-28FA-228B-F912-94966CBEEE65}"/>
+              </a:ext>
+            </a:extLst>
+          </p:cNvPr>
+          <p:cNvSpPr>
+            <a:spLocks noGrp="1"/>
+          </p:cNvSpPr>
+          <p:nvPr>
+            <p:ph type="title"/>
+          </p:nvPr>
+        </p:nvSpPr>
+        <p:spPr>
+          <a:xfrm>
+            <a:off x="766664" y="99706"/>
+            <a:ext cx="7688400" cy="1518600"/>
+          </a:xfrm>
+        </p:spPr>
+        <p:txBody>
+          <a:bodyPr/>
+          <a:lstStyle/>
+          <a:p>
+            <a:r>
+              <a:rPr lang="en-US" dirty="0"/>
+              <a:t>Results Visualization</a:t>
+            </a:r>
+          </a:p>
+        </p:txBody>
+      </p:sp>
+      <p:pic>
+        <p:nvPicPr>
+          <p:cNvPr id="9" name="Picture 8">
+            <a:extLst>
+              <a:ext uri="{FF2B5EF4-FFF2-40B4-BE49-F238E27FC236}">
+                <a16:creationId xmlns:a16="http://schemas.microsoft.com/office/drawing/2014/main" id="{4E9643B5-7086-FB57-3016-8E834CA8EA9B}"/>
+              </a:ext>
+            </a:extLst>
+          </p:cNvPr>
+          <p:cNvPicPr>
+            <a:picLocks noChangeAspect="1"/>
+          </p:cNvPicPr>
+          <p:nvPr/>
+        </p:nvPicPr>
+        <p:blipFill rotWithShape="1">
+          <a:blip r:embed="rId3"/>
+          <a:srcRect b="33540"/>
+          <a:stretch/>
+        </p:blipFill>
+        <p:spPr>
+          <a:xfrm>
+            <a:off x="1243572" y="994146"/>
+            <a:ext cx="3722270" cy="3418366"/>
+          </a:xfrm>
+          <a:prstGeom prst="rect">
+            <a:avLst/>
+          </a:prstGeom>
+        </p:spPr>
+      </p:pic>
+      <p:pic>
+        <p:nvPicPr>
+          <p:cNvPr id="15" name="Picture 14">
+            <a:extLst>
+              <a:ext uri="{FF2B5EF4-FFF2-40B4-BE49-F238E27FC236}">
+                <a16:creationId xmlns:a16="http://schemas.microsoft.com/office/drawing/2014/main" id="{34556110-9AA8-4EE4-6D94-F9C03991262B}"/>
+              </a:ext>
+            </a:extLst>
+          </p:cNvPr>
+          <p:cNvPicPr>
+            <a:picLocks noChangeAspect="1"/>
+          </p:cNvPicPr>
+          <p:nvPr/>
+        </p:nvPicPr>
+        <p:blipFill>
+          <a:blip r:embed="rId4"/>
+          <a:stretch>
+            <a:fillRect/>
+          </a:stretch>
+        </p:blipFill>
+        <p:spPr>
+          <a:xfrm>
+            <a:off x="5136033" y="1041482"/>
+            <a:ext cx="3603422" cy="3371030"/>
+          </a:xfrm>
+          <a:prstGeom prst="rect">
+            <a:avLst/>
+          </a:prstGeom>
+        </p:spPr>
+      </p:pic>
+    </p:spTree>
+    <p:extLst>
+      <p:ext uri="{BB962C8B-B14F-4D97-AF65-F5344CB8AC3E}">
+        <p14:creationId xmlns:p14="http://schemas.microsoft.com/office/powerpoint/2010/main" val="2456988779"/>
+      </p:ext>
+    </p:extLst>
+  </p:cSld>
+  <p:clrMapOvr>
+    <a:masterClrMapping/>
+  </p:clrMapOvr>
+</p:sld>
+</file>
+
+<file path=ppt/slides/slide12.xml><?xml version="1.0" encoding="utf-8"?>
+<p:sld xmlns:a="http://schemas.openxmlformats.org/drawingml/2006/main" xmlns:r="http://schemas.openxmlformats.org/officeDocument/2006/relationships" xmlns:p="http://schemas.openxmlformats.org/presentationml/2006/main">
+  <p:cSld>
+    <p:spTree>
+      <p:nvGrpSpPr>
+        <p:cNvPr id="1" name="Shape 158"/>
+        <p:cNvGrpSpPr/>
+        <p:nvPr/>
+      </p:nvGrpSpPr>
+      <p:grpSpPr>
+        <a:xfrm>
+          <a:off x="0" y="0"/>
+          <a:ext cx="0" cy="0"/>
+          <a:chOff x="0" y="0"/>
+          <a:chExt cx="0" cy="0"/>
+        </a:xfrm>
+      </p:grpSpPr>
+      <p:sp>
+        <p:nvSpPr>
+          <p:cNvPr id="3" name="Title 2">
+            <a:extLst>
+              <a:ext uri="{FF2B5EF4-FFF2-40B4-BE49-F238E27FC236}">
+                <a16:creationId xmlns:a16="http://schemas.microsoft.com/office/drawing/2014/main" id="{55A06791-28FA-228B-F912-94966CBEEE65}"/>
+              </a:ext>
+            </a:extLst>
+          </p:cNvPr>
+          <p:cNvSpPr>
+            <a:spLocks noGrp="1"/>
+          </p:cNvSpPr>
+          <p:nvPr>
+            <p:ph type="title"/>
+          </p:nvPr>
+        </p:nvSpPr>
+        <p:spPr>
+          <a:xfrm>
+            <a:off x="766664" y="99706"/>
+            <a:ext cx="7688400" cy="1518600"/>
+          </a:xfrm>
+        </p:spPr>
+        <p:txBody>
+          <a:bodyPr/>
+          <a:lstStyle/>
+          <a:p>
+            <a:r>
+              <a:rPr lang="en-US" dirty="0"/>
+              <a:t>Planned Future Work</a:t>
+            </a:r>
+          </a:p>
+        </p:txBody>
+      </p:sp>
+      <p:sp>
+        <p:nvSpPr>
+          <p:cNvPr id="2" name="TextBox 1">
+            <a:extLst>
+              <a:ext uri="{FF2B5EF4-FFF2-40B4-BE49-F238E27FC236}">
+                <a16:creationId xmlns:a16="http://schemas.microsoft.com/office/drawing/2014/main" id="{79B1E69C-6737-DEF2-D995-BD872ECBE477}"/>
+              </a:ext>
+            </a:extLst>
+          </p:cNvPr>
+          <p:cNvSpPr txBox="1"/>
+          <p:nvPr/>
+        </p:nvSpPr>
+        <p:spPr>
+          <a:xfrm>
+            <a:off x="2030819" y="812432"/>
+            <a:ext cx="6028660" cy="2462213"/>
+          </a:xfrm>
+          <a:prstGeom prst="rect">
+            <a:avLst/>
+          </a:prstGeom>
+          <a:noFill/>
+        </p:spPr>
+        <p:txBody>
+          <a:bodyPr wrap="square" rtlCol="0">
+            <a:spAutoFit/>
+          </a:bodyPr>
+          <a:lstStyle/>
+          <a:p>
+            <a:pPr marL="285750" indent="-285750">
+              <a:buClr>
+                <a:schemeClr val="bg1"/>
+              </a:buClr>
+              <a:buFont typeface="Arial" panose="020B0604020202020204" pitchFamily="34" charset="0"/>
+              <a:buChar char="•"/>
+            </a:pPr>
+            <a:r>
+              <a:rPr lang="en-US" b="0" i="0" u="none" strike="noStrike" dirty="0">
+                <a:solidFill>
+                  <a:schemeClr val="bg1"/>
+                </a:solidFill>
+                <a:effectLst/>
+                <a:latin typeface="Arial" panose="020B0604020202020204" pitchFamily="34" charset="0"/>
+              </a:rPr>
+              <a:t>Evaluate on Test Data</a:t>
+            </a:r>
+          </a:p>
+          <a:p>
+            <a:pPr marL="285750" indent="-285750">
+              <a:buClr>
+                <a:schemeClr val="bg1"/>
+              </a:buClr>
+              <a:buFont typeface="Arial" panose="020B0604020202020204" pitchFamily="34" charset="0"/>
+              <a:buChar char="•"/>
+            </a:pPr>
+            <a:endParaRPr lang="en-US" b="0" i="0" u="none" strike="noStrike" dirty="0">
+              <a:solidFill>
+                <a:schemeClr val="bg1"/>
+              </a:solidFill>
+              <a:effectLst/>
+              <a:latin typeface="Arial" panose="020B0604020202020204" pitchFamily="34" charset="0"/>
+            </a:endParaRPr>
+          </a:p>
+          <a:p>
+            <a:pPr marL="285750" indent="-285750">
+              <a:buClr>
+                <a:schemeClr val="bg1"/>
+              </a:buClr>
+              <a:buFont typeface="Arial" panose="020B0604020202020204" pitchFamily="34" charset="0"/>
+              <a:buChar char="•"/>
+            </a:pPr>
+            <a:r>
+              <a:rPr lang="en-US" dirty="0">
+                <a:solidFill>
+                  <a:schemeClr val="bg1"/>
+                </a:solidFill>
+                <a:latin typeface="Arial" panose="020B0604020202020204" pitchFamily="34" charset="0"/>
+              </a:rPr>
+              <a:t>Perform logistic regression and ET decision trees</a:t>
+            </a:r>
+          </a:p>
+          <a:p>
+            <a:pPr marL="285750" indent="-285750">
+              <a:buClr>
+                <a:schemeClr val="bg1"/>
+              </a:buClr>
+              <a:buFont typeface="Arial" panose="020B0604020202020204" pitchFamily="34" charset="0"/>
+              <a:buChar char="•"/>
+            </a:pPr>
+            <a:endParaRPr lang="en-US" dirty="0">
+              <a:solidFill>
+                <a:schemeClr val="bg1"/>
+              </a:solidFill>
+              <a:latin typeface="Arial" panose="020B0604020202020204" pitchFamily="34" charset="0"/>
+            </a:endParaRPr>
+          </a:p>
+          <a:p>
+            <a:pPr marL="285750" indent="-285750">
+              <a:buClr>
+                <a:schemeClr val="bg1"/>
+              </a:buClr>
+              <a:buFont typeface="Arial" panose="020B0604020202020204" pitchFamily="34" charset="0"/>
+              <a:buChar char="•"/>
+            </a:pPr>
+            <a:r>
+              <a:rPr lang="en-US" b="0" i="0" u="none" strike="noStrike" dirty="0">
+                <a:solidFill>
+                  <a:schemeClr val="bg1"/>
+                </a:solidFill>
+                <a:effectLst/>
+                <a:latin typeface="Arial" panose="020B0604020202020204" pitchFamily="34" charset="0"/>
+              </a:rPr>
+              <a:t>Retrain the models with data augmentation and compare the results if data augmentation increases performance</a:t>
+            </a:r>
+          </a:p>
+          <a:p>
+            <a:pPr marL="285750" indent="-285750">
+              <a:buClr>
+                <a:schemeClr val="bg1"/>
+              </a:buClr>
+              <a:buFont typeface="Arial" panose="020B0604020202020204" pitchFamily="34" charset="0"/>
+              <a:buChar char="•"/>
+            </a:pPr>
+            <a:endParaRPr lang="en-US" dirty="0">
+              <a:solidFill>
+                <a:schemeClr val="bg1"/>
+              </a:solidFill>
+              <a:latin typeface="Arial" panose="020B0604020202020204" pitchFamily="34" charset="0"/>
+            </a:endParaRPr>
+          </a:p>
+          <a:p>
+            <a:pPr marL="285750" indent="-285750">
+              <a:buClr>
+                <a:schemeClr val="bg1"/>
+              </a:buClr>
+              <a:buFont typeface="Arial" panose="020B0604020202020204" pitchFamily="34" charset="0"/>
+              <a:buChar char="•"/>
+            </a:pPr>
+            <a:r>
+              <a:rPr lang="en-US" b="0" i="0" u="none" strike="noStrike" dirty="0">
+                <a:solidFill>
+                  <a:schemeClr val="bg1"/>
+                </a:solidFill>
+                <a:effectLst/>
+                <a:latin typeface="Arial" panose="020B0604020202020204" pitchFamily="34" charset="0"/>
+              </a:rPr>
+              <a:t>Continue tuning hyperparameters to increase accuracy without overfitting</a:t>
+            </a:r>
+          </a:p>
+          <a:p>
+            <a:pPr marL="285750" indent="-285750">
+              <a:buClr>
+                <a:schemeClr val="bg1"/>
+              </a:buClr>
+              <a:buFont typeface="Arial" panose="020B0604020202020204" pitchFamily="34" charset="0"/>
+              <a:buChar char="•"/>
+            </a:pPr>
+            <a:r>
+              <a:rPr lang="en-US" dirty="0">
+                <a:solidFill>
+                  <a:schemeClr val="bg1"/>
+                </a:solidFill>
+              </a:rPr>
+              <a:t>Revisit and preprocess image data further (reword)</a:t>
+            </a:r>
+          </a:p>
+          <a:p>
+            <a:pPr marL="285750" indent="-285750">
+              <a:buClr>
+                <a:schemeClr val="bg1"/>
+              </a:buClr>
+              <a:buFont typeface="Arial" panose="020B0604020202020204" pitchFamily="34" charset="0"/>
+              <a:buChar char="•"/>
+            </a:pPr>
+            <a:endParaRPr lang="en-US" dirty="0">
+              <a:solidFill>
+                <a:schemeClr val="bg1"/>
+              </a:solidFill>
+            </a:endParaRPr>
+          </a:p>
+        </p:txBody>
+      </p:sp>
+    </p:spTree>
+    <p:extLst>
+      <p:ext uri="{BB962C8B-B14F-4D97-AF65-F5344CB8AC3E}">
+        <p14:creationId xmlns:p14="http://schemas.microsoft.com/office/powerpoint/2010/main" val="2412890731"/>
+      </p:ext>
+    </p:extLst>
+  </p:cSld>
+  <p:clrMapOvr>
+    <a:masterClrMapping/>
+  </p:clrMapOvr>
+</p:sld>
+</file>
+
+<file path=ppt/slides/slide2.xml><?xml version="1.0" encoding="utf-8"?>
+<p:sld xmlns:a="http://schemas.openxmlformats.org/drawingml/2006/main" xmlns:r="http://schemas.openxmlformats.org/officeDocument/2006/relationships" xmlns:p="http://schemas.openxmlformats.org/presentationml/2006/main">
+  <p:cSld>
+    <p:spTree>
+      <p:nvGrpSpPr>
+        <p:cNvPr id="1" name="Shape 158"/>
+        <p:cNvGrpSpPr/>
+        <p:nvPr/>
+      </p:nvGrpSpPr>
+      <p:grpSpPr>
+        <a:xfrm>
+          <a:off x="0" y="0"/>
+          <a:ext cx="0" cy="0"/>
+          <a:chOff x="0" y="0"/>
+          <a:chExt cx="0" cy="0"/>
+        </a:xfrm>
+      </p:grpSpPr>
+      <p:sp>
+        <p:nvSpPr>
+          <p:cNvPr id="3" name="Title 2">
+            <a:extLst>
+              <a:ext uri="{FF2B5EF4-FFF2-40B4-BE49-F238E27FC236}">
+                <a16:creationId xmlns:a16="http://schemas.microsoft.com/office/drawing/2014/main" id="{55A06791-28FA-228B-F912-94966CBEEE65}"/>
+              </a:ext>
+            </a:extLst>
+          </p:cNvPr>
+          <p:cNvSpPr>
+            <a:spLocks noGrp="1"/>
+          </p:cNvSpPr>
+          <p:nvPr>
+            <p:ph type="title"/>
+          </p:nvPr>
+        </p:nvSpPr>
+        <p:spPr>
+          <a:xfrm>
+            <a:off x="766664" y="99706"/>
+            <a:ext cx="7688400" cy="1518600"/>
+          </a:xfrm>
+        </p:spPr>
+        <p:txBody>
+          <a:bodyPr/>
+          <a:lstStyle/>
+          <a:p>
+            <a:r>
+              <a:rPr lang="en-US" dirty="0"/>
+              <a:t>Problem Statement</a:t>
+            </a:r>
+          </a:p>
+        </p:txBody>
+      </p:sp>
+      <p:sp>
+        <p:nvSpPr>
+          <p:cNvPr id="4" name="TextBox 3">
+            <a:extLst>
+              <a:ext uri="{FF2B5EF4-FFF2-40B4-BE49-F238E27FC236}">
+                <a16:creationId xmlns:a16="http://schemas.microsoft.com/office/drawing/2014/main" id="{9D65A79C-4354-4DED-C092-5823A0568A9C}"/>
+              </a:ext>
+            </a:extLst>
+          </p:cNvPr>
+          <p:cNvSpPr txBox="1"/>
+          <p:nvPr/>
+        </p:nvSpPr>
+        <p:spPr>
+          <a:xfrm>
+            <a:off x="1982973" y="687309"/>
+            <a:ext cx="6028660" cy="2031325"/>
+          </a:xfrm>
+          <a:prstGeom prst="rect">
+            <a:avLst/>
+          </a:prstGeom>
+          <a:noFill/>
+        </p:spPr>
+        <p:txBody>
+          <a:bodyPr wrap="square" rtlCol="0">
+            <a:spAutoFit/>
+          </a:bodyPr>
+          <a:lstStyle/>
+          <a:p>
+            <a:pPr marL="285750" indent="-285750">
+              <a:buClr>
+                <a:schemeClr val="bg1"/>
+              </a:buClr>
+              <a:buFont typeface="Arial" panose="020B0604020202020204" pitchFamily="34" charset="0"/>
+              <a:buChar char="•"/>
+            </a:pPr>
+            <a:r>
+              <a:rPr lang="en-US" b="0" i="0" u="none" strike="noStrike" dirty="0">
+                <a:solidFill>
+                  <a:schemeClr val="bg1"/>
+                </a:solidFill>
+                <a:effectLst/>
+                <a:latin typeface="Arial" panose="020B0604020202020204" pitchFamily="34" charset="0"/>
+              </a:rPr>
+              <a:t>Diabetic retinopathy is one of the most common causes of blindness in people who have diabetes</a:t>
+            </a:r>
+          </a:p>
+          <a:p>
+            <a:pPr marL="285750" indent="-285750">
+              <a:buClr>
+                <a:schemeClr val="bg1"/>
+              </a:buClr>
+              <a:buFont typeface="Arial" panose="020B0604020202020204" pitchFamily="34" charset="0"/>
+              <a:buChar char="•"/>
+            </a:pPr>
+            <a:endParaRPr lang="en-US" dirty="0">
+              <a:solidFill>
+                <a:schemeClr val="bg1"/>
+              </a:solidFill>
+            </a:endParaRPr>
+          </a:p>
+          <a:p>
+            <a:pPr marL="285750" indent="-285750">
+              <a:buClr>
+                <a:schemeClr val="bg1"/>
+              </a:buClr>
+              <a:buFont typeface="Arial" panose="020B0604020202020204" pitchFamily="34" charset="0"/>
+              <a:buChar char="•"/>
+            </a:pPr>
+            <a:r>
+              <a:rPr lang="en-US" dirty="0">
+                <a:solidFill>
+                  <a:schemeClr val="bg1"/>
+                </a:solidFill>
+              </a:rPr>
+              <a:t>It is important to take a screening exam for early detection</a:t>
+            </a:r>
+          </a:p>
+          <a:p>
+            <a:pPr marL="285750" indent="-285750">
+              <a:buClr>
+                <a:schemeClr val="bg1"/>
+              </a:buClr>
+              <a:buFont typeface="Arial" panose="020B0604020202020204" pitchFamily="34" charset="0"/>
+              <a:buChar char="•"/>
+            </a:pPr>
+            <a:endParaRPr lang="en-US" dirty="0">
+              <a:solidFill>
+                <a:schemeClr val="bg1"/>
+              </a:solidFill>
+            </a:endParaRPr>
+          </a:p>
+          <a:p>
+            <a:pPr marL="285750" lvl="2" indent="-285750">
+              <a:buClr>
+                <a:schemeClr val="bg1"/>
+              </a:buClr>
+              <a:buFont typeface="Arial" panose="020B0604020202020204" pitchFamily="34" charset="0"/>
+              <a:buChar char="•"/>
+            </a:pPr>
+            <a:r>
+              <a:rPr lang="en-US" dirty="0">
+                <a:solidFill>
+                  <a:schemeClr val="bg1"/>
+                </a:solidFill>
+              </a:rPr>
+              <a:t>Lack of infrastructure and skilled professionals in some rural areas</a:t>
+            </a:r>
+          </a:p>
+          <a:p>
+            <a:pPr marL="285750" lvl="5" indent="-285750">
+              <a:buClr>
+                <a:schemeClr val="bg1"/>
+              </a:buClr>
+              <a:buFont typeface="Arial" panose="020B0604020202020204" pitchFamily="34" charset="0"/>
+              <a:buChar char="•"/>
+            </a:pPr>
+            <a:endParaRPr lang="en-US" dirty="0">
+              <a:solidFill>
+                <a:schemeClr val="bg1"/>
+              </a:solidFill>
+            </a:endParaRPr>
+          </a:p>
+          <a:p>
+            <a:pPr marL="285750" indent="-285750">
+              <a:buClr>
+                <a:schemeClr val="bg1"/>
+              </a:buClr>
+              <a:buFont typeface="Arial" panose="020B0604020202020204" pitchFamily="34" charset="0"/>
+              <a:buChar char="•"/>
+            </a:pPr>
+            <a:r>
+              <a:rPr lang="en-US" dirty="0">
+                <a:solidFill>
+                  <a:schemeClr val="bg1"/>
+                </a:solidFill>
+              </a:rPr>
+              <a:t>Very time-consuming and labor-intensive</a:t>
+            </a:r>
+          </a:p>
+          <a:p>
+            <a:pPr marL="285750" indent="-285750">
+              <a:buClr>
+                <a:schemeClr val="bg1"/>
+              </a:buClr>
+              <a:buFont typeface="Arial" panose="020B0604020202020204" pitchFamily="34" charset="0"/>
+              <a:buChar char="•"/>
+            </a:pPr>
+            <a:endParaRPr lang="en-US" dirty="0">
+              <a:solidFill>
+                <a:schemeClr val="bg1"/>
+              </a:solidFill>
+            </a:endParaRPr>
+          </a:p>
+        </p:txBody>
+      </p:sp>
+      <p:pic>
+        <p:nvPicPr>
+          <p:cNvPr id="1026" name="Picture 2" descr="Understanding Diabetic Retinopathy and how to reverse it">
+            <a:extLst>
+              <a:ext uri="{FF2B5EF4-FFF2-40B4-BE49-F238E27FC236}">
+                <a16:creationId xmlns:a16="http://schemas.microsoft.com/office/drawing/2014/main" id="{38ECC534-2653-BD18-848F-7E698B78BE1A}"/>
+              </a:ext>
+            </a:extLst>
+          </p:cNvPr>
+          <p:cNvPicPr>
+            <a:picLocks noChangeAspect="1" noChangeArrowheads="1"/>
+          </p:cNvPicPr>
+          <p:nvPr/>
+        </p:nvPicPr>
+        <p:blipFill>
+          <a:blip r:embed="rId3">
+            <a:extLst>
+              <a:ext uri="{28A0092B-C50C-407E-A947-70E740481C1C}">
+                <a14:useLocalDpi xmlns:a14="http://schemas.microsoft.com/office/drawing/2010/main" val="0"/>
+              </a:ext>
+            </a:extLst>
+          </a:blip>
+          <a:srcRect/>
+          <a:stretch>
+            <a:fillRect/>
+          </a:stretch>
+        </p:blipFill>
+        <p:spPr bwMode="auto">
+          <a:xfrm>
+            <a:off x="2349796" y="2571750"/>
+            <a:ext cx="4227932" cy="2378212"/>
+          </a:xfrm>
+          <a:prstGeom prst="rect">
+            <a:avLst/>
+          </a:prstGeom>
+          <a:noFill/>
+          <a:extLst>
+            <a:ext uri="{909E8E84-426E-40DD-AFC4-6F175D3DCCD1}">
+              <a14:hiddenFill xmlns:a14="http://schemas.microsoft.com/office/drawing/2010/main">
+                <a:solidFill>
+                  <a:srgbClr val="FFFFFF"/>
+                </a:solidFill>
+              </a14:hiddenFill>
+            </a:ext>
+          </a:extLst>
+        </p:spPr>
+      </p:pic>
+    </p:spTree>
+  </p:cSld>
+  <p:clrMapOvr>
+    <a:masterClrMapping/>
+  </p:clrMapOvr>
+</p:sld>
+</file>
+
+<file path=ppt/slides/slide3.xml><?xml version="1.0" encoding="utf-8"?>
+<p:sld xmlns:a="http://schemas.openxmlformats.org/drawingml/2006/main" xmlns:r="http://schemas.openxmlformats.org/officeDocument/2006/relationships" xmlns:p="http://schemas.openxmlformats.org/presentationml/2006/main">
+  <p:cSld>
+    <p:spTree>
+      <p:nvGrpSpPr>
+        <p:cNvPr id="1" name="Shape 158"/>
+        <p:cNvGrpSpPr/>
+        <p:nvPr/>
+      </p:nvGrpSpPr>
+      <p:grpSpPr>
+        <a:xfrm>
+          <a:off x="0" y="0"/>
+          <a:ext cx="0" cy="0"/>
+          <a:chOff x="0" y="0"/>
+          <a:chExt cx="0" cy="0"/>
+        </a:xfrm>
+      </p:grpSpPr>
+      <p:sp>
+        <p:nvSpPr>
+          <p:cNvPr id="3" name="Title 2">
+            <a:extLst>
+              <a:ext uri="{FF2B5EF4-FFF2-40B4-BE49-F238E27FC236}">
+                <a16:creationId xmlns:a16="http://schemas.microsoft.com/office/drawing/2014/main" id="{55A06791-28FA-228B-F912-94966CBEEE65}"/>
+              </a:ext>
+            </a:extLst>
+          </p:cNvPr>
+          <p:cNvSpPr>
+            <a:spLocks noGrp="1"/>
+          </p:cNvSpPr>
+          <p:nvPr>
+            <p:ph type="title"/>
+          </p:nvPr>
+        </p:nvSpPr>
+        <p:spPr>
+          <a:xfrm>
+            <a:off x="766664" y="99706"/>
+            <a:ext cx="7688400" cy="1518600"/>
+          </a:xfrm>
+        </p:spPr>
+        <p:txBody>
+          <a:bodyPr/>
+          <a:lstStyle/>
+          <a:p>
+            <a:r>
+              <a:rPr lang="en-US" dirty="0"/>
+              <a:t>Proposed Solution &amp; Dataset</a:t>
+            </a:r>
+          </a:p>
+        </p:txBody>
+      </p:sp>
+      <p:sp>
+        <p:nvSpPr>
+          <p:cNvPr id="4" name="TextBox 3">
+            <a:extLst>
+              <a:ext uri="{FF2B5EF4-FFF2-40B4-BE49-F238E27FC236}">
+                <a16:creationId xmlns:a16="http://schemas.microsoft.com/office/drawing/2014/main" id="{9D65A79C-4354-4DED-C092-5823A0568A9C}"/>
+              </a:ext>
+            </a:extLst>
+          </p:cNvPr>
+          <p:cNvSpPr txBox="1"/>
+          <p:nvPr/>
+        </p:nvSpPr>
+        <p:spPr>
+          <a:xfrm>
+            <a:off x="1988289" y="1032867"/>
+            <a:ext cx="6028660" cy="2677656"/>
+          </a:xfrm>
+          <a:prstGeom prst="rect">
+            <a:avLst/>
+          </a:prstGeom>
+          <a:noFill/>
+        </p:spPr>
+        <p:txBody>
+          <a:bodyPr wrap="square" rtlCol="0">
+            <a:spAutoFit/>
+          </a:bodyPr>
+          <a:lstStyle/>
+          <a:p>
+            <a:pPr marL="285750" indent="-285750">
+              <a:buClr>
+                <a:schemeClr val="bg1"/>
+              </a:buClr>
+              <a:buFont typeface="Arial" panose="020B0604020202020204" pitchFamily="34" charset="0"/>
+              <a:buChar char="•"/>
+            </a:pPr>
+            <a:r>
+              <a:rPr lang="en-US" b="0" i="0" u="none" strike="noStrike" dirty="0">
+                <a:solidFill>
+                  <a:schemeClr val="bg1"/>
+                </a:solidFill>
+                <a:effectLst/>
+                <a:latin typeface="Arial" panose="020B0604020202020204" pitchFamily="34" charset="0"/>
+              </a:rPr>
+              <a:t>Implement various Deep Learning models to perform multi-class image classification.</a:t>
+            </a:r>
+          </a:p>
+          <a:p>
+            <a:pPr marL="285750" indent="-285750">
+              <a:buClr>
+                <a:schemeClr val="bg1"/>
+              </a:buClr>
+              <a:buFont typeface="Arial" panose="020B0604020202020204" pitchFamily="34" charset="0"/>
+              <a:buChar char="•"/>
+            </a:pPr>
+            <a:endParaRPr lang="en-US" dirty="0">
+              <a:solidFill>
+                <a:schemeClr val="bg1"/>
+              </a:solidFill>
+              <a:latin typeface="Arial" panose="020B0604020202020204" pitchFamily="34" charset="0"/>
+            </a:endParaRPr>
+          </a:p>
+          <a:p>
+            <a:pPr marL="285750" indent="-285750">
+              <a:buClr>
+                <a:schemeClr val="bg1"/>
+              </a:buClr>
+              <a:buFont typeface="Arial" panose="020B0604020202020204" pitchFamily="34" charset="0"/>
+              <a:buChar char="•"/>
+            </a:pPr>
+            <a:endParaRPr lang="en-US" b="0" i="0" u="none" strike="noStrike" dirty="0">
+              <a:solidFill>
+                <a:schemeClr val="bg1"/>
+              </a:solidFill>
+              <a:effectLst/>
+              <a:latin typeface="Arial" panose="020B0604020202020204" pitchFamily="34" charset="0"/>
+            </a:endParaRPr>
+          </a:p>
+          <a:p>
+            <a:pPr marL="285750" indent="-285750">
+              <a:buClr>
+                <a:schemeClr val="bg1"/>
+              </a:buClr>
+              <a:buFont typeface="Arial" panose="020B0604020202020204" pitchFamily="34" charset="0"/>
+              <a:buChar char="•"/>
+            </a:pPr>
+            <a:endParaRPr lang="en-US" b="0" i="0" u="none" strike="noStrike" dirty="0">
+              <a:solidFill>
+                <a:schemeClr val="bg1"/>
+              </a:solidFill>
+              <a:effectLst/>
+              <a:latin typeface="Arial" panose="020B0604020202020204" pitchFamily="34" charset="0"/>
+            </a:endParaRPr>
+          </a:p>
+          <a:p>
+            <a:pPr marL="285750" indent="-285750">
+              <a:buClr>
+                <a:schemeClr val="bg1"/>
+              </a:buClr>
+              <a:buFont typeface="Arial" panose="020B0604020202020204" pitchFamily="34" charset="0"/>
+              <a:buChar char="•"/>
+            </a:pPr>
+            <a:endParaRPr lang="en-US" dirty="0">
+              <a:solidFill>
+                <a:schemeClr val="bg1"/>
+              </a:solidFill>
+            </a:endParaRPr>
+          </a:p>
+          <a:p>
+            <a:pPr marL="285750" indent="-285750">
+              <a:buClr>
+                <a:schemeClr val="bg1"/>
+              </a:buClr>
+              <a:buFont typeface="Arial" panose="020B0604020202020204" pitchFamily="34" charset="0"/>
+              <a:buChar char="•"/>
+            </a:pPr>
+            <a:r>
+              <a:rPr lang="en-US" dirty="0">
+                <a:solidFill>
+                  <a:schemeClr val="bg1"/>
+                </a:solidFill>
+              </a:rPr>
+              <a:t>Dataset: </a:t>
+            </a:r>
+            <a:r>
+              <a:rPr lang="en-US" b="0" i="0" u="none" strike="noStrike" dirty="0">
+                <a:solidFill>
+                  <a:schemeClr val="bg1"/>
+                </a:solidFill>
+                <a:effectLst/>
+                <a:latin typeface="Arial" panose="020B0604020202020204" pitchFamily="34" charset="0"/>
+                <a:hlinkClick r:id="rId3"/>
+              </a:rPr>
+              <a:t>APTOS 2019 Blindness Detection dataset</a:t>
+            </a:r>
+            <a:endParaRPr lang="en-US" dirty="0">
+              <a:solidFill>
+                <a:schemeClr val="bg1"/>
+              </a:solidFill>
+            </a:endParaRPr>
+          </a:p>
+          <a:p>
+            <a:pPr marL="285750" indent="-285750">
+              <a:buClr>
+                <a:schemeClr val="bg1"/>
+              </a:buClr>
+              <a:buFont typeface="Arial" panose="020B0604020202020204" pitchFamily="34" charset="0"/>
+              <a:buChar char="•"/>
+            </a:pPr>
+            <a:endParaRPr lang="en-US" dirty="0">
+              <a:solidFill>
+                <a:schemeClr val="bg1"/>
+              </a:solidFill>
+            </a:endParaRPr>
+          </a:p>
+          <a:p>
+            <a:pPr marL="285750" lvl="2" indent="-285750">
+              <a:buClr>
+                <a:schemeClr val="bg1"/>
+              </a:buClr>
+              <a:buFont typeface="Arial" panose="020B0604020202020204" pitchFamily="34" charset="0"/>
+              <a:buChar char="•"/>
+            </a:pPr>
+            <a:r>
+              <a:rPr lang="en-US" dirty="0">
+                <a:solidFill>
+                  <a:schemeClr val="bg1"/>
+                </a:solidFill>
+              </a:rPr>
+              <a:t>Contains 3,662 training (later split into 2,462 training samples, and 1,200 validation samples) and 1,928 testing retina images. Each image is labelled as belonging to 1 of 5 classes:</a:t>
+            </a:r>
+          </a:p>
+          <a:p>
+            <a:pPr marL="285750" lvl="8" indent="-285750">
+              <a:buClr>
+                <a:schemeClr val="bg1"/>
+              </a:buClr>
+              <a:buFont typeface="Arial" panose="020B0604020202020204" pitchFamily="34" charset="0"/>
+              <a:buChar char="•"/>
+            </a:pPr>
+            <a:endParaRPr lang="en-US" dirty="0">
+              <a:solidFill>
+                <a:schemeClr val="bg1"/>
+              </a:solidFill>
+            </a:endParaRPr>
+          </a:p>
+        </p:txBody>
+      </p:sp>
+      <p:sp>
+        <p:nvSpPr>
+          <p:cNvPr id="5" name="TextBox 4">
+            <a:extLst>
+              <a:ext uri="{FF2B5EF4-FFF2-40B4-BE49-F238E27FC236}">
+                <a16:creationId xmlns:a16="http://schemas.microsoft.com/office/drawing/2014/main" id="{31B2DA5E-2D2D-55EA-0F2A-339F7E7AF832}"/>
+              </a:ext>
+            </a:extLst>
+          </p:cNvPr>
+          <p:cNvSpPr txBox="1"/>
+          <p:nvPr/>
+        </p:nvSpPr>
+        <p:spPr>
+          <a:xfrm>
+            <a:off x="2340812" y="3442639"/>
+            <a:ext cx="3714431" cy="1815882"/>
+          </a:xfrm>
+          <a:prstGeom prst="rect">
+            <a:avLst/>
+          </a:prstGeom>
+          <a:noFill/>
+        </p:spPr>
+        <p:txBody>
+          <a:bodyPr wrap="square" rtlCol="0">
+            <a:spAutoFit/>
+          </a:bodyPr>
+          <a:lstStyle/>
+          <a:p>
+            <a:pPr marL="285750" indent="-285750" algn="l" fontAlgn="base">
+              <a:buClr>
+                <a:schemeClr val="bg1"/>
+              </a:buClr>
+              <a:buFont typeface="Arial" panose="020B0604020202020204" pitchFamily="34" charset="0"/>
+              <a:buChar char="•"/>
+            </a:pPr>
+            <a:r>
+              <a:rPr lang="en-US" b="0" i="0" dirty="0">
+                <a:solidFill>
+                  <a:schemeClr val="bg1"/>
+                </a:solidFill>
+                <a:effectLst/>
+                <a:latin typeface="+mj-lt"/>
+              </a:rPr>
+              <a:t>0 - No Diabetic Retinopathy</a:t>
+            </a:r>
+          </a:p>
+          <a:p>
+            <a:pPr marL="285750" indent="-285750" algn="l" fontAlgn="base">
+              <a:buClr>
+                <a:schemeClr val="bg1"/>
+              </a:buClr>
+              <a:buFont typeface="Arial" panose="020B0604020202020204" pitchFamily="34" charset="0"/>
+              <a:buChar char="•"/>
+            </a:pPr>
+            <a:r>
+              <a:rPr lang="en-US" b="0" i="0" dirty="0">
+                <a:solidFill>
+                  <a:schemeClr val="bg1"/>
+                </a:solidFill>
+                <a:effectLst/>
+                <a:latin typeface="+mj-lt"/>
+              </a:rPr>
+              <a:t>1 - Mild</a:t>
+            </a:r>
+          </a:p>
+          <a:p>
+            <a:pPr marL="285750" indent="-285750" algn="l" fontAlgn="base">
+              <a:buClr>
+                <a:schemeClr val="bg1"/>
+              </a:buClr>
+              <a:buFont typeface="Arial" panose="020B0604020202020204" pitchFamily="34" charset="0"/>
+              <a:buChar char="•"/>
+            </a:pPr>
+            <a:r>
+              <a:rPr lang="en-US" b="0" i="0" dirty="0">
+                <a:solidFill>
+                  <a:schemeClr val="bg1"/>
+                </a:solidFill>
+                <a:effectLst/>
+                <a:latin typeface="+mj-lt"/>
+              </a:rPr>
+              <a:t>2 - Moderate</a:t>
+            </a:r>
+          </a:p>
+          <a:p>
+            <a:pPr marL="285750" indent="-285750" algn="l" fontAlgn="base">
+              <a:buClr>
+                <a:schemeClr val="bg1"/>
+              </a:buClr>
+              <a:buFont typeface="Arial" panose="020B0604020202020204" pitchFamily="34" charset="0"/>
+              <a:buChar char="•"/>
+            </a:pPr>
+            <a:r>
+              <a:rPr lang="en-US" b="0" i="0" dirty="0">
+                <a:solidFill>
+                  <a:schemeClr val="bg1"/>
+                </a:solidFill>
+                <a:effectLst/>
+                <a:latin typeface="+mj-lt"/>
+              </a:rPr>
+              <a:t>3 - Severe</a:t>
+            </a:r>
+          </a:p>
+          <a:p>
+            <a:pPr marL="285750" indent="-285750" fontAlgn="base">
+              <a:buClr>
+                <a:schemeClr val="bg1"/>
+              </a:buClr>
+              <a:buFont typeface="Arial" panose="020B0604020202020204" pitchFamily="34" charset="0"/>
+              <a:buChar char="•"/>
+            </a:pPr>
+            <a:r>
+              <a:rPr lang="en-US" b="0" i="0" dirty="0">
+                <a:solidFill>
+                  <a:schemeClr val="bg1"/>
+                </a:solidFill>
+                <a:effectLst/>
+                <a:latin typeface="+mj-lt"/>
+              </a:rPr>
+              <a:t>4 - Proliferative Diabetic Retinopathy</a:t>
+            </a:r>
+          </a:p>
+          <a:p>
+            <a:pPr marL="285750" indent="-285750" algn="l" fontAlgn="base">
+              <a:buClr>
+                <a:schemeClr val="bg1"/>
+              </a:buClr>
+              <a:buFont typeface="Arial" panose="020B0604020202020204" pitchFamily="34" charset="0"/>
+              <a:buChar char="•"/>
+            </a:pPr>
+            <a:endParaRPr lang="en-US" b="0" i="0" dirty="0">
+              <a:solidFill>
+                <a:schemeClr val="bg1"/>
+              </a:solidFill>
+              <a:effectLst/>
+              <a:latin typeface="+mj-lt"/>
+            </a:endParaRPr>
+          </a:p>
+          <a:p>
+            <a:pPr marL="285750" indent="-285750">
+              <a:buClr>
+                <a:schemeClr val="bg1"/>
+              </a:buClr>
+              <a:buFont typeface="Arial" panose="020B0604020202020204" pitchFamily="34" charset="0"/>
+              <a:buChar char="•"/>
+            </a:pPr>
+            <a:endParaRPr lang="en-US" dirty="0">
+              <a:solidFill>
+                <a:schemeClr val="bg1"/>
+              </a:solidFill>
+              <a:latin typeface="+mj-lt"/>
+            </a:endParaRPr>
+          </a:p>
+          <a:p>
+            <a:pPr marL="285750" indent="-285750">
+              <a:buClr>
+                <a:schemeClr val="bg1"/>
+              </a:buClr>
+              <a:buFont typeface="Arial" panose="020B0604020202020204" pitchFamily="34" charset="0"/>
+              <a:buChar char="•"/>
+            </a:pPr>
+            <a:endParaRPr lang="en-US" dirty="0">
+              <a:solidFill>
+                <a:schemeClr val="bg1"/>
+              </a:solidFill>
+              <a:latin typeface="+mj-lt"/>
+            </a:endParaRPr>
+          </a:p>
+        </p:txBody>
+      </p:sp>
+      <p:sp>
+        <p:nvSpPr>
+          <p:cNvPr id="6" name="TextBox 5">
+            <a:extLst>
+              <a:ext uri="{FF2B5EF4-FFF2-40B4-BE49-F238E27FC236}">
+                <a16:creationId xmlns:a16="http://schemas.microsoft.com/office/drawing/2014/main" id="{E1806D4D-8555-D11C-3862-1EABAF1E9009}"/>
+              </a:ext>
+            </a:extLst>
+          </p:cNvPr>
+          <p:cNvSpPr txBox="1"/>
+          <p:nvPr/>
+        </p:nvSpPr>
+        <p:spPr>
+          <a:xfrm>
+            <a:off x="2340812" y="1533304"/>
+            <a:ext cx="2270051" cy="1169551"/>
+          </a:xfrm>
+          <a:prstGeom prst="rect">
+            <a:avLst/>
+          </a:prstGeom>
+          <a:noFill/>
+        </p:spPr>
+        <p:txBody>
+          <a:bodyPr wrap="square" rtlCol="0">
+            <a:spAutoFit/>
+          </a:bodyPr>
+          <a:lstStyle/>
+          <a:p>
+            <a:pPr marL="285750" indent="-285750" algn="l" fontAlgn="base">
+              <a:buClr>
+                <a:schemeClr val="bg1"/>
+              </a:buClr>
+              <a:buFont typeface="Arial" panose="020B0604020202020204" pitchFamily="34" charset="0"/>
+              <a:buChar char="•"/>
+            </a:pPr>
+            <a:r>
+              <a:rPr lang="en-US" b="0" i="0" dirty="0">
+                <a:solidFill>
+                  <a:schemeClr val="bg1"/>
+                </a:solidFill>
+                <a:effectLst/>
+                <a:latin typeface="+mj-lt"/>
+              </a:rPr>
+              <a:t>Custom CNN Model</a:t>
+            </a:r>
+          </a:p>
+          <a:p>
+            <a:pPr marL="285750" indent="-285750" algn="l" fontAlgn="base">
+              <a:buClr>
+                <a:schemeClr val="bg1"/>
+              </a:buClr>
+              <a:buFont typeface="Arial" panose="020B0604020202020204" pitchFamily="34" charset="0"/>
+              <a:buChar char="•"/>
+            </a:pPr>
+            <a:r>
+              <a:rPr lang="en-US" b="0" i="0" dirty="0">
+                <a:solidFill>
+                  <a:schemeClr val="bg1"/>
+                </a:solidFill>
+                <a:effectLst/>
+                <a:latin typeface="+mj-lt"/>
+              </a:rPr>
+              <a:t>VGG-16</a:t>
+            </a:r>
+          </a:p>
+          <a:p>
+            <a:pPr marL="285750" indent="-285750" algn="l" fontAlgn="base">
+              <a:buClr>
+                <a:schemeClr val="bg1"/>
+              </a:buClr>
+              <a:buFont typeface="Arial" panose="020B0604020202020204" pitchFamily="34" charset="0"/>
+              <a:buChar char="•"/>
+            </a:pPr>
+            <a:r>
+              <a:rPr lang="en-US" b="0" i="0" dirty="0" err="1">
+                <a:solidFill>
+                  <a:schemeClr val="bg1"/>
+                </a:solidFill>
+                <a:effectLst/>
+                <a:latin typeface="+mj-lt"/>
+              </a:rPr>
+              <a:t>ResNet</a:t>
+            </a:r>
+            <a:endParaRPr lang="en-US" b="0" i="0" dirty="0">
+              <a:solidFill>
+                <a:schemeClr val="bg1"/>
+              </a:solidFill>
+              <a:effectLst/>
+              <a:latin typeface="+mj-lt"/>
+            </a:endParaRPr>
+          </a:p>
+          <a:p>
+            <a:pPr>
+              <a:buClr>
+                <a:schemeClr val="bg1"/>
+              </a:buClr>
+            </a:pPr>
+            <a:endParaRPr lang="en-US" dirty="0">
+              <a:solidFill>
+                <a:schemeClr val="bg1"/>
+              </a:solidFill>
+              <a:latin typeface="+mj-lt"/>
+            </a:endParaRPr>
+          </a:p>
+          <a:p>
+            <a:pPr marL="285750" indent="-285750">
+              <a:buClr>
+                <a:schemeClr val="bg1"/>
+              </a:buClr>
+              <a:buFont typeface="Arial" panose="020B0604020202020204" pitchFamily="34" charset="0"/>
+              <a:buChar char="•"/>
+            </a:pPr>
+            <a:endParaRPr lang="en-US" dirty="0">
+              <a:solidFill>
+                <a:schemeClr val="bg1"/>
+              </a:solidFill>
+              <a:latin typeface="+mj-lt"/>
+            </a:endParaRPr>
+          </a:p>
+        </p:txBody>
+      </p:sp>
+    </p:spTree>
+    <p:extLst>
+      <p:ext uri="{BB962C8B-B14F-4D97-AF65-F5344CB8AC3E}">
+        <p14:creationId xmlns:p14="http://schemas.microsoft.com/office/powerpoint/2010/main" val="446167219"/>
+      </p:ext>
+    </p:extLst>
+  </p:cSld>
+  <p:clrMapOvr>
+    <a:masterClrMapping/>
+  </p:clrMapOvr>
+</p:sld>
+</file>
+
+<file path=ppt/slides/slide4.xml><?xml version="1.0" encoding="utf-8"?>
+<p:sld xmlns:a="http://schemas.openxmlformats.org/drawingml/2006/main" xmlns:r="http://schemas.openxmlformats.org/officeDocument/2006/relationships" xmlns:p="http://schemas.openxmlformats.org/presentationml/2006/main">
+  <p:cSld>
+    <p:spTree>
+      <p:nvGrpSpPr>
+        <p:cNvPr id="1" name=""/>
+        <p:cNvGrpSpPr/>
+        <p:nvPr/>
+      </p:nvGrpSpPr>
+      <p:grpSpPr>
+        <a:xfrm>
+          <a:off x="0" y="0"/>
+          <a:ext cx="0" cy="0"/>
+          <a:chOff x="0" y="0"/>
+          <a:chExt cx="0" cy="0"/>
+        </a:xfrm>
+      </p:grpSpPr>
+      <p:sp>
+        <p:nvSpPr>
+          <p:cNvPr id="2" name="Title 1">
+            <a:extLst>
+              <a:ext uri="{FF2B5EF4-FFF2-40B4-BE49-F238E27FC236}">
+                <a16:creationId xmlns:a16="http://schemas.microsoft.com/office/drawing/2014/main" id="{640A0879-736A-2963-1BEE-21341FAE71D2}"/>
+              </a:ext>
+            </a:extLst>
+          </p:cNvPr>
+          <p:cNvSpPr>
+            <a:spLocks noGrp="1"/>
+          </p:cNvSpPr>
+          <p:nvPr>
+            <p:ph type="title"/>
+          </p:nvPr>
+        </p:nvSpPr>
+        <p:spPr>
+          <a:xfrm>
+            <a:off x="748238" y="-49150"/>
+            <a:ext cx="7042950" cy="675451"/>
+          </a:xfrm>
+        </p:spPr>
+        <p:txBody>
+          <a:bodyPr>
+            <a:normAutofit fontScale="90000"/>
+          </a:bodyPr>
+          <a:lstStyle/>
+          <a:p>
+            <a:r>
+              <a:rPr lang="en-IN" dirty="0"/>
+              <a:t>Workflow</a:t>
+            </a:r>
+          </a:p>
+        </p:txBody>
+      </p:sp>
+      <p:grpSp>
+        <p:nvGrpSpPr>
+          <p:cNvPr id="7" name="Group 6">
+            <a:extLst>
+              <a:ext uri="{FF2B5EF4-FFF2-40B4-BE49-F238E27FC236}">
+                <a16:creationId xmlns:a16="http://schemas.microsoft.com/office/drawing/2014/main" id="{4C03EAC6-BFE7-7484-1B10-023BBB18895F}"/>
+              </a:ext>
+            </a:extLst>
+          </p:cNvPr>
+          <p:cNvGrpSpPr/>
+          <p:nvPr/>
+        </p:nvGrpSpPr>
+        <p:grpSpPr>
+          <a:xfrm>
+            <a:off x="1036559" y="1218290"/>
+            <a:ext cx="1503124" cy="582460"/>
+            <a:chOff x="1283918" y="1227552"/>
+            <a:chExt cx="1503124" cy="582460"/>
+          </a:xfrm>
+        </p:grpSpPr>
+        <p:sp>
+          <p:nvSpPr>
+            <p:cNvPr id="3" name="Rectangle: Rounded Corners 2">
+              <a:extLst>
+                <a:ext uri="{FF2B5EF4-FFF2-40B4-BE49-F238E27FC236}">
+                  <a16:creationId xmlns:a16="http://schemas.microsoft.com/office/drawing/2014/main" id="{7A603A82-3839-40A0-C47C-4C64B77CDB67}"/>
+                </a:ext>
+              </a:extLst>
+            </p:cNvPr>
+            <p:cNvSpPr/>
+            <p:nvPr/>
+          </p:nvSpPr>
+          <p:spPr>
+            <a:xfrm>
+              <a:off x="1283918" y="1227552"/>
+              <a:ext cx="1503124" cy="582460"/>
+            </a:xfrm>
+            <a:prstGeom prst="roundRect">
+              <a:avLst/>
+            </a:prstGeom>
+          </p:spPr>
+          <p:style>
+            <a:lnRef idx="2">
+              <a:schemeClr val="accent1">
+                <a:shade val="50000"/>
+              </a:schemeClr>
+            </a:lnRef>
+            <a:fillRef idx="1">
+              <a:schemeClr val="accent1"/>
+            </a:fillRef>
+            <a:effectRef idx="0">
+              <a:schemeClr val="accent1"/>
+            </a:effectRef>
+            <a:fontRef idx="minor">
+              <a:schemeClr val="lt1"/>
+            </a:fontRef>
+          </p:style>
+          <p:txBody>
+            <a:bodyPr rtlCol="0" anchor="ctr"/>
+            <a:lstStyle/>
+            <a:p>
+              <a:pPr algn="ctr"/>
+              <a:endParaRPr lang="en-IN"/>
+            </a:p>
+          </p:txBody>
+        </p:sp>
+        <p:sp>
+          <p:nvSpPr>
+            <p:cNvPr id="4" name="TextBox 3">
+              <a:extLst>
+                <a:ext uri="{FF2B5EF4-FFF2-40B4-BE49-F238E27FC236}">
+                  <a16:creationId xmlns:a16="http://schemas.microsoft.com/office/drawing/2014/main" id="{B50D3C9D-6470-9FF5-86AB-E8A2742A1B9A}"/>
+                </a:ext>
+              </a:extLst>
+            </p:cNvPr>
+            <p:cNvSpPr txBox="1"/>
+            <p:nvPr/>
+          </p:nvSpPr>
+          <p:spPr>
+            <a:xfrm>
+              <a:off x="1315233" y="1257172"/>
+              <a:ext cx="1440493" cy="523220"/>
+            </a:xfrm>
+            <a:prstGeom prst="rect">
+              <a:avLst/>
+            </a:prstGeom>
+            <a:noFill/>
+          </p:spPr>
+          <p:txBody>
+            <a:bodyPr wrap="square" rtlCol="0">
+              <a:spAutoFit/>
+            </a:bodyPr>
+            <a:lstStyle/>
+            <a:p>
+              <a:pPr algn="ctr"/>
+              <a:r>
+                <a:rPr lang="en-IN" dirty="0"/>
+                <a:t>Data Exploration </a:t>
+              </a:r>
+            </a:p>
+          </p:txBody>
+        </p:sp>
+      </p:grpSp>
+      <p:grpSp>
+        <p:nvGrpSpPr>
+          <p:cNvPr id="8" name="Group 7">
+            <a:extLst>
+              <a:ext uri="{FF2B5EF4-FFF2-40B4-BE49-F238E27FC236}">
+                <a16:creationId xmlns:a16="http://schemas.microsoft.com/office/drawing/2014/main" id="{1424C112-2836-54D8-429F-97A757655A39}"/>
+              </a:ext>
+            </a:extLst>
+          </p:cNvPr>
+          <p:cNvGrpSpPr/>
+          <p:nvPr/>
+        </p:nvGrpSpPr>
+        <p:grpSpPr>
+          <a:xfrm>
+            <a:off x="2774972" y="1218290"/>
+            <a:ext cx="1523167" cy="582460"/>
+            <a:chOff x="1346549" y="1236098"/>
+            <a:chExt cx="1523167" cy="582460"/>
+          </a:xfrm>
+        </p:grpSpPr>
+        <p:sp>
+          <p:nvSpPr>
+            <p:cNvPr id="9" name="Rectangle: Rounded Corners 8">
+              <a:extLst>
+                <a:ext uri="{FF2B5EF4-FFF2-40B4-BE49-F238E27FC236}">
+                  <a16:creationId xmlns:a16="http://schemas.microsoft.com/office/drawing/2014/main" id="{A3850F90-5289-87D7-EF0B-8B6FB5728388}"/>
+                </a:ext>
+              </a:extLst>
+            </p:cNvPr>
+            <p:cNvSpPr/>
+            <p:nvPr/>
+          </p:nvSpPr>
+          <p:spPr>
+            <a:xfrm>
+              <a:off x="1366592" y="1236098"/>
+              <a:ext cx="1503124" cy="582460"/>
+            </a:xfrm>
+            <a:prstGeom prst="roundRect">
+              <a:avLst/>
+            </a:prstGeom>
+          </p:spPr>
+          <p:style>
+            <a:lnRef idx="2">
+              <a:schemeClr val="accent1">
+                <a:shade val="50000"/>
+              </a:schemeClr>
+            </a:lnRef>
+            <a:fillRef idx="1">
+              <a:schemeClr val="accent1"/>
+            </a:fillRef>
+            <a:effectRef idx="0">
+              <a:schemeClr val="accent1"/>
+            </a:effectRef>
+            <a:fontRef idx="minor">
+              <a:schemeClr val="lt1"/>
+            </a:fontRef>
+          </p:style>
+          <p:txBody>
+            <a:bodyPr rtlCol="0" anchor="ctr"/>
+            <a:lstStyle/>
+            <a:p>
+              <a:pPr algn="ctr"/>
+              <a:endParaRPr lang="en-IN"/>
+            </a:p>
+          </p:txBody>
+        </p:sp>
+        <p:sp>
+          <p:nvSpPr>
+            <p:cNvPr id="10" name="TextBox 9">
+              <a:extLst>
+                <a:ext uri="{FF2B5EF4-FFF2-40B4-BE49-F238E27FC236}">
+                  <a16:creationId xmlns:a16="http://schemas.microsoft.com/office/drawing/2014/main" id="{622EE169-CB96-608B-18FD-985BB7C0AB0D}"/>
+                </a:ext>
+              </a:extLst>
+            </p:cNvPr>
+            <p:cNvSpPr txBox="1"/>
+            <p:nvPr/>
+          </p:nvSpPr>
+          <p:spPr>
+            <a:xfrm>
+              <a:off x="1346549" y="1265718"/>
+              <a:ext cx="1440493" cy="523220"/>
+            </a:xfrm>
+            <a:prstGeom prst="rect">
+              <a:avLst/>
+            </a:prstGeom>
+            <a:noFill/>
+          </p:spPr>
+          <p:txBody>
+            <a:bodyPr wrap="square" rtlCol="0">
+              <a:spAutoFit/>
+            </a:bodyPr>
+            <a:lstStyle/>
+            <a:p>
+              <a:pPr algn="ctr"/>
+              <a:r>
+                <a:rPr lang="en-IN" dirty="0"/>
+                <a:t>Data </a:t>
+              </a:r>
+            </a:p>
+            <a:p>
+              <a:pPr algn="ctr"/>
+              <a:r>
+                <a:rPr lang="en-IN" dirty="0"/>
+                <a:t>Pre-processing  </a:t>
+              </a:r>
+            </a:p>
+          </p:txBody>
+        </p:sp>
+      </p:grpSp>
+      <p:grpSp>
+        <p:nvGrpSpPr>
+          <p:cNvPr id="14" name="Group 13">
+            <a:extLst>
+              <a:ext uri="{FF2B5EF4-FFF2-40B4-BE49-F238E27FC236}">
+                <a16:creationId xmlns:a16="http://schemas.microsoft.com/office/drawing/2014/main" id="{AF17B765-15B5-891E-5ED4-0F517DC08485}"/>
+              </a:ext>
+            </a:extLst>
+          </p:cNvPr>
+          <p:cNvGrpSpPr/>
+          <p:nvPr/>
+        </p:nvGrpSpPr>
+        <p:grpSpPr>
+          <a:xfrm>
+            <a:off x="4553151" y="1225206"/>
+            <a:ext cx="1167826" cy="577891"/>
+            <a:chOff x="1283918" y="1227552"/>
+            <a:chExt cx="1503124" cy="582460"/>
+          </a:xfrm>
+        </p:grpSpPr>
+        <p:sp>
+          <p:nvSpPr>
+            <p:cNvPr id="15" name="Rectangle: Rounded Corners 14">
+              <a:extLst>
+                <a:ext uri="{FF2B5EF4-FFF2-40B4-BE49-F238E27FC236}">
+                  <a16:creationId xmlns:a16="http://schemas.microsoft.com/office/drawing/2014/main" id="{9648938D-A6AC-259E-856B-0D0053A48002}"/>
+                </a:ext>
+              </a:extLst>
+            </p:cNvPr>
+            <p:cNvSpPr/>
+            <p:nvPr/>
+          </p:nvSpPr>
+          <p:spPr>
+            <a:xfrm>
+              <a:off x="1283918" y="1227552"/>
+              <a:ext cx="1503124" cy="582460"/>
+            </a:xfrm>
+            <a:prstGeom prst="roundRect">
+              <a:avLst/>
+            </a:prstGeom>
+          </p:spPr>
+          <p:style>
+            <a:lnRef idx="2">
+              <a:schemeClr val="accent1">
+                <a:shade val="50000"/>
+              </a:schemeClr>
+            </a:lnRef>
+            <a:fillRef idx="1">
+              <a:schemeClr val="accent1"/>
+            </a:fillRef>
+            <a:effectRef idx="0">
+              <a:schemeClr val="accent1"/>
+            </a:effectRef>
+            <a:fontRef idx="minor">
+              <a:schemeClr val="lt1"/>
+            </a:fontRef>
+          </p:style>
+          <p:txBody>
+            <a:bodyPr rtlCol="0" anchor="ctr"/>
+            <a:lstStyle/>
+            <a:p>
+              <a:pPr algn="ctr"/>
+              <a:endParaRPr lang="en-IN"/>
+            </a:p>
+          </p:txBody>
+        </p:sp>
+        <p:sp>
+          <p:nvSpPr>
+            <p:cNvPr id="16" name="TextBox 15">
+              <a:extLst>
+                <a:ext uri="{FF2B5EF4-FFF2-40B4-BE49-F238E27FC236}">
+                  <a16:creationId xmlns:a16="http://schemas.microsoft.com/office/drawing/2014/main" id="{A67B57AB-CF4D-91F5-7819-8FF42AD5CCA9}"/>
+                </a:ext>
+              </a:extLst>
+            </p:cNvPr>
+            <p:cNvSpPr txBox="1"/>
+            <p:nvPr/>
+          </p:nvSpPr>
+          <p:spPr>
+            <a:xfrm>
+              <a:off x="1292915" y="1280417"/>
+              <a:ext cx="1440493" cy="523220"/>
+            </a:xfrm>
+            <a:prstGeom prst="rect">
+              <a:avLst/>
+            </a:prstGeom>
+            <a:noFill/>
+          </p:spPr>
+          <p:txBody>
+            <a:bodyPr wrap="square" rtlCol="0">
+              <a:spAutoFit/>
+            </a:bodyPr>
+            <a:lstStyle/>
+            <a:p>
+              <a:pPr algn="ctr"/>
+              <a:r>
+                <a:rPr lang="en-IN" dirty="0"/>
+                <a:t>Data </a:t>
+              </a:r>
+            </a:p>
+            <a:p>
+              <a:pPr algn="ctr"/>
+              <a:r>
+                <a:rPr lang="en-IN" dirty="0"/>
+                <a:t>Modelling  </a:t>
+              </a:r>
+            </a:p>
+          </p:txBody>
+        </p:sp>
+      </p:grpSp>
+      <p:grpSp>
+        <p:nvGrpSpPr>
+          <p:cNvPr id="17" name="Group 16">
+            <a:extLst>
+              <a:ext uri="{FF2B5EF4-FFF2-40B4-BE49-F238E27FC236}">
+                <a16:creationId xmlns:a16="http://schemas.microsoft.com/office/drawing/2014/main" id="{8612E532-F3FC-8C56-612F-B4AEA47E8FB3}"/>
+              </a:ext>
+            </a:extLst>
+          </p:cNvPr>
+          <p:cNvGrpSpPr/>
+          <p:nvPr/>
+        </p:nvGrpSpPr>
+        <p:grpSpPr>
+          <a:xfrm>
+            <a:off x="5993096" y="1233428"/>
+            <a:ext cx="1167826" cy="580827"/>
+            <a:chOff x="1283918" y="1227552"/>
+            <a:chExt cx="1503124" cy="585419"/>
+          </a:xfrm>
+        </p:grpSpPr>
+        <p:sp>
+          <p:nvSpPr>
+            <p:cNvPr id="18" name="Rectangle: Rounded Corners 17">
+              <a:extLst>
+                <a:ext uri="{FF2B5EF4-FFF2-40B4-BE49-F238E27FC236}">
+                  <a16:creationId xmlns:a16="http://schemas.microsoft.com/office/drawing/2014/main" id="{B8D882E0-2D9F-AC52-9B6A-0D39AC6BF235}"/>
+                </a:ext>
+              </a:extLst>
+            </p:cNvPr>
+            <p:cNvSpPr/>
+            <p:nvPr/>
+          </p:nvSpPr>
+          <p:spPr>
+            <a:xfrm>
+              <a:off x="1283918" y="1227552"/>
+              <a:ext cx="1503124" cy="582460"/>
+            </a:xfrm>
+            <a:prstGeom prst="roundRect">
+              <a:avLst/>
+            </a:prstGeom>
+          </p:spPr>
+          <p:style>
+            <a:lnRef idx="2">
+              <a:schemeClr val="accent1">
+                <a:shade val="50000"/>
+              </a:schemeClr>
+            </a:lnRef>
+            <a:fillRef idx="1">
+              <a:schemeClr val="accent1"/>
+            </a:fillRef>
+            <a:effectRef idx="0">
+              <a:schemeClr val="accent1"/>
+            </a:effectRef>
+            <a:fontRef idx="minor">
+              <a:schemeClr val="lt1"/>
+            </a:fontRef>
+          </p:style>
+          <p:txBody>
+            <a:bodyPr rtlCol="0" anchor="ctr"/>
+            <a:lstStyle/>
+            <a:p>
+              <a:pPr algn="ctr"/>
+              <a:endParaRPr lang="en-IN"/>
+            </a:p>
+          </p:txBody>
+        </p:sp>
+        <p:sp>
+          <p:nvSpPr>
+            <p:cNvPr id="19" name="TextBox 18">
+              <a:extLst>
+                <a:ext uri="{FF2B5EF4-FFF2-40B4-BE49-F238E27FC236}">
+                  <a16:creationId xmlns:a16="http://schemas.microsoft.com/office/drawing/2014/main" id="{3AE169ED-B3FF-40A5-6D9C-BAF19D8E7BDC}"/>
+                </a:ext>
+              </a:extLst>
+            </p:cNvPr>
+            <p:cNvSpPr txBox="1"/>
+            <p:nvPr/>
+          </p:nvSpPr>
+          <p:spPr>
+            <a:xfrm>
+              <a:off x="1315233" y="1289751"/>
+              <a:ext cx="1440493" cy="523220"/>
+            </a:xfrm>
+            <a:prstGeom prst="rect">
+              <a:avLst/>
+            </a:prstGeom>
+            <a:noFill/>
+          </p:spPr>
+          <p:txBody>
+            <a:bodyPr wrap="square" rtlCol="0">
+              <a:spAutoFit/>
+            </a:bodyPr>
+            <a:lstStyle/>
+            <a:p>
+              <a:pPr algn="ctr"/>
+              <a:r>
+                <a:rPr lang="en-IN" dirty="0"/>
+                <a:t>Evaluate Results</a:t>
+              </a:r>
+            </a:p>
+          </p:txBody>
+        </p:sp>
+      </p:grpSp>
+      <p:cxnSp>
+        <p:nvCxnSpPr>
+          <p:cNvPr id="22" name="Straight Arrow Connector 21">
+            <a:extLst>
+              <a:ext uri="{FF2B5EF4-FFF2-40B4-BE49-F238E27FC236}">
+                <a16:creationId xmlns:a16="http://schemas.microsoft.com/office/drawing/2014/main" id="{FCA7235F-FD4D-163F-FD74-558BBB95929D}"/>
+              </a:ext>
+            </a:extLst>
+          </p:cNvPr>
+          <p:cNvCxnSpPr>
+            <a:stCxn id="3" idx="3"/>
+            <a:endCxn id="9" idx="1"/>
+          </p:cNvCxnSpPr>
+          <p:nvPr/>
+        </p:nvCxnSpPr>
+        <p:spPr>
+          <a:xfrm>
+            <a:off x="2539683" y="1509520"/>
+            <a:ext cx="255332" cy="0"/>
+          </a:xfrm>
+          <a:prstGeom prst="straightConnector1">
+            <a:avLst/>
+          </a:prstGeom>
+          <a:ln w="28575">
+            <a:solidFill>
+              <a:schemeClr val="bg1"/>
+            </a:solidFill>
+            <a:tailEnd type="triangle"/>
+          </a:ln>
+        </p:spPr>
+        <p:style>
+          <a:lnRef idx="1">
+            <a:schemeClr val="accent1"/>
+          </a:lnRef>
+          <a:fillRef idx="0">
+            <a:schemeClr val="accent1"/>
+          </a:fillRef>
+          <a:effectRef idx="0">
+            <a:schemeClr val="accent1"/>
+          </a:effectRef>
+          <a:fontRef idx="minor">
+            <a:schemeClr val="tx1"/>
+          </a:fontRef>
+        </p:style>
+      </p:cxnSp>
+      <p:cxnSp>
+        <p:nvCxnSpPr>
+          <p:cNvPr id="27" name="Straight Arrow Connector 26">
+            <a:extLst>
+              <a:ext uri="{FF2B5EF4-FFF2-40B4-BE49-F238E27FC236}">
+                <a16:creationId xmlns:a16="http://schemas.microsoft.com/office/drawing/2014/main" id="{5560C8F4-8AEA-0731-E9C4-6379097675AA}"/>
+              </a:ext>
+            </a:extLst>
+          </p:cNvPr>
+          <p:cNvCxnSpPr/>
+          <p:nvPr/>
+        </p:nvCxnSpPr>
+        <p:spPr>
+          <a:xfrm>
+            <a:off x="4305129" y="1521066"/>
+            <a:ext cx="248022" cy="8546"/>
+          </a:xfrm>
+          <a:prstGeom prst="straightConnector1">
+            <a:avLst/>
+          </a:prstGeom>
+          <a:ln w="28575">
+            <a:solidFill>
+              <a:schemeClr val="bg1"/>
+            </a:solidFill>
+            <a:tailEnd type="triangle"/>
+          </a:ln>
+        </p:spPr>
+        <p:style>
+          <a:lnRef idx="1">
+            <a:schemeClr val="accent1"/>
+          </a:lnRef>
+          <a:fillRef idx="0">
+            <a:schemeClr val="accent1"/>
+          </a:fillRef>
+          <a:effectRef idx="0">
+            <a:schemeClr val="accent1"/>
+          </a:effectRef>
+          <a:fontRef idx="minor">
+            <a:schemeClr val="tx1"/>
+          </a:fontRef>
+        </p:style>
+      </p:cxnSp>
+      <p:cxnSp>
+        <p:nvCxnSpPr>
+          <p:cNvPr id="28" name="Straight Arrow Connector 27">
+            <a:extLst>
+              <a:ext uri="{FF2B5EF4-FFF2-40B4-BE49-F238E27FC236}">
+                <a16:creationId xmlns:a16="http://schemas.microsoft.com/office/drawing/2014/main" id="{E564356A-0674-652C-2C70-82440B01F736}"/>
+              </a:ext>
+            </a:extLst>
+          </p:cNvPr>
+          <p:cNvCxnSpPr/>
+          <p:nvPr/>
+        </p:nvCxnSpPr>
+        <p:spPr>
+          <a:xfrm>
+            <a:off x="5727967" y="1523842"/>
+            <a:ext cx="248022" cy="8546"/>
+          </a:xfrm>
+          <a:prstGeom prst="straightConnector1">
+            <a:avLst/>
+          </a:prstGeom>
+          <a:ln w="28575">
+            <a:solidFill>
+              <a:schemeClr val="bg1"/>
+            </a:solidFill>
+            <a:tailEnd type="triangle"/>
+          </a:ln>
+        </p:spPr>
+        <p:style>
+          <a:lnRef idx="1">
+            <a:schemeClr val="accent1"/>
+          </a:lnRef>
+          <a:fillRef idx="0">
+            <a:schemeClr val="accent1"/>
+          </a:fillRef>
+          <a:effectRef idx="0">
+            <a:schemeClr val="accent1"/>
+          </a:effectRef>
+          <a:fontRef idx="minor">
+            <a:schemeClr val="tx1"/>
+          </a:fontRef>
+        </p:style>
+      </p:cxnSp>
+      <p:grpSp>
+        <p:nvGrpSpPr>
+          <p:cNvPr id="30" name="Group 29">
+            <a:extLst>
+              <a:ext uri="{FF2B5EF4-FFF2-40B4-BE49-F238E27FC236}">
+                <a16:creationId xmlns:a16="http://schemas.microsoft.com/office/drawing/2014/main" id="{7B485232-D6C9-615F-9810-071D812F2442}"/>
+              </a:ext>
+            </a:extLst>
+          </p:cNvPr>
+          <p:cNvGrpSpPr/>
+          <p:nvPr/>
+        </p:nvGrpSpPr>
+        <p:grpSpPr>
+          <a:xfrm>
+            <a:off x="7773378" y="1233627"/>
+            <a:ext cx="1167826" cy="584931"/>
+            <a:chOff x="1283918" y="1227552"/>
+            <a:chExt cx="1503124" cy="589556"/>
+          </a:xfrm>
+        </p:grpSpPr>
+        <p:sp>
+          <p:nvSpPr>
+            <p:cNvPr id="31" name="Rectangle: Rounded Corners 30">
+              <a:extLst>
+                <a:ext uri="{FF2B5EF4-FFF2-40B4-BE49-F238E27FC236}">
+                  <a16:creationId xmlns:a16="http://schemas.microsoft.com/office/drawing/2014/main" id="{EF089C1A-3A9C-6491-6742-BCDED4A61DB0}"/>
+                </a:ext>
+              </a:extLst>
+            </p:cNvPr>
+            <p:cNvSpPr/>
+            <p:nvPr/>
+          </p:nvSpPr>
+          <p:spPr>
+            <a:xfrm>
+              <a:off x="1283918" y="1227552"/>
+              <a:ext cx="1503124" cy="582460"/>
+            </a:xfrm>
+            <a:prstGeom prst="roundRect">
+              <a:avLst/>
+            </a:prstGeom>
+          </p:spPr>
+          <p:style>
+            <a:lnRef idx="2">
+              <a:schemeClr val="accent1">
+                <a:shade val="50000"/>
+              </a:schemeClr>
+            </a:lnRef>
+            <a:fillRef idx="1">
+              <a:schemeClr val="accent1"/>
+            </a:fillRef>
+            <a:effectRef idx="0">
+              <a:schemeClr val="accent1"/>
+            </a:effectRef>
+            <a:fontRef idx="minor">
+              <a:schemeClr val="lt1"/>
+            </a:fontRef>
+          </p:style>
+          <p:txBody>
+            <a:bodyPr rtlCol="0" anchor="ctr"/>
+            <a:lstStyle/>
+            <a:p>
+              <a:pPr algn="ctr"/>
+              <a:endParaRPr lang="en-IN"/>
+            </a:p>
+          </p:txBody>
+        </p:sp>
+        <p:sp>
+          <p:nvSpPr>
+            <p:cNvPr id="32" name="TextBox 31">
+              <a:extLst>
+                <a:ext uri="{FF2B5EF4-FFF2-40B4-BE49-F238E27FC236}">
+                  <a16:creationId xmlns:a16="http://schemas.microsoft.com/office/drawing/2014/main" id="{16F79C9C-48C0-372B-FE5C-7B363FF57BDA}"/>
+                </a:ext>
+              </a:extLst>
+            </p:cNvPr>
+            <p:cNvSpPr txBox="1"/>
+            <p:nvPr/>
+          </p:nvSpPr>
+          <p:spPr>
+            <a:xfrm>
+              <a:off x="1315233" y="1289751"/>
+              <a:ext cx="1440493" cy="527357"/>
+            </a:xfrm>
+            <a:prstGeom prst="rect">
+              <a:avLst/>
+            </a:prstGeom>
+            <a:noFill/>
+          </p:spPr>
+          <p:txBody>
+            <a:bodyPr wrap="square" rtlCol="0">
+              <a:spAutoFit/>
+            </a:bodyPr>
+            <a:lstStyle/>
+            <a:p>
+              <a:pPr algn="ctr"/>
+              <a:r>
+                <a:rPr lang="en-IN" dirty="0"/>
+                <a:t>Label Test Data</a:t>
+              </a:r>
+            </a:p>
+          </p:txBody>
+        </p:sp>
+      </p:grpSp>
+      <p:cxnSp>
+        <p:nvCxnSpPr>
+          <p:cNvPr id="33" name="Straight Arrow Connector 32">
+            <a:extLst>
+              <a:ext uri="{FF2B5EF4-FFF2-40B4-BE49-F238E27FC236}">
+                <a16:creationId xmlns:a16="http://schemas.microsoft.com/office/drawing/2014/main" id="{0399D089-A493-7E96-10B7-AC45F5CF19DC}"/>
+              </a:ext>
+            </a:extLst>
+          </p:cNvPr>
+          <p:cNvCxnSpPr>
+            <a:cxnSpLocks/>
+          </p:cNvCxnSpPr>
+          <p:nvPr/>
+        </p:nvCxnSpPr>
+        <p:spPr>
+          <a:xfrm flipV="1">
+            <a:off x="7170491" y="1521066"/>
+            <a:ext cx="602887" cy="4125"/>
+          </a:xfrm>
+          <a:prstGeom prst="straightConnector1">
+            <a:avLst/>
+          </a:prstGeom>
+          <a:ln w="28575">
+            <a:solidFill>
+              <a:schemeClr val="bg1"/>
+            </a:solidFill>
+            <a:tailEnd type="triangle"/>
+          </a:ln>
+        </p:spPr>
+        <p:style>
+          <a:lnRef idx="1">
+            <a:schemeClr val="accent1"/>
+          </a:lnRef>
+          <a:fillRef idx="0">
+            <a:schemeClr val="accent1"/>
+          </a:fillRef>
+          <a:effectRef idx="0">
+            <a:schemeClr val="accent1"/>
+          </a:effectRef>
+          <a:fontRef idx="minor">
+            <a:schemeClr val="tx1"/>
+          </a:fontRef>
+        </p:style>
+      </p:cxnSp>
+      <p:cxnSp>
+        <p:nvCxnSpPr>
+          <p:cNvPr id="36" name="Straight Connector 35">
+            <a:extLst>
+              <a:ext uri="{FF2B5EF4-FFF2-40B4-BE49-F238E27FC236}">
+                <a16:creationId xmlns:a16="http://schemas.microsoft.com/office/drawing/2014/main" id="{B8A7EA28-435E-B659-55DF-2F9EFB830F71}"/>
+              </a:ext>
+            </a:extLst>
+          </p:cNvPr>
+          <p:cNvCxnSpPr>
+            <a:cxnSpLocks/>
+          </p:cNvCxnSpPr>
+          <p:nvPr/>
+        </p:nvCxnSpPr>
+        <p:spPr>
+          <a:xfrm>
+            <a:off x="1137410" y="1810012"/>
+            <a:ext cx="0" cy="1780917"/>
+          </a:xfrm>
+          <a:prstGeom prst="line">
+            <a:avLst/>
+          </a:prstGeom>
+          <a:ln w="12700"/>
+        </p:spPr>
+        <p:style>
+          <a:lnRef idx="1">
+            <a:schemeClr val="accent1"/>
+          </a:lnRef>
+          <a:fillRef idx="0">
+            <a:schemeClr val="accent1"/>
+          </a:fillRef>
+          <a:effectRef idx="0">
+            <a:schemeClr val="accent1"/>
+          </a:effectRef>
+          <a:fontRef idx="minor">
+            <a:schemeClr val="tx1"/>
+          </a:fontRef>
+        </p:style>
+      </p:cxnSp>
+      <p:sp>
+        <p:nvSpPr>
+          <p:cNvPr id="39" name="TextBox 38">
+            <a:extLst>
+              <a:ext uri="{FF2B5EF4-FFF2-40B4-BE49-F238E27FC236}">
+                <a16:creationId xmlns:a16="http://schemas.microsoft.com/office/drawing/2014/main" id="{BCE89018-5482-9815-F88C-4FC98B869C28}"/>
+              </a:ext>
+            </a:extLst>
+          </p:cNvPr>
+          <p:cNvSpPr txBox="1"/>
+          <p:nvPr/>
+        </p:nvSpPr>
+        <p:spPr>
+          <a:xfrm>
+            <a:off x="1122229" y="1982380"/>
+            <a:ext cx="1503119" cy="1815882"/>
+          </a:xfrm>
+          <a:prstGeom prst="rect">
+            <a:avLst/>
+          </a:prstGeom>
+          <a:noFill/>
+        </p:spPr>
+        <p:txBody>
+          <a:bodyPr wrap="square" rtlCol="0">
+            <a:spAutoFit/>
+          </a:bodyPr>
+          <a:lstStyle/>
+          <a:p>
+            <a:pPr marL="285750" indent="-285750">
+              <a:buClr>
+                <a:schemeClr val="bg1"/>
+              </a:buClr>
+              <a:buFont typeface="Arial" panose="020B0604020202020204" pitchFamily="34" charset="0"/>
+              <a:buChar char="•"/>
+            </a:pPr>
+            <a:r>
+              <a:rPr lang="en-IN" dirty="0">
+                <a:solidFill>
+                  <a:schemeClr val="bg1"/>
+                </a:solidFill>
+              </a:rPr>
+              <a:t>Different dimensions</a:t>
+            </a:r>
+          </a:p>
+          <a:p>
+            <a:pPr>
+              <a:buClr>
+                <a:schemeClr val="bg1"/>
+              </a:buClr>
+            </a:pPr>
+            <a:r>
+              <a:rPr lang="en-IN" dirty="0">
+                <a:solidFill>
+                  <a:schemeClr val="bg1"/>
+                </a:solidFill>
+              </a:rPr>
+              <a:t> </a:t>
+            </a:r>
+          </a:p>
+          <a:p>
+            <a:pPr marL="285750" indent="-285750">
+              <a:buClr>
+                <a:schemeClr val="bg1"/>
+              </a:buClr>
+              <a:buFont typeface="Arial" panose="020B0604020202020204" pitchFamily="34" charset="0"/>
+              <a:buChar char="•"/>
+            </a:pPr>
+            <a:r>
+              <a:rPr lang="en-IN" dirty="0">
+                <a:solidFill>
+                  <a:schemeClr val="bg1"/>
+                </a:solidFill>
+              </a:rPr>
+              <a:t>Unbalanced dataset</a:t>
+            </a:r>
+          </a:p>
+          <a:p>
+            <a:pPr marL="285750" indent="-285750">
+              <a:buClr>
+                <a:schemeClr val="bg1"/>
+              </a:buClr>
+              <a:buFont typeface="Arial" panose="020B0604020202020204" pitchFamily="34" charset="0"/>
+              <a:buChar char="•"/>
+            </a:pPr>
+            <a:endParaRPr lang="en-IN" dirty="0">
+              <a:solidFill>
+                <a:schemeClr val="bg1"/>
+              </a:solidFill>
+            </a:endParaRPr>
+          </a:p>
+          <a:p>
+            <a:pPr marL="285750" indent="-285750">
+              <a:buClr>
+                <a:schemeClr val="bg1"/>
+              </a:buClr>
+              <a:buFont typeface="Wingdings" panose="05000000000000000000" pitchFamily="2" charset="2"/>
+              <a:buChar char="v"/>
+            </a:pPr>
+            <a:endParaRPr lang="en-IN" dirty="0">
+              <a:solidFill>
+                <a:schemeClr val="bg1"/>
+              </a:solidFill>
+            </a:endParaRPr>
+          </a:p>
+          <a:p>
+            <a:pPr marL="285750" indent="-285750">
+              <a:buClr>
+                <a:schemeClr val="bg1"/>
+              </a:buClr>
+              <a:buFont typeface="Wingdings" panose="05000000000000000000" pitchFamily="2" charset="2"/>
+              <a:buChar char="v"/>
+            </a:pPr>
+            <a:endParaRPr lang="en-IN" dirty="0">
+              <a:solidFill>
+                <a:schemeClr val="bg1"/>
+              </a:solidFill>
+            </a:endParaRPr>
+          </a:p>
+        </p:txBody>
+      </p:sp>
+      <p:cxnSp>
+        <p:nvCxnSpPr>
+          <p:cNvPr id="40" name="Straight Connector 39">
+            <a:extLst>
+              <a:ext uri="{FF2B5EF4-FFF2-40B4-BE49-F238E27FC236}">
+                <a16:creationId xmlns:a16="http://schemas.microsoft.com/office/drawing/2014/main" id="{2B839A1C-07A3-C6CB-12C8-D57198352CBA}"/>
+              </a:ext>
+            </a:extLst>
+          </p:cNvPr>
+          <p:cNvCxnSpPr>
+            <a:cxnSpLocks/>
+          </p:cNvCxnSpPr>
+          <p:nvPr/>
+        </p:nvCxnSpPr>
+        <p:spPr>
+          <a:xfrm>
+            <a:off x="2908126" y="1818558"/>
+            <a:ext cx="0" cy="1907935"/>
+          </a:xfrm>
+          <a:prstGeom prst="line">
+            <a:avLst/>
+          </a:prstGeom>
+          <a:ln w="12700"/>
+        </p:spPr>
+        <p:style>
+          <a:lnRef idx="1">
+            <a:schemeClr val="accent1"/>
+          </a:lnRef>
+          <a:fillRef idx="0">
+            <a:schemeClr val="accent1"/>
+          </a:fillRef>
+          <a:effectRef idx="0">
+            <a:schemeClr val="accent1"/>
+          </a:effectRef>
+          <a:fontRef idx="minor">
+            <a:schemeClr val="tx1"/>
+          </a:fontRef>
+        </p:style>
+      </p:cxnSp>
+      <p:sp>
+        <p:nvSpPr>
+          <p:cNvPr id="41" name="TextBox 40">
+            <a:extLst>
+              <a:ext uri="{FF2B5EF4-FFF2-40B4-BE49-F238E27FC236}">
+                <a16:creationId xmlns:a16="http://schemas.microsoft.com/office/drawing/2014/main" id="{E1443160-9C7C-04E9-07F0-B9D3CAC93EAB}"/>
+              </a:ext>
+            </a:extLst>
+          </p:cNvPr>
+          <p:cNvSpPr txBox="1"/>
+          <p:nvPr/>
+        </p:nvSpPr>
+        <p:spPr>
+          <a:xfrm>
+            <a:off x="2855162" y="1818558"/>
+            <a:ext cx="1605002" cy="2677656"/>
+          </a:xfrm>
+          <a:prstGeom prst="rect">
+            <a:avLst/>
+          </a:prstGeom>
+          <a:noFill/>
+        </p:spPr>
+        <p:txBody>
+          <a:bodyPr wrap="square" rtlCol="0">
+            <a:spAutoFit/>
+          </a:bodyPr>
+          <a:lstStyle/>
+          <a:p>
+            <a:pPr marL="285750" indent="-285750">
+              <a:buClr>
+                <a:schemeClr val="bg1"/>
+              </a:buClr>
+              <a:buFont typeface="Arial" panose="020B0604020202020204" pitchFamily="34" charset="0"/>
+              <a:buChar char="•"/>
+            </a:pPr>
+            <a:r>
+              <a:rPr lang="en-IN" dirty="0">
+                <a:solidFill>
+                  <a:schemeClr val="bg1"/>
+                </a:solidFill>
+              </a:rPr>
+              <a:t>Split images into training &amp; validation  </a:t>
+            </a:r>
+          </a:p>
+          <a:p>
+            <a:pPr>
+              <a:buClr>
+                <a:schemeClr val="bg1"/>
+              </a:buClr>
+            </a:pPr>
+            <a:r>
+              <a:rPr lang="en-IN" dirty="0">
+                <a:solidFill>
+                  <a:schemeClr val="bg1"/>
+                </a:solidFill>
+              </a:rPr>
+              <a:t> </a:t>
+            </a:r>
+          </a:p>
+          <a:p>
+            <a:pPr marL="285750" indent="-285750">
+              <a:buClr>
+                <a:schemeClr val="bg1"/>
+              </a:buClr>
+              <a:buFont typeface="Arial" panose="020B0604020202020204" pitchFamily="34" charset="0"/>
+              <a:buChar char="•"/>
+            </a:pPr>
+            <a:r>
+              <a:rPr lang="en-IN" dirty="0">
+                <a:solidFill>
+                  <a:schemeClr val="bg1"/>
+                </a:solidFill>
+              </a:rPr>
+              <a:t>Resize Images</a:t>
+            </a:r>
+          </a:p>
+          <a:p>
+            <a:pPr marL="285750" indent="-285750">
+              <a:buClr>
+                <a:schemeClr val="bg1"/>
+              </a:buClr>
+              <a:buFont typeface="Arial" panose="020B0604020202020204" pitchFamily="34" charset="0"/>
+              <a:buChar char="•"/>
+            </a:pPr>
+            <a:endParaRPr lang="en-IN" dirty="0">
+              <a:solidFill>
+                <a:schemeClr val="bg1"/>
+              </a:solidFill>
+            </a:endParaRPr>
+          </a:p>
+          <a:p>
+            <a:pPr marL="285750" indent="-285750">
+              <a:buClr>
+                <a:schemeClr val="bg1"/>
+              </a:buClr>
+              <a:buFont typeface="Arial" panose="020B0604020202020204" pitchFamily="34" charset="0"/>
+              <a:buChar char="•"/>
+            </a:pPr>
+            <a:r>
+              <a:rPr lang="en-IN" dirty="0">
+                <a:solidFill>
+                  <a:schemeClr val="bg1"/>
+                </a:solidFill>
+              </a:rPr>
+              <a:t>Image Augmentation </a:t>
+            </a:r>
+          </a:p>
+          <a:p>
+            <a:pPr marL="285750" indent="-285750">
+              <a:buClr>
+                <a:schemeClr val="bg1"/>
+              </a:buClr>
+              <a:buFont typeface="Arial" panose="020B0604020202020204" pitchFamily="34" charset="0"/>
+              <a:buChar char="•"/>
+            </a:pPr>
+            <a:endParaRPr lang="en-IN" dirty="0">
+              <a:solidFill>
+                <a:schemeClr val="bg1"/>
+              </a:solidFill>
+            </a:endParaRPr>
+          </a:p>
+          <a:p>
+            <a:pPr marL="285750" indent="-285750">
+              <a:buClr>
+                <a:schemeClr val="bg1"/>
+              </a:buClr>
+              <a:buFont typeface="Wingdings" panose="05000000000000000000" pitchFamily="2" charset="2"/>
+              <a:buChar char="v"/>
+            </a:pPr>
+            <a:endParaRPr lang="en-IN" dirty="0">
+              <a:solidFill>
+                <a:schemeClr val="bg1"/>
+              </a:solidFill>
+            </a:endParaRPr>
+          </a:p>
+          <a:p>
+            <a:pPr marL="285750" indent="-285750">
+              <a:buClr>
+                <a:schemeClr val="bg1"/>
+              </a:buClr>
+              <a:buFont typeface="Wingdings" panose="05000000000000000000" pitchFamily="2" charset="2"/>
+              <a:buChar char="v"/>
+            </a:pPr>
+            <a:endParaRPr lang="en-IN" dirty="0">
+              <a:solidFill>
+                <a:schemeClr val="bg1"/>
+              </a:solidFill>
+            </a:endParaRPr>
+          </a:p>
+        </p:txBody>
+      </p:sp>
+      <p:sp>
+        <p:nvSpPr>
+          <p:cNvPr id="44" name="TextBox 43">
+            <a:extLst>
+              <a:ext uri="{FF2B5EF4-FFF2-40B4-BE49-F238E27FC236}">
+                <a16:creationId xmlns:a16="http://schemas.microsoft.com/office/drawing/2014/main" id="{8DE30F42-F172-4629-C7B6-41B681391F8C}"/>
+              </a:ext>
+            </a:extLst>
+          </p:cNvPr>
+          <p:cNvSpPr txBox="1"/>
+          <p:nvPr/>
+        </p:nvSpPr>
+        <p:spPr>
+          <a:xfrm>
+            <a:off x="4635736" y="1858483"/>
+            <a:ext cx="1503119" cy="2031325"/>
+          </a:xfrm>
+          <a:prstGeom prst="rect">
+            <a:avLst/>
+          </a:prstGeom>
+          <a:noFill/>
+        </p:spPr>
+        <p:txBody>
+          <a:bodyPr wrap="square" rtlCol="0">
+            <a:spAutoFit/>
+          </a:bodyPr>
+          <a:lstStyle/>
+          <a:p>
+            <a:pPr marL="285750" indent="-285750">
+              <a:buClr>
+                <a:schemeClr val="bg1"/>
+              </a:buClr>
+              <a:buFont typeface="Arial" panose="020B0604020202020204" pitchFamily="34" charset="0"/>
+              <a:buChar char="•"/>
+            </a:pPr>
+            <a:r>
+              <a:rPr lang="en-IN" dirty="0">
+                <a:solidFill>
+                  <a:schemeClr val="bg1"/>
+                </a:solidFill>
+              </a:rPr>
+              <a:t>Custom CNN</a:t>
+            </a:r>
+          </a:p>
+          <a:p>
+            <a:pPr>
+              <a:buClr>
+                <a:schemeClr val="bg1"/>
+              </a:buClr>
+            </a:pPr>
+            <a:r>
+              <a:rPr lang="en-IN" dirty="0">
+                <a:solidFill>
+                  <a:schemeClr val="bg1"/>
+                </a:solidFill>
+              </a:rPr>
+              <a:t> </a:t>
+            </a:r>
+          </a:p>
+          <a:p>
+            <a:pPr marL="285750" indent="-285750">
+              <a:buClr>
+                <a:schemeClr val="bg1"/>
+              </a:buClr>
+              <a:buFont typeface="Arial" panose="020B0604020202020204" pitchFamily="34" charset="0"/>
+              <a:buChar char="•"/>
+            </a:pPr>
+            <a:r>
+              <a:rPr lang="en-IN" dirty="0">
+                <a:solidFill>
+                  <a:schemeClr val="bg1"/>
+                </a:solidFill>
+              </a:rPr>
+              <a:t>VGG16</a:t>
+            </a:r>
+          </a:p>
+          <a:p>
+            <a:pPr marL="285750" indent="-285750">
+              <a:buClr>
+                <a:schemeClr val="bg1"/>
+              </a:buClr>
+              <a:buFont typeface="Arial" panose="020B0604020202020204" pitchFamily="34" charset="0"/>
+              <a:buChar char="•"/>
+            </a:pPr>
+            <a:endParaRPr lang="en-IN" dirty="0">
+              <a:solidFill>
+                <a:schemeClr val="bg1"/>
+              </a:solidFill>
+            </a:endParaRPr>
+          </a:p>
+          <a:p>
+            <a:pPr marL="285750" indent="-285750">
+              <a:buClr>
+                <a:schemeClr val="bg1"/>
+              </a:buClr>
+              <a:buFont typeface="Arial" panose="020B0604020202020204" pitchFamily="34" charset="0"/>
+              <a:buChar char="•"/>
+            </a:pPr>
+            <a:r>
+              <a:rPr lang="en-IN" dirty="0">
+                <a:solidFill>
+                  <a:schemeClr val="bg1"/>
+                </a:solidFill>
+              </a:rPr>
+              <a:t>ResNet50</a:t>
+            </a:r>
+          </a:p>
+          <a:p>
+            <a:pPr marL="285750" indent="-285750">
+              <a:buClr>
+                <a:schemeClr val="bg1"/>
+              </a:buClr>
+              <a:buFont typeface="Arial" panose="020B0604020202020204" pitchFamily="34" charset="0"/>
+              <a:buChar char="•"/>
+            </a:pPr>
+            <a:endParaRPr lang="en-IN" dirty="0">
+              <a:solidFill>
+                <a:schemeClr val="bg1"/>
+              </a:solidFill>
+            </a:endParaRPr>
+          </a:p>
+          <a:p>
+            <a:pPr marL="285750" indent="-285750">
+              <a:buClr>
+                <a:schemeClr val="bg1"/>
+              </a:buClr>
+              <a:buFont typeface="Arial" panose="020B0604020202020204" pitchFamily="34" charset="0"/>
+              <a:buChar char="•"/>
+            </a:pPr>
+            <a:r>
+              <a:rPr lang="en-IN" dirty="0">
+                <a:solidFill>
+                  <a:schemeClr val="bg1"/>
+                </a:solidFill>
+              </a:rPr>
+              <a:t>InceptionV3</a:t>
+            </a:r>
+          </a:p>
+          <a:p>
+            <a:pPr>
+              <a:buClr>
+                <a:schemeClr val="bg1"/>
+              </a:buClr>
+            </a:pPr>
+            <a:endParaRPr lang="en-IN" dirty="0">
+              <a:solidFill>
+                <a:schemeClr val="bg1"/>
+              </a:solidFill>
+            </a:endParaRPr>
+          </a:p>
+        </p:txBody>
+      </p:sp>
+      <p:cxnSp>
+        <p:nvCxnSpPr>
+          <p:cNvPr id="45" name="Straight Connector 44">
+            <a:extLst>
+              <a:ext uri="{FF2B5EF4-FFF2-40B4-BE49-F238E27FC236}">
+                <a16:creationId xmlns:a16="http://schemas.microsoft.com/office/drawing/2014/main" id="{F6F5B9EF-F354-F74C-FAA4-37DAA3B14786}"/>
+              </a:ext>
+            </a:extLst>
+          </p:cNvPr>
+          <p:cNvCxnSpPr>
+            <a:cxnSpLocks/>
+          </p:cNvCxnSpPr>
+          <p:nvPr/>
+        </p:nvCxnSpPr>
+        <p:spPr>
+          <a:xfrm>
+            <a:off x="4651589" y="1800750"/>
+            <a:ext cx="0" cy="1925743"/>
+          </a:xfrm>
+          <a:prstGeom prst="line">
+            <a:avLst/>
+          </a:prstGeom>
+          <a:ln w="12700"/>
+        </p:spPr>
+        <p:style>
+          <a:lnRef idx="1">
+            <a:schemeClr val="accent1"/>
+          </a:lnRef>
+          <a:fillRef idx="0">
+            <a:schemeClr val="accent1"/>
+          </a:fillRef>
+          <a:effectRef idx="0">
+            <a:schemeClr val="accent1"/>
+          </a:effectRef>
+          <a:fontRef idx="minor">
+            <a:schemeClr val="tx1"/>
+          </a:fontRef>
+        </p:style>
+      </p:cxnSp>
+      <p:cxnSp>
+        <p:nvCxnSpPr>
+          <p:cNvPr id="48" name="Straight Connector 47">
+            <a:extLst>
+              <a:ext uri="{FF2B5EF4-FFF2-40B4-BE49-F238E27FC236}">
+                <a16:creationId xmlns:a16="http://schemas.microsoft.com/office/drawing/2014/main" id="{02DE2161-3EA7-9A53-4140-C572EDE20A2D}"/>
+              </a:ext>
+            </a:extLst>
+          </p:cNvPr>
+          <p:cNvCxnSpPr>
+            <a:cxnSpLocks/>
+          </p:cNvCxnSpPr>
+          <p:nvPr/>
+        </p:nvCxnSpPr>
+        <p:spPr>
+          <a:xfrm>
+            <a:off x="6074222" y="1818558"/>
+            <a:ext cx="0" cy="1925743"/>
+          </a:xfrm>
+          <a:prstGeom prst="line">
+            <a:avLst/>
+          </a:prstGeom>
+          <a:ln w="12700"/>
+        </p:spPr>
+        <p:style>
+          <a:lnRef idx="1">
+            <a:schemeClr val="accent1"/>
+          </a:lnRef>
+          <a:fillRef idx="0">
+            <a:schemeClr val="accent1"/>
+          </a:fillRef>
+          <a:effectRef idx="0">
+            <a:schemeClr val="accent1"/>
+          </a:effectRef>
+          <a:fontRef idx="minor">
+            <a:schemeClr val="tx1"/>
+          </a:fontRef>
+        </p:style>
+      </p:cxnSp>
+      <p:sp>
+        <p:nvSpPr>
+          <p:cNvPr id="49" name="TextBox 48">
+            <a:extLst>
+              <a:ext uri="{FF2B5EF4-FFF2-40B4-BE49-F238E27FC236}">
+                <a16:creationId xmlns:a16="http://schemas.microsoft.com/office/drawing/2014/main" id="{F948CBF3-9531-00D3-B9C5-E8FEAD959DDB}"/>
+              </a:ext>
+            </a:extLst>
+          </p:cNvPr>
+          <p:cNvSpPr txBox="1"/>
+          <p:nvPr/>
+        </p:nvSpPr>
+        <p:spPr>
+          <a:xfrm>
+            <a:off x="6032757" y="1771130"/>
+            <a:ext cx="1929901" cy="2246769"/>
+          </a:xfrm>
+          <a:prstGeom prst="rect">
+            <a:avLst/>
+          </a:prstGeom>
+          <a:noFill/>
+        </p:spPr>
+        <p:txBody>
+          <a:bodyPr wrap="square" rtlCol="0">
+            <a:spAutoFit/>
+          </a:bodyPr>
+          <a:lstStyle/>
+          <a:p>
+            <a:pPr marL="285750" indent="-285750">
+              <a:buClr>
+                <a:schemeClr val="bg1"/>
+              </a:buClr>
+              <a:buFont typeface="Arial" panose="020B0604020202020204" pitchFamily="34" charset="0"/>
+              <a:buChar char="•"/>
+            </a:pPr>
+            <a:r>
+              <a:rPr lang="en-IN" dirty="0">
+                <a:solidFill>
+                  <a:schemeClr val="bg1"/>
+                </a:solidFill>
+              </a:rPr>
+              <a:t>On Val data</a:t>
+            </a:r>
+          </a:p>
+          <a:p>
+            <a:pPr>
+              <a:buClr>
+                <a:schemeClr val="bg1"/>
+              </a:buClr>
+            </a:pPr>
+            <a:r>
+              <a:rPr lang="en-IN" dirty="0">
+                <a:solidFill>
+                  <a:schemeClr val="bg1"/>
+                </a:solidFill>
+              </a:rPr>
+              <a:t> </a:t>
+            </a:r>
+          </a:p>
+          <a:p>
+            <a:pPr marL="285750" indent="-285750">
+              <a:buClr>
+                <a:schemeClr val="bg1"/>
+              </a:buClr>
+              <a:buFont typeface="Arial" panose="020B0604020202020204" pitchFamily="34" charset="0"/>
+              <a:buChar char="•"/>
+            </a:pPr>
+            <a:r>
+              <a:rPr lang="en-IN" dirty="0">
+                <a:solidFill>
+                  <a:schemeClr val="bg1"/>
+                </a:solidFill>
+              </a:rPr>
+              <a:t>Hyperparameter tuning</a:t>
+            </a:r>
+          </a:p>
+          <a:p>
+            <a:pPr marL="285750" indent="-285750">
+              <a:buClr>
+                <a:schemeClr val="bg1"/>
+              </a:buClr>
+              <a:buFont typeface="Arial" panose="020B0604020202020204" pitchFamily="34" charset="0"/>
+              <a:buChar char="•"/>
+            </a:pPr>
+            <a:endParaRPr lang="en-IN" dirty="0">
+              <a:solidFill>
+                <a:schemeClr val="bg1"/>
+              </a:solidFill>
+            </a:endParaRPr>
+          </a:p>
+          <a:p>
+            <a:pPr marL="285750" indent="-285750">
+              <a:buClr>
+                <a:schemeClr val="bg1"/>
+              </a:buClr>
+              <a:buFont typeface="Arial" panose="020B0604020202020204" pitchFamily="34" charset="0"/>
+              <a:buChar char="•"/>
+            </a:pPr>
+            <a:r>
+              <a:rPr lang="en-IN" dirty="0">
+                <a:solidFill>
+                  <a:schemeClr val="bg1"/>
+                </a:solidFill>
+              </a:rPr>
+              <a:t>Regularization techniques</a:t>
+            </a:r>
+          </a:p>
+          <a:p>
+            <a:pPr marL="285750" indent="-285750">
+              <a:buClr>
+                <a:schemeClr val="bg1"/>
+              </a:buClr>
+              <a:buFont typeface="Arial" panose="020B0604020202020204" pitchFamily="34" charset="0"/>
+              <a:buChar char="•"/>
+            </a:pPr>
+            <a:endParaRPr lang="en-IN" dirty="0">
+              <a:solidFill>
+                <a:schemeClr val="bg1"/>
+              </a:solidFill>
+            </a:endParaRPr>
+          </a:p>
+          <a:p>
+            <a:pPr marL="285750" indent="-285750">
+              <a:buClr>
+                <a:schemeClr val="bg1"/>
+              </a:buClr>
+              <a:buFont typeface="Arial" panose="020B0604020202020204" pitchFamily="34" charset="0"/>
+              <a:buChar char="•"/>
+            </a:pPr>
+            <a:r>
+              <a:rPr lang="en-IN" dirty="0">
+                <a:solidFill>
+                  <a:schemeClr val="bg1"/>
+                </a:solidFill>
+              </a:rPr>
+              <a:t>Plotting loss and accuracy </a:t>
+            </a:r>
+          </a:p>
+        </p:txBody>
+      </p:sp>
+      <p:sp>
+        <p:nvSpPr>
+          <p:cNvPr id="54" name="TextBox 53">
+            <a:extLst>
+              <a:ext uri="{FF2B5EF4-FFF2-40B4-BE49-F238E27FC236}">
+                <a16:creationId xmlns:a16="http://schemas.microsoft.com/office/drawing/2014/main" id="{33A6D066-EBF3-06DF-BA66-FC7737D7AC50}"/>
+              </a:ext>
+            </a:extLst>
+          </p:cNvPr>
+          <p:cNvSpPr txBox="1"/>
+          <p:nvPr/>
+        </p:nvSpPr>
+        <p:spPr>
+          <a:xfrm>
+            <a:off x="7797708" y="2151657"/>
+            <a:ext cx="1310759" cy="1384995"/>
+          </a:xfrm>
+          <a:prstGeom prst="rect">
+            <a:avLst/>
+          </a:prstGeom>
+          <a:noFill/>
+        </p:spPr>
+        <p:txBody>
+          <a:bodyPr wrap="square" rtlCol="0">
+            <a:spAutoFit/>
+          </a:bodyPr>
+          <a:lstStyle/>
+          <a:p>
+            <a:pPr marL="285750" indent="-285750">
+              <a:buClr>
+                <a:schemeClr val="bg1"/>
+              </a:buClr>
+              <a:buFont typeface="Arial" panose="020B0604020202020204" pitchFamily="34" charset="0"/>
+              <a:buChar char="•"/>
+            </a:pPr>
+            <a:r>
+              <a:rPr lang="en-IN" dirty="0">
+                <a:solidFill>
+                  <a:schemeClr val="bg1"/>
+                </a:solidFill>
+              </a:rPr>
+              <a:t>Predicting labels for test data using each model</a:t>
+            </a:r>
+          </a:p>
+        </p:txBody>
+      </p:sp>
+      <p:cxnSp>
+        <p:nvCxnSpPr>
+          <p:cNvPr id="55" name="Straight Connector 54">
+            <a:extLst>
+              <a:ext uri="{FF2B5EF4-FFF2-40B4-BE49-F238E27FC236}">
+                <a16:creationId xmlns:a16="http://schemas.microsoft.com/office/drawing/2014/main" id="{FC34157F-FB10-5F58-7CD8-1A68E1BF01CF}"/>
+              </a:ext>
+            </a:extLst>
+          </p:cNvPr>
+          <p:cNvCxnSpPr>
+            <a:cxnSpLocks/>
+          </p:cNvCxnSpPr>
+          <p:nvPr/>
+        </p:nvCxnSpPr>
+        <p:spPr>
+          <a:xfrm>
+            <a:off x="7867536" y="1818558"/>
+            <a:ext cx="0" cy="1925743"/>
+          </a:xfrm>
+          <a:prstGeom prst="line">
+            <a:avLst/>
+          </a:prstGeom>
+          <a:ln w="12700"/>
+        </p:spPr>
+        <p:style>
+          <a:lnRef idx="1">
+            <a:schemeClr val="accent1"/>
+          </a:lnRef>
+          <a:fillRef idx="0">
+            <a:schemeClr val="accent1"/>
+          </a:fillRef>
+          <a:effectRef idx="0">
+            <a:schemeClr val="accent1"/>
+          </a:effectRef>
+          <a:fontRef idx="minor">
+            <a:schemeClr val="tx1"/>
+          </a:fontRef>
+        </p:style>
+      </p:cxnSp>
+    </p:spTree>
+    <p:extLst>
+      <p:ext uri="{BB962C8B-B14F-4D97-AF65-F5344CB8AC3E}">
+        <p14:creationId xmlns:p14="http://schemas.microsoft.com/office/powerpoint/2010/main" val="3331961523"/>
+      </p:ext>
+    </p:extLst>
+  </p:cSld>
+  <p:clrMapOvr>
+    <a:masterClrMapping/>
+  </p:clrMapOvr>
+</p:sld>
+</file>
+
+<file path=ppt/slides/slide5.xml><?xml version="1.0" encoding="utf-8"?>
+<p:sld xmlns:a="http://schemas.openxmlformats.org/drawingml/2006/main" xmlns:r="http://schemas.openxmlformats.org/officeDocument/2006/relationships" xmlns:p="http://schemas.openxmlformats.org/presentationml/2006/main">
+  <p:cSld>
+    <p:spTree>
+      <p:nvGrpSpPr>
+        <p:cNvPr id="1" name="Shape 158"/>
+        <p:cNvGrpSpPr/>
+        <p:nvPr/>
+      </p:nvGrpSpPr>
+      <p:grpSpPr>
+        <a:xfrm>
+          <a:off x="0" y="0"/>
+          <a:ext cx="0" cy="0"/>
+          <a:chOff x="0" y="0"/>
+          <a:chExt cx="0" cy="0"/>
+        </a:xfrm>
+      </p:grpSpPr>
+      <p:sp>
+        <p:nvSpPr>
+          <p:cNvPr id="3" name="Title 2">
+            <a:extLst>
+              <a:ext uri="{FF2B5EF4-FFF2-40B4-BE49-F238E27FC236}">
+                <a16:creationId xmlns:a16="http://schemas.microsoft.com/office/drawing/2014/main" id="{55A06791-28FA-228B-F912-94966CBEEE65}"/>
+              </a:ext>
+            </a:extLst>
+          </p:cNvPr>
+          <p:cNvSpPr>
+            <a:spLocks noGrp="1"/>
+          </p:cNvSpPr>
+          <p:nvPr>
+            <p:ph type="title"/>
+          </p:nvPr>
+        </p:nvSpPr>
+        <p:spPr>
+          <a:xfrm>
+            <a:off x="766664" y="99706"/>
+            <a:ext cx="7688400" cy="1518600"/>
+          </a:xfrm>
+        </p:spPr>
+        <p:txBody>
+          <a:bodyPr/>
+          <a:lstStyle/>
+          <a:p>
+            <a:r>
+              <a:rPr lang="en-US" dirty="0"/>
+              <a:t>Data Exploration</a:t>
+            </a:r>
+          </a:p>
+        </p:txBody>
+      </p:sp>
+      <p:sp>
+        <p:nvSpPr>
+          <p:cNvPr id="4" name="TextBox 3">
+            <a:extLst>
+              <a:ext uri="{FF2B5EF4-FFF2-40B4-BE49-F238E27FC236}">
+                <a16:creationId xmlns:a16="http://schemas.microsoft.com/office/drawing/2014/main" id="{9D65A79C-4354-4DED-C092-5823A0568A9C}"/>
+              </a:ext>
+            </a:extLst>
+          </p:cNvPr>
+          <p:cNvSpPr txBox="1"/>
+          <p:nvPr/>
+        </p:nvSpPr>
+        <p:spPr>
+          <a:xfrm>
+            <a:off x="2030819" y="812432"/>
+            <a:ext cx="6028660" cy="954107"/>
+          </a:xfrm>
+          <a:prstGeom prst="rect">
+            <a:avLst/>
+          </a:prstGeom>
+          <a:noFill/>
+        </p:spPr>
+        <p:txBody>
+          <a:bodyPr wrap="square" rtlCol="0">
+            <a:spAutoFit/>
+          </a:bodyPr>
+          <a:lstStyle/>
+          <a:p>
+            <a:pPr marL="285750" indent="-285750">
+              <a:buClr>
+                <a:schemeClr val="bg1"/>
+              </a:buClr>
+              <a:buFont typeface="Arial" panose="020B0604020202020204" pitchFamily="34" charset="0"/>
+              <a:buChar char="•"/>
+            </a:pPr>
+            <a:r>
+              <a:rPr lang="en-US" b="0" i="0" u="none" strike="noStrike" dirty="0">
+                <a:solidFill>
+                  <a:schemeClr val="bg1"/>
+                </a:solidFill>
+                <a:effectLst/>
+                <a:latin typeface="Arial" panose="020B0604020202020204" pitchFamily="34" charset="0"/>
+              </a:rPr>
+              <a:t>Images within the dataset had different dimensions ranging from 474 x 358 pixels to 3388 x 2588 pixels. For uniformity, all images were resized to 200 x 200 pixels.</a:t>
+            </a:r>
+            <a:endParaRPr lang="en-US" dirty="0">
+              <a:solidFill>
+                <a:schemeClr val="bg1"/>
+              </a:solidFill>
+            </a:endParaRPr>
+          </a:p>
+          <a:p>
+            <a:pPr marL="285750" lvl="8" indent="-285750">
+              <a:buClr>
+                <a:schemeClr val="bg1"/>
+              </a:buClr>
+              <a:buFont typeface="Arial" panose="020B0604020202020204" pitchFamily="34" charset="0"/>
+              <a:buChar char="•"/>
+            </a:pPr>
+            <a:endParaRPr lang="en-US" dirty="0">
+              <a:solidFill>
+                <a:schemeClr val="bg1"/>
+              </a:solidFill>
+            </a:endParaRPr>
+          </a:p>
+        </p:txBody>
+      </p:sp>
+      <p:pic>
+        <p:nvPicPr>
+          <p:cNvPr id="8" name="Picture 7">
+            <a:extLst>
+              <a:ext uri="{FF2B5EF4-FFF2-40B4-BE49-F238E27FC236}">
+                <a16:creationId xmlns:a16="http://schemas.microsoft.com/office/drawing/2014/main" id="{5B134AB2-8DD9-8BD0-7BB6-C1B837EAFBD8}"/>
+              </a:ext>
+            </a:extLst>
+          </p:cNvPr>
+          <p:cNvPicPr>
+            <a:picLocks noChangeAspect="1"/>
+          </p:cNvPicPr>
+          <p:nvPr/>
+        </p:nvPicPr>
+        <p:blipFill>
+          <a:blip r:embed="rId3"/>
+          <a:stretch>
+            <a:fillRect/>
+          </a:stretch>
+        </p:blipFill>
+        <p:spPr>
+          <a:xfrm>
+            <a:off x="2420300" y="1618307"/>
+            <a:ext cx="4384537" cy="1592732"/>
+          </a:xfrm>
+          <a:prstGeom prst="rect">
+            <a:avLst/>
+          </a:prstGeom>
+        </p:spPr>
+      </p:pic>
+      <p:pic>
+        <p:nvPicPr>
+          <p:cNvPr id="2050" name="Picture 2">
+            <a:extLst>
+              <a:ext uri="{FF2B5EF4-FFF2-40B4-BE49-F238E27FC236}">
+                <a16:creationId xmlns:a16="http://schemas.microsoft.com/office/drawing/2014/main" id="{1378D9AA-57E7-DC66-C5A2-70B44C6ED8B5}"/>
+              </a:ext>
+            </a:extLst>
+          </p:cNvPr>
+          <p:cNvPicPr>
+            <a:picLocks noChangeAspect="1" noChangeArrowheads="1"/>
+          </p:cNvPicPr>
+          <p:nvPr/>
+        </p:nvPicPr>
+        <p:blipFill>
+          <a:blip r:embed="rId4">
+            <a:extLst>
+              <a:ext uri="{28A0092B-C50C-407E-A947-70E740481C1C}">
+                <a14:useLocalDpi xmlns:a14="http://schemas.microsoft.com/office/drawing/2010/main" val="0"/>
+              </a:ext>
+            </a:extLst>
+          </a:blip>
+          <a:srcRect/>
+          <a:stretch>
+            <a:fillRect/>
+          </a:stretch>
+        </p:blipFill>
+        <p:spPr bwMode="auto">
+          <a:xfrm>
+            <a:off x="2420301" y="3282301"/>
+            <a:ext cx="4384536" cy="1602527"/>
+          </a:xfrm>
+          <a:prstGeom prst="rect">
+            <a:avLst/>
+          </a:prstGeom>
+          <a:noFill/>
+          <a:extLst>
+            <a:ext uri="{909E8E84-426E-40DD-AFC4-6F175D3DCCD1}">
+              <a14:hiddenFill xmlns:a14="http://schemas.microsoft.com/office/drawing/2010/main">
+                <a:solidFill>
+                  <a:srgbClr val="FFFFFF"/>
+                </a:solidFill>
+              </a14:hiddenFill>
+            </a:ext>
+          </a:extLst>
+        </p:spPr>
+      </p:pic>
+    </p:spTree>
+    <p:extLst>
+      <p:ext uri="{BB962C8B-B14F-4D97-AF65-F5344CB8AC3E}">
+        <p14:creationId xmlns:p14="http://schemas.microsoft.com/office/powerpoint/2010/main" val="4263819914"/>
+      </p:ext>
+    </p:extLst>
+  </p:cSld>
+  <p:clrMapOvr>
+    <a:masterClrMapping/>
+  </p:clrMapOvr>
+</p:sld>
+</file>
+
+<file path=ppt/slides/slide6.xml><?xml version="1.0" encoding="utf-8"?>
+<p:sld xmlns:a="http://schemas.openxmlformats.org/drawingml/2006/main" xmlns:r="http://schemas.openxmlformats.org/officeDocument/2006/relationships" xmlns:p="http://schemas.openxmlformats.org/presentationml/2006/main">
+  <p:cSld>
+    <p:spTree>
+      <p:nvGrpSpPr>
+        <p:cNvPr id="1" name="Shape 158"/>
+        <p:cNvGrpSpPr/>
+        <p:nvPr/>
+      </p:nvGrpSpPr>
+      <p:grpSpPr>
+        <a:xfrm>
+          <a:off x="0" y="0"/>
+          <a:ext cx="0" cy="0"/>
+          <a:chOff x="0" y="0"/>
+          <a:chExt cx="0" cy="0"/>
+        </a:xfrm>
+      </p:grpSpPr>
+      <p:sp>
+        <p:nvSpPr>
+          <p:cNvPr id="3" name="Title 2">
+            <a:extLst>
+              <a:ext uri="{FF2B5EF4-FFF2-40B4-BE49-F238E27FC236}">
+                <a16:creationId xmlns:a16="http://schemas.microsoft.com/office/drawing/2014/main" id="{55A06791-28FA-228B-F912-94966CBEEE65}"/>
+              </a:ext>
+            </a:extLst>
+          </p:cNvPr>
+          <p:cNvSpPr>
+            <a:spLocks noGrp="1"/>
+          </p:cNvSpPr>
+          <p:nvPr>
+            <p:ph type="title"/>
+          </p:nvPr>
+        </p:nvSpPr>
+        <p:spPr>
+          <a:xfrm>
+            <a:off x="766664" y="99706"/>
+            <a:ext cx="7688400" cy="1518600"/>
+          </a:xfrm>
+        </p:spPr>
+        <p:txBody>
+          <a:bodyPr/>
+          <a:lstStyle/>
+          <a:p>
+            <a:r>
+              <a:rPr lang="en-US" dirty="0"/>
+              <a:t>Dataset Class Imbalance</a:t>
+            </a:r>
+          </a:p>
+        </p:txBody>
+      </p:sp>
+      <p:sp>
+        <p:nvSpPr>
+          <p:cNvPr id="4" name="TextBox 3">
+            <a:extLst>
+              <a:ext uri="{FF2B5EF4-FFF2-40B4-BE49-F238E27FC236}">
+                <a16:creationId xmlns:a16="http://schemas.microsoft.com/office/drawing/2014/main" id="{9D65A79C-4354-4DED-C092-5823A0568A9C}"/>
+              </a:ext>
+            </a:extLst>
+          </p:cNvPr>
+          <p:cNvSpPr txBox="1"/>
+          <p:nvPr/>
+        </p:nvSpPr>
+        <p:spPr>
+          <a:xfrm>
+            <a:off x="2030819" y="812432"/>
+            <a:ext cx="6028660" cy="1169551"/>
+          </a:xfrm>
+          <a:prstGeom prst="rect">
+            <a:avLst/>
+          </a:prstGeom>
+          <a:noFill/>
+        </p:spPr>
+        <p:txBody>
+          <a:bodyPr wrap="square" rtlCol="0">
+            <a:spAutoFit/>
+          </a:bodyPr>
+          <a:lstStyle/>
+          <a:p>
+            <a:pPr marL="285750" indent="-285750">
+              <a:buClr>
+                <a:schemeClr val="bg1"/>
+              </a:buClr>
+              <a:buFont typeface="Arial" panose="020B0604020202020204" pitchFamily="34" charset="0"/>
+              <a:buChar char="•"/>
+            </a:pPr>
+            <a:r>
+              <a:rPr lang="en-US" b="0" i="0" u="none" strike="noStrike" dirty="0">
+                <a:solidFill>
+                  <a:schemeClr val="bg1"/>
+                </a:solidFill>
+                <a:effectLst/>
+                <a:latin typeface="Arial" panose="020B0604020202020204" pitchFamily="34" charset="0"/>
+              </a:rPr>
+              <a:t>The distribution of samples among the five classes varies significantly</a:t>
+            </a:r>
+          </a:p>
+          <a:p>
+            <a:pPr marL="285750" indent="-285750">
+              <a:buClr>
+                <a:schemeClr val="bg1"/>
+              </a:buClr>
+              <a:buFont typeface="Arial" panose="020B0604020202020204" pitchFamily="34" charset="0"/>
+              <a:buChar char="•"/>
+            </a:pPr>
+            <a:endParaRPr lang="en-US" b="0" i="0" u="none" strike="noStrike" dirty="0">
+              <a:solidFill>
+                <a:schemeClr val="bg1"/>
+              </a:solidFill>
+              <a:effectLst/>
+              <a:latin typeface="Arial" panose="020B0604020202020204" pitchFamily="34" charset="0"/>
+            </a:endParaRPr>
+          </a:p>
+          <a:p>
+            <a:pPr marL="285750" indent="-285750">
+              <a:buClr>
+                <a:schemeClr val="bg1"/>
+              </a:buClr>
+              <a:buFont typeface="Arial" panose="020B0604020202020204" pitchFamily="34" charset="0"/>
+              <a:buChar char="•"/>
+            </a:pPr>
+            <a:r>
+              <a:rPr lang="en-US" b="0" i="0" u="none" strike="noStrike" dirty="0">
+                <a:solidFill>
+                  <a:schemeClr val="bg1"/>
+                </a:solidFill>
+                <a:effectLst/>
+                <a:latin typeface="Arial" panose="020B0604020202020204" pitchFamily="34" charset="0"/>
+              </a:rPr>
+              <a:t>Perform data augmentation (rotation - 90°, 180°, 270°) on classes 1, 3, and 4 to create more samples and achieve a more balanced dataset</a:t>
+            </a:r>
+            <a:endParaRPr lang="en-US" dirty="0">
+              <a:solidFill>
+                <a:schemeClr val="bg1"/>
+              </a:solidFill>
+            </a:endParaRPr>
+          </a:p>
+          <a:p>
+            <a:pPr marL="285750" indent="-285750">
+              <a:buClr>
+                <a:schemeClr val="bg1"/>
+              </a:buClr>
+              <a:buFont typeface="Arial" panose="020B0604020202020204" pitchFamily="34" charset="0"/>
+              <a:buChar char="•"/>
+            </a:pPr>
+            <a:endParaRPr lang="en-US" dirty="0">
+              <a:solidFill>
+                <a:schemeClr val="bg1"/>
+              </a:solidFill>
+            </a:endParaRPr>
+          </a:p>
+        </p:txBody>
+      </p:sp>
+      <p:graphicFrame>
+        <p:nvGraphicFramePr>
+          <p:cNvPr id="9" name="Chart 8">
+            <a:extLst>
+              <a:ext uri="{FF2B5EF4-FFF2-40B4-BE49-F238E27FC236}">
+                <a16:creationId xmlns:a16="http://schemas.microsoft.com/office/drawing/2014/main" id="{CD0AB731-88FC-3E36-B982-7BA92B9CBDF4}"/>
+              </a:ext>
+            </a:extLst>
+          </p:cNvPr>
+          <p:cNvGraphicFramePr/>
+          <p:nvPr>
+            <p:extLst>
+              <p:ext uri="{D42A27DB-BD31-4B8C-83A1-F6EECF244321}">
+                <p14:modId xmlns:p14="http://schemas.microsoft.com/office/powerpoint/2010/main" val="668387303"/>
+              </p:ext>
+            </p:extLst>
+          </p:nvPr>
+        </p:nvGraphicFramePr>
+        <p:xfrm>
+          <a:off x="2481563" y="1840592"/>
+          <a:ext cx="5127171" cy="3134179"/>
+        </p:xfrm>
+        <a:graphic>
+          <a:graphicData uri="http://schemas.openxmlformats.org/drawingml/2006/chart">
+            <c:chart xmlns:c="http://schemas.openxmlformats.org/drawingml/2006/chart" xmlns:r="http://schemas.openxmlformats.org/officeDocument/2006/relationships" r:id="rId3"/>
+          </a:graphicData>
+        </a:graphic>
+      </p:graphicFrame>
+    </p:spTree>
+    <p:extLst>
+      <p:ext uri="{BB962C8B-B14F-4D97-AF65-F5344CB8AC3E}">
+        <p14:creationId xmlns:p14="http://schemas.microsoft.com/office/powerpoint/2010/main" val="2168841364"/>
+      </p:ext>
+    </p:extLst>
+  </p:cSld>
+  <p:clrMapOvr>
+    <a:masterClrMapping/>
+  </p:clrMapOvr>
+</p:sld>
+</file>
+
+<file path=ppt/slides/slide7.xml><?xml version="1.0" encoding="utf-8"?>
+<p:sld xmlns:a="http://schemas.openxmlformats.org/drawingml/2006/main" xmlns:r="http://schemas.openxmlformats.org/officeDocument/2006/relationships" xmlns:p="http://schemas.openxmlformats.org/presentationml/2006/main">
+  <p:cSld>
+    <p:spTree>
+      <p:nvGrpSpPr>
+        <p:cNvPr id="1" name="Shape 158"/>
+        <p:cNvGrpSpPr/>
+        <p:nvPr/>
+      </p:nvGrpSpPr>
+      <p:grpSpPr>
+        <a:xfrm>
+          <a:off x="0" y="0"/>
+          <a:ext cx="0" cy="0"/>
+          <a:chOff x="0" y="0"/>
+          <a:chExt cx="0" cy="0"/>
+        </a:xfrm>
+      </p:grpSpPr>
+      <p:sp>
+        <p:nvSpPr>
+          <p:cNvPr id="3" name="Title 2">
+            <a:extLst>
+              <a:ext uri="{FF2B5EF4-FFF2-40B4-BE49-F238E27FC236}">
+                <a16:creationId xmlns:a16="http://schemas.microsoft.com/office/drawing/2014/main" id="{55A06791-28FA-228B-F912-94966CBEEE65}"/>
+              </a:ext>
+            </a:extLst>
+          </p:cNvPr>
+          <p:cNvSpPr>
+            <a:spLocks noGrp="1"/>
+          </p:cNvSpPr>
+          <p:nvPr>
+            <p:ph type="title"/>
+          </p:nvPr>
+        </p:nvSpPr>
+        <p:spPr>
+          <a:xfrm>
+            <a:off x="1213232" y="94390"/>
+            <a:ext cx="7688400" cy="1518600"/>
+          </a:xfrm>
+        </p:spPr>
+        <p:txBody>
+          <a:bodyPr/>
+          <a:lstStyle/>
+          <a:p>
+            <a:r>
+              <a:rPr lang="en-US" dirty="0"/>
+              <a:t>Dataset Class Imbalance Cont’d</a:t>
+            </a:r>
+          </a:p>
+        </p:txBody>
+      </p:sp>
+      <p:graphicFrame>
+        <p:nvGraphicFramePr>
+          <p:cNvPr id="7" name="Chart 6">
+            <a:extLst>
+              <a:ext uri="{FF2B5EF4-FFF2-40B4-BE49-F238E27FC236}">
+                <a16:creationId xmlns:a16="http://schemas.microsoft.com/office/drawing/2014/main" id="{40646989-635C-C501-6E42-25E08F218755}"/>
+              </a:ext>
+            </a:extLst>
+          </p:cNvPr>
+          <p:cNvGraphicFramePr/>
+          <p:nvPr>
+            <p:extLst>
+              <p:ext uri="{D42A27DB-BD31-4B8C-83A1-F6EECF244321}">
+                <p14:modId xmlns:p14="http://schemas.microsoft.com/office/powerpoint/2010/main" val="16795842"/>
+              </p:ext>
+            </p:extLst>
+          </p:nvPr>
+        </p:nvGraphicFramePr>
+        <p:xfrm>
+          <a:off x="2340048" y="1004660"/>
+          <a:ext cx="5127171" cy="3134179"/>
+        </p:xfrm>
+        <a:graphic>
+          <a:graphicData uri="http://schemas.openxmlformats.org/drawingml/2006/chart">
+            <c:chart xmlns:c="http://schemas.openxmlformats.org/drawingml/2006/chart" xmlns:r="http://schemas.openxmlformats.org/officeDocument/2006/relationships" r:id="rId3"/>
+          </a:graphicData>
+        </a:graphic>
+      </p:graphicFrame>
+    </p:spTree>
+    <p:extLst>
+      <p:ext uri="{BB962C8B-B14F-4D97-AF65-F5344CB8AC3E}">
+        <p14:creationId xmlns:p14="http://schemas.microsoft.com/office/powerpoint/2010/main" val="3859570631"/>
+      </p:ext>
+    </p:extLst>
+  </p:cSld>
+  <p:clrMapOvr>
+    <a:masterClrMapping/>
+  </p:clrMapOvr>
+</p:sld>
+</file>
+
+<file path=ppt/slides/slide8.xml><?xml version="1.0" encoding="utf-8"?>
+<p:sld xmlns:a="http://schemas.openxmlformats.org/drawingml/2006/main" xmlns:r="http://schemas.openxmlformats.org/officeDocument/2006/relationships" xmlns:p="http://schemas.openxmlformats.org/presentationml/2006/main">
+  <p:cSld>
+    <p:spTree>
+      <p:nvGrpSpPr>
+        <p:cNvPr id="1" name="Shape 158"/>
+        <p:cNvGrpSpPr/>
+        <p:nvPr/>
+      </p:nvGrpSpPr>
+      <p:grpSpPr>
+        <a:xfrm>
+          <a:off x="0" y="0"/>
+          <a:ext cx="0" cy="0"/>
+          <a:chOff x="0" y="0"/>
+          <a:chExt cx="0" cy="0"/>
+        </a:xfrm>
+      </p:grpSpPr>
+      <p:sp>
+        <p:nvSpPr>
+          <p:cNvPr id="3" name="Title 2">
+            <a:extLst>
+              <a:ext uri="{FF2B5EF4-FFF2-40B4-BE49-F238E27FC236}">
+                <a16:creationId xmlns:a16="http://schemas.microsoft.com/office/drawing/2014/main" id="{55A06791-28FA-228B-F912-94966CBEEE65}"/>
+              </a:ext>
+            </a:extLst>
+          </p:cNvPr>
+          <p:cNvSpPr>
+            <a:spLocks noGrp="1"/>
+          </p:cNvSpPr>
+          <p:nvPr>
+            <p:ph type="title"/>
+          </p:nvPr>
+        </p:nvSpPr>
+        <p:spPr>
+          <a:xfrm>
+            <a:off x="766664" y="99706"/>
+            <a:ext cx="7688400" cy="1518600"/>
+          </a:xfrm>
+        </p:spPr>
+        <p:txBody>
+          <a:bodyPr/>
+          <a:lstStyle/>
+          <a:p>
+            <a:r>
+              <a:rPr lang="en-US" dirty="0"/>
+              <a:t>Custom CNN Model Results</a:t>
+            </a:r>
+          </a:p>
+        </p:txBody>
+      </p:sp>
+      <p:pic>
+        <p:nvPicPr>
+          <p:cNvPr id="7" name="Picture 6">
+            <a:extLst>
+              <a:ext uri="{FF2B5EF4-FFF2-40B4-BE49-F238E27FC236}">
+                <a16:creationId xmlns:a16="http://schemas.microsoft.com/office/drawing/2014/main" id="{2D255062-DF82-8ADB-090C-05BEDF625E12}"/>
+              </a:ext>
+            </a:extLst>
+          </p:cNvPr>
+          <p:cNvPicPr>
+            <a:picLocks noChangeAspect="1"/>
+          </p:cNvPicPr>
+          <p:nvPr/>
+        </p:nvPicPr>
+        <p:blipFill rotWithShape="1">
+          <a:blip r:embed="rId3"/>
+          <a:srcRect b="49620"/>
+          <a:stretch/>
+        </p:blipFill>
+        <p:spPr>
+          <a:xfrm>
+            <a:off x="2034116" y="746787"/>
+            <a:ext cx="4330858" cy="2028312"/>
+          </a:xfrm>
+          <a:prstGeom prst="rect">
+            <a:avLst/>
+          </a:prstGeom>
+        </p:spPr>
+      </p:pic>
+      <p:pic>
+        <p:nvPicPr>
+          <p:cNvPr id="10" name="Picture 9">
+            <a:extLst>
+              <a:ext uri="{FF2B5EF4-FFF2-40B4-BE49-F238E27FC236}">
+                <a16:creationId xmlns:a16="http://schemas.microsoft.com/office/drawing/2014/main" id="{CF057B4B-B61A-EE82-C380-46CE743CD8C1}"/>
+              </a:ext>
+            </a:extLst>
+          </p:cNvPr>
+          <p:cNvPicPr>
+            <a:picLocks noChangeAspect="1"/>
+          </p:cNvPicPr>
+          <p:nvPr/>
+        </p:nvPicPr>
+        <p:blipFill rotWithShape="1">
+          <a:blip r:embed="rId3"/>
+          <a:srcRect t="50000"/>
+          <a:stretch/>
+        </p:blipFill>
+        <p:spPr>
+          <a:xfrm>
+            <a:off x="2034116" y="3015482"/>
+            <a:ext cx="4363796" cy="2028312"/>
+          </a:xfrm>
+          <a:prstGeom prst="rect">
+            <a:avLst/>
+          </a:prstGeom>
+        </p:spPr>
+      </p:pic>
+    </p:spTree>
+    <p:extLst>
+      <p:ext uri="{BB962C8B-B14F-4D97-AF65-F5344CB8AC3E}">
+        <p14:creationId xmlns:p14="http://schemas.microsoft.com/office/powerpoint/2010/main" val="2187991415"/>
+      </p:ext>
+    </p:extLst>
+  </p:cSld>
+  <p:clrMapOvr>
+    <a:masterClrMapping/>
+  </p:clrMapOvr>
+</p:sld>
+</file>
+
+<file path=ppt/slides/slide9.xml><?xml version="1.0" encoding="utf-8"?>
+<p:sld xmlns:a="http://schemas.openxmlformats.org/drawingml/2006/main" xmlns:r="http://schemas.openxmlformats.org/officeDocument/2006/relationships" xmlns:p="http://schemas.openxmlformats.org/presentationml/2006/main">
+  <p:cSld>
+    <p:spTree>
+      <p:nvGrpSpPr>
+        <p:cNvPr id="1" name="Shape 158"/>
+        <p:cNvGrpSpPr/>
+        <p:nvPr/>
+      </p:nvGrpSpPr>
+      <p:grpSpPr>
+        <a:xfrm>
+          <a:off x="0" y="0"/>
+          <a:ext cx="0" cy="0"/>
+          <a:chOff x="0" y="0"/>
+          <a:chExt cx="0" cy="0"/>
+        </a:xfrm>
+      </p:grpSpPr>
+      <p:sp>
+        <p:nvSpPr>
+          <p:cNvPr id="3" name="Title 2">
+            <a:extLst>
+              <a:ext uri="{FF2B5EF4-FFF2-40B4-BE49-F238E27FC236}">
+                <a16:creationId xmlns:a16="http://schemas.microsoft.com/office/drawing/2014/main" id="{55A06791-28FA-228B-F912-94966CBEEE65}"/>
+              </a:ext>
+            </a:extLst>
+          </p:cNvPr>
+          <p:cNvSpPr>
+            <a:spLocks noGrp="1"/>
+          </p:cNvSpPr>
+          <p:nvPr>
+            <p:ph type="title"/>
+          </p:nvPr>
+        </p:nvSpPr>
+        <p:spPr>
+          <a:xfrm>
+            <a:off x="766664" y="99706"/>
+            <a:ext cx="7688400" cy="1518600"/>
+          </a:xfrm>
+        </p:spPr>
+        <p:txBody>
+          <a:bodyPr/>
+          <a:lstStyle/>
+          <a:p>
+            <a:r>
+              <a:rPr lang="en-US" dirty="0"/>
+              <a:t>Custom CNN Architecture</a:t>
+            </a:r>
+          </a:p>
+        </p:txBody>
+      </p:sp>
+      <p:sp>
+        <p:nvSpPr>
+          <p:cNvPr id="11" name="TextBox 10">
+            <a:extLst>
+              <a:ext uri="{FF2B5EF4-FFF2-40B4-BE49-F238E27FC236}">
+                <a16:creationId xmlns:a16="http://schemas.microsoft.com/office/drawing/2014/main" id="{6BEF58B2-6554-C121-290C-D5CCAEDCE293}"/>
+              </a:ext>
+            </a:extLst>
+          </p:cNvPr>
+          <p:cNvSpPr txBox="1"/>
+          <p:nvPr/>
+        </p:nvSpPr>
+        <p:spPr>
+          <a:xfrm>
+            <a:off x="4528351" y="3409047"/>
+            <a:ext cx="3593804" cy="1169551"/>
+          </a:xfrm>
+          <a:prstGeom prst="rect">
+            <a:avLst/>
+          </a:prstGeom>
+          <a:noFill/>
+        </p:spPr>
+        <p:txBody>
+          <a:bodyPr wrap="square" rtlCol="0">
+            <a:spAutoFit/>
+          </a:bodyPr>
+          <a:lstStyle/>
+          <a:p>
+            <a:pPr>
+              <a:buClr>
+                <a:schemeClr val="bg1"/>
+              </a:buClr>
+            </a:pPr>
+            <a:r>
+              <a:rPr lang="en-US" b="0" i="0" u="none" strike="noStrike" dirty="0">
+                <a:solidFill>
+                  <a:schemeClr val="bg1"/>
+                </a:solidFill>
+                <a:effectLst/>
+                <a:latin typeface="Arial" panose="020B0604020202020204" pitchFamily="34" charset="0"/>
+              </a:rPr>
+              <a:t>Regularization Techniques:</a:t>
+            </a:r>
+          </a:p>
+          <a:p>
+            <a:pPr>
+              <a:buClr>
+                <a:schemeClr val="bg1"/>
+              </a:buClr>
+            </a:pPr>
+            <a:endParaRPr lang="en-US" b="0" i="0" u="none" strike="noStrike" dirty="0">
+              <a:solidFill>
+                <a:schemeClr val="bg1"/>
+              </a:solidFill>
+              <a:effectLst/>
+              <a:latin typeface="Arial" panose="020B0604020202020204" pitchFamily="34" charset="0"/>
+            </a:endParaRPr>
+          </a:p>
+          <a:p>
+            <a:pPr marL="285750" indent="-285750">
+              <a:buClr>
+                <a:schemeClr val="bg1"/>
+              </a:buClr>
+              <a:buFont typeface="Arial" panose="020B0604020202020204" pitchFamily="34" charset="0"/>
+              <a:buChar char="•"/>
+            </a:pPr>
+            <a:r>
+              <a:rPr lang="en-US" dirty="0">
+                <a:solidFill>
+                  <a:schemeClr val="bg1"/>
+                </a:solidFill>
+              </a:rPr>
+              <a:t>L2 </a:t>
+            </a:r>
+            <a:r>
+              <a:rPr lang="en-US" dirty="0" err="1">
+                <a:solidFill>
+                  <a:schemeClr val="bg1"/>
+                </a:solidFill>
+              </a:rPr>
+              <a:t>regularizer</a:t>
+            </a:r>
+            <a:endParaRPr lang="en-US" dirty="0">
+              <a:solidFill>
+                <a:schemeClr val="bg1"/>
+              </a:solidFill>
+            </a:endParaRPr>
+          </a:p>
+          <a:p>
+            <a:pPr marL="285750" indent="-285750">
+              <a:buClr>
+                <a:schemeClr val="bg1"/>
+              </a:buClr>
+              <a:buFont typeface="Arial" panose="020B0604020202020204" pitchFamily="34" charset="0"/>
+              <a:buChar char="•"/>
+            </a:pPr>
+            <a:r>
+              <a:rPr lang="en-US" dirty="0">
+                <a:solidFill>
+                  <a:schemeClr val="bg1"/>
+                </a:solidFill>
+              </a:rPr>
+              <a:t>weight he initialization</a:t>
+            </a:r>
+          </a:p>
+          <a:p>
+            <a:pPr marL="285750" indent="-285750">
+              <a:buClr>
+                <a:schemeClr val="bg1"/>
+              </a:buClr>
+              <a:buFont typeface="Arial" panose="020B0604020202020204" pitchFamily="34" charset="0"/>
+              <a:buChar char="•"/>
+            </a:pPr>
+            <a:r>
+              <a:rPr lang="en-US" dirty="0">
+                <a:solidFill>
+                  <a:schemeClr val="bg1"/>
+                </a:solidFill>
+              </a:rPr>
+              <a:t>dropout layers</a:t>
+            </a:r>
+          </a:p>
+        </p:txBody>
+      </p:sp>
+      <p:pic>
+        <p:nvPicPr>
+          <p:cNvPr id="4" name="Picture 3">
+            <a:extLst>
+              <a:ext uri="{FF2B5EF4-FFF2-40B4-BE49-F238E27FC236}">
+                <a16:creationId xmlns:a16="http://schemas.microsoft.com/office/drawing/2014/main" id="{D64D27A0-9197-21C2-9378-8F87F93D2A55}"/>
+              </a:ext>
+            </a:extLst>
+          </p:cNvPr>
+          <p:cNvPicPr>
+            <a:picLocks noChangeAspect="1"/>
+          </p:cNvPicPr>
+          <p:nvPr/>
+        </p:nvPicPr>
+        <p:blipFill>
+          <a:blip r:embed="rId3"/>
+          <a:stretch>
+            <a:fillRect/>
+          </a:stretch>
+        </p:blipFill>
+        <p:spPr>
+          <a:xfrm>
+            <a:off x="1892321" y="924302"/>
+            <a:ext cx="5704641" cy="2363285"/>
+          </a:xfrm>
+          <a:prstGeom prst="rect">
+            <a:avLst/>
+          </a:prstGeom>
+        </p:spPr>
+      </p:pic>
+      <p:pic>
+        <p:nvPicPr>
+          <p:cNvPr id="6" name="Picture 5">
+            <a:extLst>
+              <a:ext uri="{FF2B5EF4-FFF2-40B4-BE49-F238E27FC236}">
+                <a16:creationId xmlns:a16="http://schemas.microsoft.com/office/drawing/2014/main" id="{1763D576-09EC-95DF-9DB5-E901BA5A0716}"/>
+              </a:ext>
+            </a:extLst>
+          </p:cNvPr>
+          <p:cNvPicPr>
+            <a:picLocks noChangeAspect="1"/>
+          </p:cNvPicPr>
+          <p:nvPr/>
+        </p:nvPicPr>
+        <p:blipFill>
+          <a:blip r:embed="rId4"/>
+          <a:stretch>
+            <a:fillRect/>
+          </a:stretch>
+        </p:blipFill>
+        <p:spPr>
+          <a:xfrm>
+            <a:off x="1892321" y="3622329"/>
+            <a:ext cx="2406774" cy="742988"/>
+          </a:xfrm>
+          <a:prstGeom prst="rect">
+            <a:avLst/>
+          </a:prstGeom>
+        </p:spPr>
+      </p:pic>
+    </p:spTree>
+    <p:extLst>
+      <p:ext uri="{BB962C8B-B14F-4D97-AF65-F5344CB8AC3E}">
+        <p14:creationId xmlns:p14="http://schemas.microsoft.com/office/powerpoint/2010/main" val="238913171"/>
+      </p:ext>
+    </p:extLst>
+  </p:cSld>
+  <p:clrMapOvr>
+    <a:masterClrMapping/>
+  </p:clrMapOvr>
+</p:sld>
+</file>
+
 <file path=ppt/theme/theme1.xml><?xml version="1.0" encoding="utf-8"?>
 <a:theme xmlns:a="http://schemas.openxmlformats.org/drawingml/2006/main" name="Parallax">
   <a:themeElements>

--- a/Blindness Detection Presentation.pptx
+++ b/Blindness Detection Presentation.pptx
@@ -5,7 +5,7 @@
     <p:sldMasterId id="2147483648" r:id="rId1"/>
   </p:sldMasterIdLst>
   <p:notesMasterIdLst>
-    <p:notesMasterId r:id="rId14"/>
+    <p:notesMasterId r:id="rId15"/>
   </p:notesMasterIdLst>
   <p:sldIdLst>
     <p:sldId id="256" r:id="rId2"/>
@@ -18,30 +18,31 @@
     <p:sldId id="271" r:id="rId9"/>
     <p:sldId id="272" r:id="rId10"/>
     <p:sldId id="273" r:id="rId11"/>
-    <p:sldId id="275" r:id="rId12"/>
-    <p:sldId id="274" r:id="rId13"/>
+    <p:sldId id="277" r:id="rId12"/>
+    <p:sldId id="275" r:id="rId13"/>
+    <p:sldId id="274" r:id="rId14"/>
   </p:sldIdLst>
   <p:sldSz cx="9144000" cy="5143500" type="screen16x9"/>
   <p:notesSz cx="6858000" cy="9144000"/>
   <p:embeddedFontLst>
     <p:embeddedFont>
       <p:font typeface="Corbel" panose="020B0503020204020204" pitchFamily="34" charset="0"/>
-      <p:regular r:id="rId15"/>
-      <p:bold r:id="rId16"/>
-      <p:italic r:id="rId17"/>
-      <p:boldItalic r:id="rId18"/>
+      <p:regular r:id="rId16"/>
+      <p:bold r:id="rId17"/>
+      <p:italic r:id="rId18"/>
+      <p:boldItalic r:id="rId19"/>
     </p:embeddedFont>
     <p:embeddedFont>
       <p:font typeface="Lato" panose="020F0502020204030203" pitchFamily="34" charset="0"/>
-      <p:regular r:id="rId19"/>
-      <p:bold r:id="rId20"/>
-      <p:italic r:id="rId21"/>
-      <p:boldItalic r:id="rId22"/>
+      <p:regular r:id="rId20"/>
+      <p:bold r:id="rId21"/>
+      <p:italic r:id="rId22"/>
+      <p:boldItalic r:id="rId23"/>
     </p:embeddedFont>
     <p:embeddedFont>
       <p:font typeface="Raleway ExtraBold" pitchFamily="2" charset="0"/>
-      <p:bold r:id="rId23"/>
-      <p:boldItalic r:id="rId24"/>
+      <p:bold r:id="rId24"/>
+      <p:boldItalic r:id="rId25"/>
     </p:embeddedFont>
   </p:embeddedFontLst>
   <p:defaultTextStyle>
@@ -289,7 +290,7 @@
       </p15:sldGuideLst>
     </p:ext>
     <p:ext uri="http://customooxmlschemas.google.com/">
-      <go:slidesCustomData xmlns:go="http://customooxmlschemas.google.com/" xmlns:ahyp="http://schemas.microsoft.com/office/drawing/2018/hyperlinkcolor" xmlns:p15="http://schemas.microsoft.com/office/powerpoint/2012/main" xmlns:p14="http://schemas.microsoft.com/office/powerpoint/2010/main" xmlns:com="http://schemas.openxmlformats.org/drawingml/2006/compatibility" xmlns:pvml="urn:schemas-microsoft-com:office:powerpoint" xmlns:v="urn:schemas-microsoft-com:vml" xmlns:o="urn:schemas-microsoft-com:office:office" xmlns:dgm="http://schemas.openxmlformats.org/drawingml/2006/diagram" xmlns:c="http://schemas.openxmlformats.org/drawingml/2006/chart" xmlns:mv="urn:schemas-microsoft-com:mac:vml" xmlns:mc="http://schemas.openxmlformats.org/markup-compatibility/2006" xmlns="" r:id="rId29" roundtripDataSignature="AMtx7mhGRjcg0Yqg7aDT2RBWlna5YBA7+Q=="/>
+      <go:slidesCustomData xmlns="" xmlns:mc="http://schemas.openxmlformats.org/markup-compatibility/2006" xmlns:mv="urn:schemas-microsoft-com:mac:vml" xmlns:c="http://schemas.openxmlformats.org/drawingml/2006/chart" xmlns:dgm="http://schemas.openxmlformats.org/drawingml/2006/diagram" xmlns:o="urn:schemas-microsoft-com:office:office" xmlns:v="urn:schemas-microsoft-com:vml" xmlns:pvml="urn:schemas-microsoft-com:office:powerpoint" xmlns:com="http://schemas.openxmlformats.org/drawingml/2006/compatibility" xmlns:p14="http://schemas.microsoft.com/office/powerpoint/2010/main" xmlns:p15="http://schemas.microsoft.com/office/powerpoint/2012/main" xmlns:ahyp="http://schemas.microsoft.com/office/drawing/2018/hyperlinkcolor" xmlns:go="http://customooxmlschemas.google.com/" r:id="rId29" roundtripDataSignature="AMtx7mhGRjcg0Yqg7aDT2RBWlna5YBA7+Q=="/>
     </p:ext>
   </p:extLst>
 </p:presentation>
@@ -3219,6 +3220,133 @@
     </p:spTree>
     <p:extLst>
       <p:ext uri="{BB962C8B-B14F-4D97-AF65-F5344CB8AC3E}">
+        <p14:creationId xmlns:p14="http://schemas.microsoft.com/office/powerpoint/2010/main" val="1869401603"/>
+      </p:ext>
+    </p:extLst>
+  </p:cSld>
+  <p:clrMapOvr>
+    <a:masterClrMapping/>
+  </p:clrMapOvr>
+</p:notes>
+</file>
+
+<file path=ppt/notesSlides/notesSlide11.xml><?xml version="1.0" encoding="utf-8"?>
+<p:notes xmlns:a="http://schemas.openxmlformats.org/drawingml/2006/main" xmlns:r="http://schemas.openxmlformats.org/officeDocument/2006/relationships" xmlns:p="http://schemas.openxmlformats.org/presentationml/2006/main" showMasterSp="0" showMasterPhAnim="0">
+  <p:cSld>
+    <p:spTree>
+      <p:nvGrpSpPr>
+        <p:cNvPr id="1" name="Shape 155"/>
+        <p:cNvGrpSpPr/>
+        <p:nvPr/>
+      </p:nvGrpSpPr>
+      <p:grpSpPr>
+        <a:xfrm>
+          <a:off x="0" y="0"/>
+          <a:ext cx="0" cy="0"/>
+          <a:chOff x="0" y="0"/>
+          <a:chExt cx="0" cy="0"/>
+        </a:xfrm>
+      </p:grpSpPr>
+      <p:sp>
+        <p:nvSpPr>
+          <p:cNvPr id="156" name="Google Shape;156;p2:notes"/>
+          <p:cNvSpPr>
+            <a:spLocks noGrp="1" noRot="1" noChangeAspect="1"/>
+          </p:cNvSpPr>
+          <p:nvPr>
+            <p:ph type="sldImg" idx="2"/>
+          </p:nvPr>
+        </p:nvSpPr>
+        <p:spPr>
+          <a:xfrm>
+            <a:off x="381000" y="685800"/>
+            <a:ext cx="6096000" cy="3429000"/>
+          </a:xfrm>
+          <a:custGeom>
+            <a:avLst/>
+            <a:gdLst/>
+            <a:ahLst/>
+            <a:cxnLst/>
+            <a:rect l="l" t="t" r="r" b="b"/>
+            <a:pathLst>
+              <a:path w="120000" h="120000" extrusionOk="0">
+                <a:moveTo>
+                  <a:pt x="0" y="0"/>
+                </a:moveTo>
+                <a:lnTo>
+                  <a:pt x="120000" y="0"/>
+                </a:lnTo>
+                <a:lnTo>
+                  <a:pt x="120000" y="120000"/>
+                </a:lnTo>
+                <a:lnTo>
+                  <a:pt x="0" y="120000"/>
+                </a:lnTo>
+                <a:close/>
+              </a:path>
+            </a:pathLst>
+          </a:custGeom>
+          <a:noFill/>
+          <a:ln w="9525" cap="flat" cmpd="sng">
+            <a:solidFill>
+              <a:srgbClr val="000000"/>
+            </a:solidFill>
+            <a:prstDash val="solid"/>
+            <a:round/>
+            <a:headEnd type="none" w="sm" len="sm"/>
+            <a:tailEnd type="none" w="sm" len="sm"/>
+          </a:ln>
+        </p:spPr>
+      </p:sp>
+      <p:sp>
+        <p:nvSpPr>
+          <p:cNvPr id="157" name="Google Shape;157;p2:notes"/>
+          <p:cNvSpPr txBox="1">
+            <a:spLocks noGrp="1"/>
+          </p:cNvSpPr>
+          <p:nvPr>
+            <p:ph type="body" idx="1"/>
+          </p:nvPr>
+        </p:nvSpPr>
+        <p:spPr>
+          <a:xfrm>
+            <a:off x="685800" y="4343400"/>
+            <a:ext cx="5486400" cy="4114800"/>
+          </a:xfrm>
+          <a:prstGeom prst="rect">
+            <a:avLst/>
+          </a:prstGeom>
+          <a:noFill/>
+          <a:ln>
+            <a:noFill/>
+          </a:ln>
+        </p:spPr>
+        <p:txBody>
+          <a:bodyPr spcFirstLastPara="1" wrap="square" lIns="91425" tIns="91425" rIns="91425" bIns="91425" anchor="t" anchorCtr="0">
+            <a:noAutofit/>
+          </a:bodyPr>
+          <a:lstStyle/>
+          <a:p>
+            <a:pPr marL="0" lvl="0" indent="0" algn="l" rtl="0">
+              <a:lnSpc>
+                <a:spcPct val="100000"/>
+              </a:lnSpc>
+              <a:spcBef>
+                <a:spcPts val="0"/>
+              </a:spcBef>
+              <a:spcAft>
+                <a:spcPts val="0"/>
+              </a:spcAft>
+              <a:buSzPts val="1100"/>
+              <a:buNone/>
+            </a:pPr>
+            <a:endParaRPr/>
+          </a:p>
+        </p:txBody>
+      </p:sp>
+    </p:spTree>
+    <p:extLst>
+      <p:ext uri="{BB962C8B-B14F-4D97-AF65-F5344CB8AC3E}">
         <p14:creationId xmlns:p14="http://schemas.microsoft.com/office/powerpoint/2010/main" val="3955643755"/>
       </p:ext>
     </p:extLst>
@@ -3229,7 +3357,7 @@
 </p:notes>
 </file>
 
-<file path=ppt/notesSlides/notesSlide11.xml><?xml version="1.0" encoding="utf-8"?>
+<file path=ppt/notesSlides/notesSlide12.xml><?xml version="1.0" encoding="utf-8"?>
 <p:notes xmlns:a="http://schemas.openxmlformats.org/drawingml/2006/main" xmlns:r="http://schemas.openxmlformats.org/officeDocument/2006/relationships" xmlns:p="http://schemas.openxmlformats.org/presentationml/2006/main" showMasterSp="0" showMasterPhAnim="0">
   <p:cSld>
     <p:spTree>
@@ -21351,14 +21479,14 @@
           <p:nvPr>
             <p:extLst>
               <p:ext uri="{D42A27DB-BD31-4B8C-83A1-F6EECF244321}">
-                <p14:modId xmlns:p14="http://schemas.microsoft.com/office/powerpoint/2010/main" val="3427445471"/>
+                <p14:modId xmlns:p14="http://schemas.microsoft.com/office/powerpoint/2010/main" val="683255772"/>
               </p:ext>
             </p:extLst>
           </p:nvPr>
         </p:nvGraphicFramePr>
         <p:xfrm>
-          <a:off x="103667" y="1618306"/>
-          <a:ext cx="8936665" cy="1594510"/>
+          <a:off x="1999239" y="2087733"/>
+          <a:ext cx="5491397" cy="2590593"/>
         </p:xfrm>
         <a:graphic>
           <a:graphicData uri="http://schemas.openxmlformats.org/drawingml/2006/table">
@@ -21367,70 +21495,42 @@
                 <a:tableStyleId>{5C22544A-7EE6-4342-B048-85BDC9FD1C3A}</a:tableStyleId>
               </a:tblPr>
               <a:tblGrid>
-                <a:gridCol w="1000805">
+                <a:gridCol w="979415">
                   <a:extLst>
                     <a:ext uri="{9D8B030D-6E8A-4147-A177-3AD203B41FA5}">
                       <a16:colId xmlns:a16="http://schemas.microsoft.com/office/drawing/2014/main" val="2608786438"/>
                     </a:ext>
                   </a:extLst>
                 </a:gridCol>
-                <a:gridCol w="874441">
+                <a:gridCol w="855751">
                   <a:extLst>
                     <a:ext uri="{9D8B030D-6E8A-4147-A177-3AD203B41FA5}">
                       <a16:colId xmlns:a16="http://schemas.microsoft.com/office/drawing/2014/main" val="2937430645"/>
                     </a:ext>
                   </a:extLst>
                 </a:gridCol>
-                <a:gridCol w="897824">
+                <a:gridCol w="878633">
                   <a:extLst>
                     <a:ext uri="{9D8B030D-6E8A-4147-A177-3AD203B41FA5}">
                       <a16:colId xmlns:a16="http://schemas.microsoft.com/office/drawing/2014/main" val="3413558513"/>
                     </a:ext>
                   </a:extLst>
                 </a:gridCol>
-                <a:gridCol w="801594">
+                <a:gridCol w="784461">
                   <a:extLst>
                     <a:ext uri="{9D8B030D-6E8A-4147-A177-3AD203B41FA5}">
                       <a16:colId xmlns:a16="http://schemas.microsoft.com/office/drawing/2014/main" val="3446600068"/>
                     </a:ext>
                   </a:extLst>
                 </a:gridCol>
-                <a:gridCol w="893667">
+                <a:gridCol w="874566">
                   <a:extLst>
                     <a:ext uri="{9D8B030D-6E8A-4147-A177-3AD203B41FA5}">
                       <a16:colId xmlns:a16="http://schemas.microsoft.com/office/drawing/2014/main" val="3763900091"/>
                     </a:ext>
                   </a:extLst>
                 </a:gridCol>
-                <a:gridCol w="893667">
-                  <a:extLst>
-                    <a:ext uri="{9D8B030D-6E8A-4147-A177-3AD203B41FA5}">
-                      <a16:colId xmlns:a16="http://schemas.microsoft.com/office/drawing/2014/main" val="3014481371"/>
-                    </a:ext>
-                  </a:extLst>
-                </a:gridCol>
-                <a:gridCol w="893667">
-                  <a:extLst>
-                    <a:ext uri="{9D8B030D-6E8A-4147-A177-3AD203B41FA5}">
-                      <a16:colId xmlns:a16="http://schemas.microsoft.com/office/drawing/2014/main" val="3632210339"/>
-                    </a:ext>
-                  </a:extLst>
-                </a:gridCol>
-                <a:gridCol w="893667">
-                  <a:extLst>
-                    <a:ext uri="{9D8B030D-6E8A-4147-A177-3AD203B41FA5}">
-                      <a16:colId xmlns:a16="http://schemas.microsoft.com/office/drawing/2014/main" val="1458811717"/>
-                    </a:ext>
-                  </a:extLst>
-                </a:gridCol>
-                <a:gridCol w="644332">
-                  <a:extLst>
-                    <a:ext uri="{9D8B030D-6E8A-4147-A177-3AD203B41FA5}">
-                      <a16:colId xmlns:a16="http://schemas.microsoft.com/office/drawing/2014/main" val="3509391455"/>
-                    </a:ext>
-                  </a:extLst>
-                </a:gridCol>
-                <a:gridCol w="1143001">
+                <a:gridCol w="1118571">
                   <a:extLst>
                     <a:ext uri="{9D8B030D-6E8A-4147-A177-3AD203B41FA5}">
                       <a16:colId xmlns:a16="http://schemas.microsoft.com/office/drawing/2014/main" val="2563254493"/>
@@ -21438,14 +21538,14 @@
                   </a:extLst>
                 </a:gridCol>
               </a:tblGrid>
-              <a:tr h="419245">
+              <a:tr h="673554">
                 <a:tc>
                   <a:txBody>
                     <a:bodyPr/>
                     <a:lstStyle/>
                     <a:p>
                       <a:r>
-                        <a:rPr lang="en-US" sz="1200" dirty="0"/>
+                        <a:rPr lang="en-US" sz="1000" dirty="0"/>
                         <a:t>Model</a:t>
                       </a:r>
                     </a:p>
@@ -21458,13 +21558,13 @@
                     <a:lstStyle/>
                     <a:p>
                       <a:r>
-                        <a:rPr lang="en-US" sz="1200" dirty="0"/>
+                        <a:rPr lang="en-US" sz="1000" dirty="0"/>
                         <a:t>Train</a:t>
                       </a:r>
                     </a:p>
                     <a:p>
                       <a:r>
-                        <a:rPr lang="en-US" sz="1200" dirty="0"/>
+                        <a:rPr lang="en-US" sz="1000" dirty="0"/>
                         <a:t>Accuracy</a:t>
                       </a:r>
                     </a:p>
@@ -21477,7 +21577,7 @@
                     <a:lstStyle/>
                     <a:p>
                       <a:r>
-                        <a:rPr lang="en-US" sz="1200" dirty="0"/>
+                        <a:rPr lang="en-US" sz="1000" dirty="0"/>
                         <a:t>Val Accuracy</a:t>
                       </a:r>
                     </a:p>
@@ -21490,7 +21590,7 @@
                     <a:lstStyle/>
                     <a:p>
                       <a:r>
-                        <a:rPr lang="en-US" sz="1200" dirty="0"/>
+                        <a:rPr lang="en-US" sz="1000" dirty="0"/>
                         <a:t>Train Loss</a:t>
                       </a:r>
                     </a:p>
@@ -21503,7 +21603,7 @@
                     <a:lstStyle/>
                     <a:p>
                       <a:r>
-                        <a:rPr lang="en-US" sz="1200" dirty="0"/>
+                        <a:rPr lang="en-US" sz="1000" dirty="0"/>
                         <a:t>Val Loss</a:t>
                       </a:r>
                     </a:p>
@@ -21516,71 +21616,7 @@
                     <a:lstStyle/>
                     <a:p>
                       <a:r>
-                        <a:rPr lang="en-US" sz="1200" dirty="0"/>
-                        <a:t>Train</a:t>
-                      </a:r>
-                    </a:p>
-                    <a:p>
-                      <a:r>
-                        <a:rPr lang="en-US" sz="1200" dirty="0"/>
-                        <a:t>Precision</a:t>
-                      </a:r>
-                    </a:p>
-                  </a:txBody>
-                  <a:tcPr/>
-                </a:tc>
-                <a:tc>
-                  <a:txBody>
-                    <a:bodyPr/>
-                    <a:lstStyle/>
-                    <a:p>
-                      <a:r>
-                        <a:rPr lang="en-US" sz="1200" dirty="0"/>
-                        <a:t>Train Recall</a:t>
-                      </a:r>
-                    </a:p>
-                  </a:txBody>
-                  <a:tcPr/>
-                </a:tc>
-                <a:tc>
-                  <a:txBody>
-                    <a:bodyPr/>
-                    <a:lstStyle/>
-                    <a:p>
-                      <a:r>
-                        <a:rPr lang="en-US" sz="1200" dirty="0"/>
-                        <a:t>Train</a:t>
-                      </a:r>
-                    </a:p>
-                    <a:p>
-                      <a:r>
-                        <a:rPr lang="en-US" sz="1200" dirty="0"/>
-                        <a:t>F1_Score</a:t>
-                      </a:r>
-                    </a:p>
-                  </a:txBody>
-                  <a:tcPr/>
-                </a:tc>
-                <a:tc>
-                  <a:txBody>
-                    <a:bodyPr/>
-                    <a:lstStyle/>
-                    <a:p>
-                      <a:r>
-                        <a:rPr lang="en-US" sz="1200" dirty="0"/>
-                        <a:t>Train AUC</a:t>
-                      </a:r>
-                    </a:p>
-                  </a:txBody>
-                  <a:tcPr/>
-                </a:tc>
-                <a:tc>
-                  <a:txBody>
-                    <a:bodyPr/>
-                    <a:lstStyle/>
-                    <a:p>
-                      <a:r>
-                        <a:rPr lang="en-US" sz="1200" dirty="0"/>
+                        <a:rPr lang="en-US" sz="1000" dirty="0"/>
                         <a:t>Parameters</a:t>
                       </a:r>
                     </a:p>
@@ -21593,20 +21629,20 @@
                   </a:ext>
                 </a:extLst>
               </a:tr>
-              <a:tr h="419245">
+              <a:tr h="673554">
                 <a:tc>
                   <a:txBody>
                     <a:bodyPr/>
                     <a:lstStyle/>
                     <a:p>
                       <a:r>
-                        <a:rPr lang="en-US" sz="1200" dirty="0"/>
+                        <a:rPr lang="en-US" sz="1000" dirty="0"/>
                         <a:t>Custom </a:t>
                       </a:r>
                     </a:p>
                     <a:p>
                       <a:r>
-                        <a:rPr lang="en-US" sz="1200" dirty="0"/>
+                        <a:rPr lang="en-US" sz="1000" dirty="0"/>
                         <a:t>CNN Model</a:t>
                       </a:r>
                     </a:p>
@@ -21619,7 +21655,7 @@
                     <a:lstStyle/>
                     <a:p>
                       <a:r>
-                        <a:rPr lang="en-US" sz="1200" dirty="0"/>
+                        <a:rPr lang="en-US" sz="1000" dirty="0"/>
                         <a:t>77%</a:t>
                       </a:r>
                     </a:p>
@@ -21632,7 +21668,7 @@
                     <a:lstStyle/>
                     <a:p>
                       <a:r>
-                        <a:rPr lang="en-US" sz="1200" dirty="0"/>
+                        <a:rPr lang="en-US" sz="1000" dirty="0"/>
                         <a:t>62%</a:t>
                       </a:r>
                     </a:p>
@@ -21645,7 +21681,7 @@
                     <a:lstStyle/>
                     <a:p>
                       <a:r>
-                        <a:rPr lang="en-US" sz="1200" dirty="0"/>
+                        <a:rPr lang="en-US" sz="1000" dirty="0"/>
                         <a:t>0.70</a:t>
                       </a:r>
                     </a:p>
@@ -21658,7 +21694,7 @@
                     <a:lstStyle/>
                     <a:p>
                       <a:r>
-                        <a:rPr lang="en-US" sz="1200" dirty="0"/>
+                        <a:rPr lang="en-US" sz="1000" dirty="0"/>
                         <a:t>1.17</a:t>
                       </a:r>
                     </a:p>
@@ -21671,59 +21707,7 @@
                     <a:lstStyle/>
                     <a:p>
                       <a:r>
-                        <a:rPr lang="en-US" sz="1200" dirty="0"/>
-                        <a:t>0.83</a:t>
-                      </a:r>
-                    </a:p>
-                  </a:txBody>
-                  <a:tcPr/>
-                </a:tc>
-                <a:tc>
-                  <a:txBody>
-                    <a:bodyPr/>
-                    <a:lstStyle/>
-                    <a:p>
-                      <a:r>
-                        <a:rPr lang="en-US" sz="1200" dirty="0"/>
-                        <a:t>0.70</a:t>
-                      </a:r>
-                    </a:p>
-                  </a:txBody>
-                  <a:tcPr/>
-                </a:tc>
-                <a:tc>
-                  <a:txBody>
-                    <a:bodyPr/>
-                    <a:lstStyle/>
-                    <a:p>
-                      <a:r>
-                        <a:rPr lang="en-US" sz="1200" dirty="0"/>
-                        <a:t>0.76</a:t>
-                      </a:r>
-                    </a:p>
-                  </a:txBody>
-                  <a:tcPr/>
-                </a:tc>
-                <a:tc>
-                  <a:txBody>
-                    <a:bodyPr/>
-                    <a:lstStyle/>
-                    <a:p>
-                      <a:r>
-                        <a:rPr lang="en-US" sz="1200" dirty="0"/>
-                        <a:t>0.96</a:t>
-                      </a:r>
-                    </a:p>
-                  </a:txBody>
-                  <a:tcPr/>
-                </a:tc>
-                <a:tc>
-                  <a:txBody>
-                    <a:bodyPr/>
-                    <a:lstStyle/>
-                    <a:p>
-                      <a:r>
-                        <a:rPr lang="en-US" sz="1200" dirty="0"/>
+                        <a:rPr lang="en-US" sz="1000" dirty="0"/>
                         <a:t>5,050,149</a:t>
                       </a:r>
                     </a:p>
@@ -21736,14 +21720,14 @@
                   </a:ext>
                 </a:extLst>
               </a:tr>
-              <a:tr h="340055">
+              <a:tr h="414495">
                 <a:tc>
                   <a:txBody>
                     <a:bodyPr/>
                     <a:lstStyle/>
                     <a:p>
                       <a:r>
-                        <a:rPr lang="en-US" sz="1200" dirty="0">
+                        <a:rPr lang="en-US" sz="1000" dirty="0">
                           <a:highlight>
                             <a:srgbClr val="00FF00"/>
                           </a:highlight>
@@ -21760,7 +21744,7 @@
                     <a:lstStyle/>
                     <a:p>
                       <a:r>
-                        <a:rPr lang="en-US" sz="1200" dirty="0">
+                        <a:rPr lang="en-US" sz="1000" dirty="0">
                           <a:highlight>
                             <a:srgbClr val="00FF00"/>
                           </a:highlight>
@@ -21777,7 +21761,7 @@
                     <a:lstStyle/>
                     <a:p>
                       <a:r>
-                        <a:rPr lang="en-US" sz="1200" dirty="0">
+                        <a:rPr lang="en-US" sz="1000" dirty="0">
                           <a:highlight>
                             <a:srgbClr val="00FF00"/>
                           </a:highlight>
@@ -21794,7 +21778,7 @@
                     <a:lstStyle/>
                     <a:p>
                       <a:r>
-                        <a:rPr lang="en-US" sz="1200" dirty="0">
+                        <a:rPr lang="en-US" sz="1000" dirty="0">
                           <a:highlight>
                             <a:srgbClr val="00FF00"/>
                           </a:highlight>
@@ -21811,7 +21795,7 @@
                     <a:lstStyle/>
                     <a:p>
                       <a:r>
-                        <a:rPr lang="en-US" sz="1200" dirty="0">
+                        <a:rPr lang="en-US" sz="1000" dirty="0">
                           <a:highlight>
                             <a:srgbClr val="00FF00"/>
                           </a:highlight>
@@ -21828,7 +21812,824 @@
                     <a:lstStyle/>
                     <a:p>
                       <a:r>
-                        <a:rPr lang="en-US" sz="1200" dirty="0">
+                        <a:rPr lang="en-US" sz="1000" dirty="0">
+                          <a:highlight>
+                            <a:srgbClr val="00FF00"/>
+                          </a:highlight>
+                        </a:rPr>
+                        <a:t>14,789,205</a:t>
+                      </a:r>
+                    </a:p>
+                  </a:txBody>
+                  <a:tcPr/>
+                </a:tc>
+                <a:extLst>
+                  <a:ext uri="{0D108BD9-81ED-4DB2-BD59-A6C34878D82A}">
+                    <a16:rowId xmlns:a16="http://schemas.microsoft.com/office/drawing/2014/main" val="957144739"/>
+                  </a:ext>
+                </a:extLst>
+              </a:tr>
+              <a:tr h="414495">
+                <a:tc>
+                  <a:txBody>
+                    <a:bodyPr/>
+                    <a:lstStyle/>
+                    <a:p>
+                      <a:r>
+                        <a:rPr lang="en-US" sz="1000" dirty="0"/>
+                        <a:t>ResNet50</a:t>
+                      </a:r>
+                    </a:p>
+                  </a:txBody>
+                  <a:tcPr/>
+                </a:tc>
+                <a:tc>
+                  <a:txBody>
+                    <a:bodyPr/>
+                    <a:lstStyle/>
+                    <a:p>
+                      <a:r>
+                        <a:rPr lang="en-US" sz="1000" dirty="0"/>
+                        <a:t>70%</a:t>
+                      </a:r>
+                    </a:p>
+                  </a:txBody>
+                  <a:tcPr/>
+                </a:tc>
+                <a:tc>
+                  <a:txBody>
+                    <a:bodyPr/>
+                    <a:lstStyle/>
+                    <a:p>
+                      <a:r>
+                        <a:rPr lang="en-US" sz="1000" dirty="0"/>
+                        <a:t>66%</a:t>
+                      </a:r>
+                    </a:p>
+                  </a:txBody>
+                  <a:tcPr/>
+                </a:tc>
+                <a:tc>
+                  <a:txBody>
+                    <a:bodyPr/>
+                    <a:lstStyle/>
+                    <a:p>
+                      <a:r>
+                        <a:rPr lang="en-US" sz="1000" dirty="0"/>
+                        <a:t>0.86</a:t>
+                      </a:r>
+                    </a:p>
+                  </a:txBody>
+                  <a:tcPr/>
+                </a:tc>
+                <a:tc>
+                  <a:txBody>
+                    <a:bodyPr/>
+                    <a:lstStyle/>
+                    <a:p>
+                      <a:r>
+                        <a:rPr lang="en-US" sz="1000" dirty="0"/>
+                        <a:t>0.97</a:t>
+                      </a:r>
+                    </a:p>
+                  </a:txBody>
+                  <a:tcPr/>
+                </a:tc>
+                <a:tc>
+                  <a:txBody>
+                    <a:bodyPr/>
+                    <a:lstStyle/>
+                    <a:p>
+                      <a:r>
+                        <a:rPr lang="en-US" sz="1000" dirty="0"/>
+                        <a:t>25,826,693</a:t>
+                      </a:r>
+                    </a:p>
+                  </a:txBody>
+                  <a:tcPr/>
+                </a:tc>
+                <a:extLst>
+                  <a:ext uri="{0D108BD9-81ED-4DB2-BD59-A6C34878D82A}">
+                    <a16:rowId xmlns:a16="http://schemas.microsoft.com/office/drawing/2014/main" val="1762348993"/>
+                  </a:ext>
+                </a:extLst>
+              </a:tr>
+              <a:tr h="414495">
+                <a:tc>
+                  <a:txBody>
+                    <a:bodyPr/>
+                    <a:lstStyle/>
+                    <a:p>
+                      <a:r>
+                        <a:rPr lang="en-US" sz="1000" dirty="0"/>
+                        <a:t>InceptionV3</a:t>
+                      </a:r>
+                    </a:p>
+                  </a:txBody>
+                  <a:tcPr/>
+                </a:tc>
+                <a:tc>
+                  <a:txBody>
+                    <a:bodyPr/>
+                    <a:lstStyle/>
+                    <a:p>
+                      <a:r>
+                        <a:rPr lang="en-US" sz="1000" dirty="0"/>
+                        <a:t>80%</a:t>
+                      </a:r>
+                    </a:p>
+                  </a:txBody>
+                  <a:tcPr/>
+                </a:tc>
+                <a:tc>
+                  <a:txBody>
+                    <a:bodyPr/>
+                    <a:lstStyle/>
+                    <a:p>
+                      <a:r>
+                        <a:rPr lang="en-US" sz="1000" dirty="0"/>
+                        <a:t>65%</a:t>
+                      </a:r>
+                    </a:p>
+                  </a:txBody>
+                  <a:tcPr/>
+                </a:tc>
+                <a:tc>
+                  <a:txBody>
+                    <a:bodyPr/>
+                    <a:lstStyle/>
+                    <a:p>
+                      <a:r>
+                        <a:rPr lang="en-US" sz="1000" dirty="0"/>
+                        <a:t>0.90</a:t>
+                      </a:r>
+                    </a:p>
+                  </a:txBody>
+                  <a:tcPr/>
+                </a:tc>
+                <a:tc>
+                  <a:txBody>
+                    <a:bodyPr/>
+                    <a:lstStyle/>
+                    <a:p>
+                      <a:r>
+                        <a:rPr lang="en-US" sz="1000" dirty="0"/>
+                        <a:t>1.29</a:t>
+                      </a:r>
+                    </a:p>
+                  </a:txBody>
+                  <a:tcPr/>
+                </a:tc>
+                <a:tc>
+                  <a:txBody>
+                    <a:bodyPr/>
+                    <a:lstStyle/>
+                    <a:p>
+                      <a:r>
+                        <a:rPr lang="en-US" sz="1000" dirty="0"/>
+                        <a:t>21,952,805</a:t>
+                      </a:r>
+                    </a:p>
+                  </a:txBody>
+                  <a:tcPr/>
+                </a:tc>
+                <a:extLst>
+                  <a:ext uri="{0D108BD9-81ED-4DB2-BD59-A6C34878D82A}">
+                    <a16:rowId xmlns:a16="http://schemas.microsoft.com/office/drawing/2014/main" val="4169406898"/>
+                  </a:ext>
+                </a:extLst>
+              </a:tr>
+            </a:tbl>
+          </a:graphicData>
+        </a:graphic>
+      </p:graphicFrame>
+      <p:sp>
+        <p:nvSpPr>
+          <p:cNvPr id="5" name="TextBox 4">
+            <a:extLst>
+              <a:ext uri="{FF2B5EF4-FFF2-40B4-BE49-F238E27FC236}">
+                <a16:creationId xmlns:a16="http://schemas.microsoft.com/office/drawing/2014/main" id="{ADC21ACA-FC79-7DD5-1463-3D717B3EB389}"/>
+              </a:ext>
+            </a:extLst>
+          </p:cNvPr>
+          <p:cNvSpPr txBox="1"/>
+          <p:nvPr/>
+        </p:nvSpPr>
+        <p:spPr>
+          <a:xfrm>
+            <a:off x="2137144" y="784578"/>
+            <a:ext cx="4572000" cy="1169551"/>
+          </a:xfrm>
+          <a:prstGeom prst="rect">
+            <a:avLst/>
+          </a:prstGeom>
+          <a:noFill/>
+        </p:spPr>
+        <p:txBody>
+          <a:bodyPr wrap="square">
+            <a:spAutoFit/>
+          </a:bodyPr>
+          <a:lstStyle/>
+          <a:p>
+            <a:pPr>
+              <a:buClr>
+                <a:schemeClr val="bg1"/>
+              </a:buClr>
+            </a:pPr>
+            <a:r>
+              <a:rPr lang="en-US" b="0" i="0" u="none" strike="noStrike" dirty="0">
+                <a:solidFill>
+                  <a:schemeClr val="bg1"/>
+                </a:solidFill>
+                <a:effectLst/>
+                <a:latin typeface="Arial" panose="020B0604020202020204" pitchFamily="34" charset="0"/>
+              </a:rPr>
+              <a:t>Training Parameters</a:t>
+            </a:r>
+          </a:p>
+          <a:p>
+            <a:pPr>
+              <a:buClr>
+                <a:schemeClr val="bg1"/>
+              </a:buClr>
+            </a:pPr>
+            <a:endParaRPr lang="en-US" b="0" i="0" u="none" strike="noStrike" dirty="0">
+              <a:solidFill>
+                <a:schemeClr val="bg1"/>
+              </a:solidFill>
+              <a:effectLst/>
+              <a:latin typeface="Arial" panose="020B0604020202020204" pitchFamily="34" charset="0"/>
+            </a:endParaRPr>
+          </a:p>
+          <a:p>
+            <a:pPr marL="285750" indent="-285750">
+              <a:buClr>
+                <a:schemeClr val="bg1"/>
+              </a:buClr>
+              <a:buFont typeface="Arial" panose="020B0604020202020204" pitchFamily="34" charset="0"/>
+              <a:buChar char="•"/>
+            </a:pPr>
+            <a:r>
+              <a:rPr lang="en-US" dirty="0">
+                <a:solidFill>
+                  <a:schemeClr val="bg1"/>
+                </a:solidFill>
+              </a:rPr>
+              <a:t>Optimizer: Adam (</a:t>
+            </a:r>
+            <a:r>
+              <a:rPr lang="en-US" dirty="0" err="1">
+                <a:solidFill>
+                  <a:schemeClr val="bg1"/>
+                </a:solidFill>
+              </a:rPr>
+              <a:t>lr</a:t>
+            </a:r>
+            <a:r>
+              <a:rPr lang="en-US" dirty="0">
+                <a:solidFill>
+                  <a:schemeClr val="bg1"/>
+                </a:solidFill>
+              </a:rPr>
+              <a:t> – 0.001)</a:t>
+            </a:r>
+          </a:p>
+          <a:p>
+            <a:pPr marL="285750" indent="-285750">
+              <a:buClr>
+                <a:schemeClr val="bg1"/>
+              </a:buClr>
+              <a:buFont typeface="Arial" panose="020B0604020202020204" pitchFamily="34" charset="0"/>
+              <a:buChar char="•"/>
+            </a:pPr>
+            <a:r>
+              <a:rPr lang="en-US" dirty="0">
+                <a:solidFill>
+                  <a:schemeClr val="bg1"/>
+                </a:solidFill>
+              </a:rPr>
+              <a:t>Loss: Categorical Cross-entropy</a:t>
+            </a:r>
+          </a:p>
+          <a:p>
+            <a:pPr marL="285750" indent="-285750">
+              <a:buClr>
+                <a:schemeClr val="bg1"/>
+              </a:buClr>
+              <a:buFont typeface="Arial" panose="020B0604020202020204" pitchFamily="34" charset="0"/>
+              <a:buChar char="•"/>
+            </a:pPr>
+            <a:r>
+              <a:rPr lang="en-US" dirty="0">
+                <a:solidFill>
+                  <a:schemeClr val="bg1"/>
+                </a:solidFill>
+              </a:rPr>
+              <a:t>Epochs: 20</a:t>
+            </a:r>
+          </a:p>
+        </p:txBody>
+      </p:sp>
+    </p:spTree>
+    <p:extLst>
+      <p:ext uri="{BB962C8B-B14F-4D97-AF65-F5344CB8AC3E}">
+        <p14:creationId xmlns:p14="http://schemas.microsoft.com/office/powerpoint/2010/main" val="1860712933"/>
+      </p:ext>
+    </p:extLst>
+  </p:cSld>
+  <p:clrMapOvr>
+    <a:masterClrMapping/>
+  </p:clrMapOvr>
+</p:sld>
+</file>
+
+<file path=ppt/slides/slide11.xml><?xml version="1.0" encoding="utf-8"?>
+<p:sld xmlns:a="http://schemas.openxmlformats.org/drawingml/2006/main" xmlns:r="http://schemas.openxmlformats.org/officeDocument/2006/relationships" xmlns:p="http://schemas.openxmlformats.org/presentationml/2006/main">
+  <p:cSld>
+    <p:spTree>
+      <p:nvGrpSpPr>
+        <p:cNvPr id="1" name="Shape 158"/>
+        <p:cNvGrpSpPr/>
+        <p:nvPr/>
+      </p:nvGrpSpPr>
+      <p:grpSpPr>
+        <a:xfrm>
+          <a:off x="0" y="0"/>
+          <a:ext cx="0" cy="0"/>
+          <a:chOff x="0" y="0"/>
+          <a:chExt cx="0" cy="0"/>
+        </a:xfrm>
+      </p:grpSpPr>
+      <p:sp>
+        <p:nvSpPr>
+          <p:cNvPr id="3" name="Title 2">
+            <a:extLst>
+              <a:ext uri="{FF2B5EF4-FFF2-40B4-BE49-F238E27FC236}">
+                <a16:creationId xmlns:a16="http://schemas.microsoft.com/office/drawing/2014/main" id="{55A06791-28FA-228B-F912-94966CBEEE65}"/>
+              </a:ext>
+            </a:extLst>
+          </p:cNvPr>
+          <p:cNvSpPr>
+            <a:spLocks noGrp="1"/>
+          </p:cNvSpPr>
+          <p:nvPr>
+            <p:ph type="title"/>
+          </p:nvPr>
+        </p:nvSpPr>
+        <p:spPr>
+          <a:xfrm>
+            <a:off x="766664" y="99706"/>
+            <a:ext cx="7688400" cy="1518600"/>
+          </a:xfrm>
+        </p:spPr>
+        <p:txBody>
+          <a:bodyPr/>
+          <a:lstStyle/>
+          <a:p>
+            <a:r>
+              <a:rPr lang="en-US" dirty="0"/>
+              <a:t>Results after Training Cont’d</a:t>
+            </a:r>
+          </a:p>
+        </p:txBody>
+      </p:sp>
+      <p:graphicFrame>
+        <p:nvGraphicFramePr>
+          <p:cNvPr id="2" name="Table 4">
+            <a:extLst>
+              <a:ext uri="{FF2B5EF4-FFF2-40B4-BE49-F238E27FC236}">
+                <a16:creationId xmlns:a16="http://schemas.microsoft.com/office/drawing/2014/main" id="{FB718278-55CB-842B-44F3-9E7FC026204E}"/>
+              </a:ext>
+            </a:extLst>
+          </p:cNvPr>
+          <p:cNvGraphicFramePr>
+            <a:graphicFrameLocks noGrp="1"/>
+          </p:cNvGraphicFramePr>
+          <p:nvPr>
+            <p:extLst>
+              <p:ext uri="{D42A27DB-BD31-4B8C-83A1-F6EECF244321}">
+                <p14:modId xmlns:p14="http://schemas.microsoft.com/office/powerpoint/2010/main" val="3128224274"/>
+              </p:ext>
+            </p:extLst>
+          </p:nvPr>
+        </p:nvGraphicFramePr>
+        <p:xfrm>
+          <a:off x="1136621" y="1698049"/>
+          <a:ext cx="7688401" cy="2275838"/>
+        </p:xfrm>
+        <a:graphic>
+          <a:graphicData uri="http://schemas.openxmlformats.org/drawingml/2006/table">
+            <a:tbl>
+              <a:tblPr firstRow="1" bandRow="1">
+                <a:tableStyleId>{5C22544A-7EE6-4342-B048-85BDC9FD1C3A}</a:tableStyleId>
+              </a:tblPr>
+              <a:tblGrid>
+                <a:gridCol w="938829">
+                  <a:extLst>
+                    <a:ext uri="{9D8B030D-6E8A-4147-A177-3AD203B41FA5}">
+                      <a16:colId xmlns:a16="http://schemas.microsoft.com/office/drawing/2014/main" val="2608786438"/>
+                    </a:ext>
+                  </a:extLst>
+                </a:gridCol>
+                <a:gridCol w="816606">
+                  <a:extLst>
+                    <a:ext uri="{9D8B030D-6E8A-4147-A177-3AD203B41FA5}">
+                      <a16:colId xmlns:a16="http://schemas.microsoft.com/office/drawing/2014/main" val="3014481371"/>
+                    </a:ext>
+                  </a:extLst>
+                </a:gridCol>
+                <a:gridCol w="813391">
+                  <a:extLst>
+                    <a:ext uri="{9D8B030D-6E8A-4147-A177-3AD203B41FA5}">
+                      <a16:colId xmlns:a16="http://schemas.microsoft.com/office/drawing/2014/main" val="590531778"/>
+                    </a:ext>
+                  </a:extLst>
+                </a:gridCol>
+                <a:gridCol w="649924">
+                  <a:extLst>
+                    <a:ext uri="{9D8B030D-6E8A-4147-A177-3AD203B41FA5}">
+                      <a16:colId xmlns:a16="http://schemas.microsoft.com/office/drawing/2014/main" val="3632210339"/>
+                    </a:ext>
+                  </a:extLst>
+                </a:gridCol>
+                <a:gridCol w="625982">
+                  <a:extLst>
+                    <a:ext uri="{9D8B030D-6E8A-4147-A177-3AD203B41FA5}">
+                      <a16:colId xmlns:a16="http://schemas.microsoft.com/office/drawing/2014/main" val="3658451719"/>
+                    </a:ext>
+                  </a:extLst>
+                </a:gridCol>
+                <a:gridCol w="936560">
+                  <a:extLst>
+                    <a:ext uri="{9D8B030D-6E8A-4147-A177-3AD203B41FA5}">
+                      <a16:colId xmlns:a16="http://schemas.microsoft.com/office/drawing/2014/main" val="1458811717"/>
+                    </a:ext>
+                  </a:extLst>
+                </a:gridCol>
+                <a:gridCol w="781271">
+                  <a:extLst>
+                    <a:ext uri="{9D8B030D-6E8A-4147-A177-3AD203B41FA5}">
+                      <a16:colId xmlns:a16="http://schemas.microsoft.com/office/drawing/2014/main" val="2384319909"/>
+                    </a:ext>
+                  </a:extLst>
+                </a:gridCol>
+                <a:gridCol w="563295">
+                  <a:extLst>
+                    <a:ext uri="{9D8B030D-6E8A-4147-A177-3AD203B41FA5}">
+                      <a16:colId xmlns:a16="http://schemas.microsoft.com/office/drawing/2014/main" val="3509391455"/>
+                    </a:ext>
+                  </a:extLst>
+                </a:gridCol>
+                <a:gridCol w="552451">
+                  <a:extLst>
+                    <a:ext uri="{9D8B030D-6E8A-4147-A177-3AD203B41FA5}">
+                      <a16:colId xmlns:a16="http://schemas.microsoft.com/office/drawing/2014/main" val="566867426"/>
+                    </a:ext>
+                  </a:extLst>
+                </a:gridCol>
+                <a:gridCol w="1010092">
+                  <a:extLst>
+                    <a:ext uri="{9D8B030D-6E8A-4147-A177-3AD203B41FA5}">
+                      <a16:colId xmlns:a16="http://schemas.microsoft.com/office/drawing/2014/main" val="2563254493"/>
+                    </a:ext>
+                  </a:extLst>
+                </a:gridCol>
+              </a:tblGrid>
+              <a:tr h="591718">
+                <a:tc>
+                  <a:txBody>
+                    <a:bodyPr/>
+                    <a:lstStyle/>
+                    <a:p>
+                      <a:r>
+                        <a:rPr lang="en-US" sz="1000" dirty="0"/>
+                        <a:t>Model</a:t>
+                      </a:r>
+                    </a:p>
+                  </a:txBody>
+                  <a:tcPr/>
+                </a:tc>
+                <a:tc>
+                  <a:txBody>
+                    <a:bodyPr/>
+                    <a:lstStyle/>
+                    <a:p>
+                      <a:r>
+                        <a:rPr lang="en-US" sz="1000" dirty="0"/>
+                        <a:t>Train</a:t>
+                      </a:r>
+                    </a:p>
+                    <a:p>
+                      <a:r>
+                        <a:rPr lang="en-US" sz="1000" dirty="0"/>
+                        <a:t>Precision</a:t>
+                      </a:r>
+                    </a:p>
+                  </a:txBody>
+                  <a:tcPr/>
+                </a:tc>
+                <a:tc>
+                  <a:txBody>
+                    <a:bodyPr/>
+                    <a:lstStyle/>
+                    <a:p>
+                      <a:r>
+                        <a:rPr lang="en-US" sz="1000" dirty="0"/>
+                        <a:t>Val Precision</a:t>
+                      </a:r>
+                    </a:p>
+                  </a:txBody>
+                  <a:tcPr/>
+                </a:tc>
+                <a:tc>
+                  <a:txBody>
+                    <a:bodyPr/>
+                    <a:lstStyle/>
+                    <a:p>
+                      <a:r>
+                        <a:rPr lang="en-US" sz="1000" dirty="0"/>
+                        <a:t>Train Recall</a:t>
+                      </a:r>
+                    </a:p>
+                  </a:txBody>
+                  <a:tcPr/>
+                </a:tc>
+                <a:tc>
+                  <a:txBody>
+                    <a:bodyPr/>
+                    <a:lstStyle/>
+                    <a:p>
+                      <a:r>
+                        <a:rPr lang="en-US" sz="1000" dirty="0"/>
+                        <a:t>Val</a:t>
+                      </a:r>
+                    </a:p>
+                    <a:p>
+                      <a:r>
+                        <a:rPr lang="en-US" sz="1000" dirty="0"/>
+                        <a:t>Recall</a:t>
+                      </a:r>
+                    </a:p>
+                  </a:txBody>
+                  <a:tcPr/>
+                </a:tc>
+                <a:tc>
+                  <a:txBody>
+                    <a:bodyPr/>
+                    <a:lstStyle/>
+                    <a:p>
+                      <a:r>
+                        <a:rPr lang="en-US" sz="1000" dirty="0"/>
+                        <a:t>Train</a:t>
+                      </a:r>
+                    </a:p>
+                    <a:p>
+                      <a:r>
+                        <a:rPr lang="en-US" sz="1000" dirty="0"/>
+                        <a:t>F1_Score</a:t>
+                      </a:r>
+                    </a:p>
+                  </a:txBody>
+                  <a:tcPr/>
+                </a:tc>
+                <a:tc>
+                  <a:txBody>
+                    <a:bodyPr/>
+                    <a:lstStyle/>
+                    <a:p>
+                      <a:r>
+                        <a:rPr lang="en-US" sz="1000" dirty="0"/>
+                        <a:t>Val</a:t>
+                      </a:r>
+                    </a:p>
+                    <a:p>
+                      <a:r>
+                        <a:rPr lang="en-US" sz="1000" dirty="0"/>
+                        <a:t>F1_Score</a:t>
+                      </a:r>
+                    </a:p>
+                  </a:txBody>
+                  <a:tcPr/>
+                </a:tc>
+                <a:tc>
+                  <a:txBody>
+                    <a:bodyPr/>
+                    <a:lstStyle/>
+                    <a:p>
+                      <a:r>
+                        <a:rPr lang="en-US" sz="1000" dirty="0"/>
+                        <a:t>Train AUC</a:t>
+                      </a:r>
+                    </a:p>
+                  </a:txBody>
+                  <a:tcPr/>
+                </a:tc>
+                <a:tc>
+                  <a:txBody>
+                    <a:bodyPr/>
+                    <a:lstStyle/>
+                    <a:p>
+                      <a:r>
+                        <a:rPr lang="en-US" sz="1000" dirty="0"/>
+                        <a:t>Val</a:t>
+                      </a:r>
+                    </a:p>
+                    <a:p>
+                      <a:r>
+                        <a:rPr lang="en-US" sz="1000" dirty="0"/>
+                        <a:t>AUC</a:t>
+                      </a:r>
+                    </a:p>
+                  </a:txBody>
+                  <a:tcPr/>
+                </a:tc>
+                <a:tc>
+                  <a:txBody>
+                    <a:bodyPr/>
+                    <a:lstStyle/>
+                    <a:p>
+                      <a:r>
+                        <a:rPr lang="en-US" sz="1000" dirty="0"/>
+                        <a:t>Parameters</a:t>
+                      </a:r>
+                    </a:p>
+                  </a:txBody>
+                  <a:tcPr/>
+                </a:tc>
+                <a:extLst>
+                  <a:ext uri="{0D108BD9-81ED-4DB2-BD59-A6C34878D82A}">
+                    <a16:rowId xmlns:a16="http://schemas.microsoft.com/office/drawing/2014/main" val="714646363"/>
+                  </a:ext>
+                </a:extLst>
+              </a:tr>
+              <a:tr h="591718">
+                <a:tc>
+                  <a:txBody>
+                    <a:bodyPr/>
+                    <a:lstStyle/>
+                    <a:p>
+                      <a:r>
+                        <a:rPr lang="en-US" sz="1000" dirty="0"/>
+                        <a:t>Custom </a:t>
+                      </a:r>
+                    </a:p>
+                    <a:p>
+                      <a:r>
+                        <a:rPr lang="en-US" sz="1000" dirty="0"/>
+                        <a:t>CNN Model</a:t>
+                      </a:r>
+                    </a:p>
+                  </a:txBody>
+                  <a:tcPr/>
+                </a:tc>
+                <a:tc>
+                  <a:txBody>
+                    <a:bodyPr/>
+                    <a:lstStyle/>
+                    <a:p>
+                      <a:r>
+                        <a:rPr lang="en-US" sz="1000" dirty="0"/>
+                        <a:t>0.83</a:t>
+                      </a:r>
+                    </a:p>
+                  </a:txBody>
+                  <a:tcPr/>
+                </a:tc>
+                <a:tc>
+                  <a:txBody>
+                    <a:bodyPr/>
+                    <a:lstStyle/>
+                    <a:p>
+                      <a:r>
+                        <a:rPr lang="en-US" sz="1000" dirty="0"/>
+                        <a:t>0.69</a:t>
+                      </a:r>
+                    </a:p>
+                  </a:txBody>
+                  <a:tcPr/>
+                </a:tc>
+                <a:tc>
+                  <a:txBody>
+                    <a:bodyPr/>
+                    <a:lstStyle/>
+                    <a:p>
+                      <a:r>
+                        <a:rPr lang="en-US" sz="1000" dirty="0"/>
+                        <a:t>0.70</a:t>
+                      </a:r>
+                    </a:p>
+                  </a:txBody>
+                  <a:tcPr/>
+                </a:tc>
+                <a:tc>
+                  <a:txBody>
+                    <a:bodyPr/>
+                    <a:lstStyle/>
+                    <a:p>
+                      <a:r>
+                        <a:rPr lang="en-US" sz="1000" dirty="0"/>
+                        <a:t>0.54</a:t>
+                      </a:r>
+                    </a:p>
+                  </a:txBody>
+                  <a:tcPr/>
+                </a:tc>
+                <a:tc>
+                  <a:txBody>
+                    <a:bodyPr/>
+                    <a:lstStyle/>
+                    <a:p>
+                      <a:r>
+                        <a:rPr lang="en-US" sz="1000" dirty="0"/>
+                        <a:t>0.76</a:t>
+                      </a:r>
+                    </a:p>
+                  </a:txBody>
+                  <a:tcPr/>
+                </a:tc>
+                <a:tc>
+                  <a:txBody>
+                    <a:bodyPr/>
+                    <a:lstStyle/>
+                    <a:p>
+                      <a:r>
+                        <a:rPr lang="en-US" sz="1000" dirty="0"/>
+                        <a:t>0.60</a:t>
+                      </a:r>
+                    </a:p>
+                  </a:txBody>
+                  <a:tcPr/>
+                </a:tc>
+                <a:tc>
+                  <a:txBody>
+                    <a:bodyPr/>
+                    <a:lstStyle/>
+                    <a:p>
+                      <a:r>
+                        <a:rPr lang="en-US" sz="1000" dirty="0"/>
+                        <a:t>0.96</a:t>
+                      </a:r>
+                    </a:p>
+                  </a:txBody>
+                  <a:tcPr/>
+                </a:tc>
+                <a:tc>
+                  <a:txBody>
+                    <a:bodyPr/>
+                    <a:lstStyle/>
+                    <a:p>
+                      <a:r>
+                        <a:rPr lang="en-US" sz="1000" dirty="0"/>
+                        <a:t>0.88</a:t>
+                      </a:r>
+                    </a:p>
+                  </a:txBody>
+                  <a:tcPr/>
+                </a:tc>
+                <a:tc>
+                  <a:txBody>
+                    <a:bodyPr/>
+                    <a:lstStyle/>
+                    <a:p>
+                      <a:r>
+                        <a:rPr lang="en-US" sz="1000" dirty="0"/>
+                        <a:t>5,050,149</a:t>
+                      </a:r>
+                    </a:p>
+                  </a:txBody>
+                  <a:tcPr/>
+                </a:tc>
+                <a:extLst>
+                  <a:ext uri="{0D108BD9-81ED-4DB2-BD59-A6C34878D82A}">
+                    <a16:rowId xmlns:a16="http://schemas.microsoft.com/office/drawing/2014/main" val="1258041666"/>
+                  </a:ext>
+                </a:extLst>
+              </a:tr>
+              <a:tr h="364134">
+                <a:tc>
+                  <a:txBody>
+                    <a:bodyPr/>
+                    <a:lstStyle/>
+                    <a:p>
+                      <a:r>
+                        <a:rPr lang="en-US" sz="1000" dirty="0">
+                          <a:highlight>
+                            <a:srgbClr val="00FF00"/>
+                          </a:highlight>
+                        </a:rPr>
+                        <a:t>VGG16</a:t>
+                      </a:r>
+                    </a:p>
+                  </a:txBody>
+                  <a:tcPr/>
+                </a:tc>
+                <a:tc>
+                  <a:txBody>
+                    <a:bodyPr/>
+                    <a:lstStyle/>
+                    <a:p>
+                      <a:r>
+                        <a:rPr lang="en-US" sz="1000" dirty="0">
                           <a:highlight>
                             <a:srgbClr val="00FF00"/>
                           </a:highlight>
@@ -21845,7 +22646,24 @@
                     <a:lstStyle/>
                     <a:p>
                       <a:r>
-                        <a:rPr lang="en-US" sz="1200" dirty="0">
+                        <a:rPr lang="en-US" sz="1000" dirty="0">
+                          <a:highlight>
+                            <a:srgbClr val="00FF00"/>
+                          </a:highlight>
+                        </a:rPr>
+                        <a:t>0.71</a:t>
+                      </a:r>
+                    </a:p>
+                  </a:txBody>
+                  <a:tcPr/>
+                </a:tc>
+                <a:tc>
+                  <a:txBody>
+                    <a:bodyPr/>
+                    <a:lstStyle/>
+                    <a:p>
+                      <a:r>
+                        <a:rPr lang="en-US" sz="1000" dirty="0">
                           <a:highlight>
                             <a:srgbClr val="00FF00"/>
                           </a:highlight>
@@ -21862,7 +22680,24 @@
                     <a:lstStyle/>
                     <a:p>
                       <a:r>
-                        <a:rPr lang="en-US" sz="1200" dirty="0">
+                        <a:rPr lang="en-US" sz="1000" dirty="0">
+                          <a:highlight>
+                            <a:srgbClr val="00FF00"/>
+                          </a:highlight>
+                        </a:rPr>
+                        <a:t>0.59</a:t>
+                      </a:r>
+                    </a:p>
+                  </a:txBody>
+                  <a:tcPr/>
+                </a:tc>
+                <a:tc>
+                  <a:txBody>
+                    <a:bodyPr/>
+                    <a:lstStyle/>
+                    <a:p>
+                      <a:r>
+                        <a:rPr lang="en-US" sz="1000" dirty="0">
                           <a:highlight>
                             <a:srgbClr val="00FF00"/>
                           </a:highlight>
@@ -21879,7 +22714,24 @@
                     <a:lstStyle/>
                     <a:p>
                       <a:r>
-                        <a:rPr lang="en-US" sz="1200" dirty="0">
+                        <a:rPr lang="en-US" sz="1000" dirty="0">
+                          <a:highlight>
+                            <a:srgbClr val="00FF00"/>
+                          </a:highlight>
+                        </a:rPr>
+                        <a:t>0.64</a:t>
+                      </a:r>
+                    </a:p>
+                  </a:txBody>
+                  <a:tcPr/>
+                </a:tc>
+                <a:tc>
+                  <a:txBody>
+                    <a:bodyPr/>
+                    <a:lstStyle/>
+                    <a:p>
+                      <a:r>
+                        <a:rPr lang="en-US" sz="1000" dirty="0">
                           <a:highlight>
                             <a:srgbClr val="00FF00"/>
                           </a:highlight>
@@ -21896,7 +22748,24 @@
                     <a:lstStyle/>
                     <a:p>
                       <a:r>
-                        <a:rPr lang="en-US" sz="1200" dirty="0">
+                        <a:rPr lang="en-US" sz="1000" dirty="0">
+                          <a:highlight>
+                            <a:srgbClr val="00FF00"/>
+                          </a:highlight>
+                        </a:rPr>
+                        <a:t>0.90</a:t>
+                      </a:r>
+                    </a:p>
+                  </a:txBody>
+                  <a:tcPr/>
+                </a:tc>
+                <a:tc>
+                  <a:txBody>
+                    <a:bodyPr/>
+                    <a:lstStyle/>
+                    <a:p>
+                      <a:r>
+                        <a:rPr lang="en-US" sz="1000" dirty="0">
                           <a:highlight>
                             <a:srgbClr val="00FF00"/>
                           </a:highlight>
@@ -21913,14 +22782,14 @@
                   </a:ext>
                 </a:extLst>
               </a:tr>
-              <a:tr h="340055">
+              <a:tr h="364134">
                 <a:tc>
                   <a:txBody>
                     <a:bodyPr/>
                     <a:lstStyle/>
                     <a:p>
                       <a:r>
-                        <a:rPr lang="en-US" sz="1200" dirty="0"/>
+                        <a:rPr lang="en-US" sz="1000" dirty="0"/>
                         <a:t>ResNet50</a:t>
                       </a:r>
                     </a:p>
@@ -21933,8 +22802,8 @@
                     <a:lstStyle/>
                     <a:p>
                       <a:r>
-                        <a:rPr lang="en-US" sz="1200" dirty="0"/>
-                        <a:t>70%</a:t>
+                        <a:rPr lang="en-US" sz="1000" dirty="0"/>
+                        <a:t>0.79</a:t>
                       </a:r>
                     </a:p>
                   </a:txBody>
@@ -21946,8 +22815,8 @@
                     <a:lstStyle/>
                     <a:p>
                       <a:r>
-                        <a:rPr lang="en-US" sz="1200" dirty="0"/>
-                        <a:t>66%</a:t>
+                        <a:rPr lang="en-US" sz="1000" dirty="0"/>
+                        <a:t>0.74</a:t>
                       </a:r>
                     </a:p>
                   </a:txBody>
@@ -21959,46 +22828,7 @@
                     <a:lstStyle/>
                     <a:p>
                       <a:r>
-                        <a:rPr lang="en-US" sz="1200" dirty="0"/>
-                        <a:t>0.86</a:t>
-                      </a:r>
-                    </a:p>
-                  </a:txBody>
-                  <a:tcPr/>
-                </a:tc>
-                <a:tc>
-                  <a:txBody>
-                    <a:bodyPr/>
-                    <a:lstStyle/>
-                    <a:p>
-                      <a:r>
-                        <a:rPr lang="en-US" sz="1200" dirty="0"/>
-                        <a:t>0.97</a:t>
-                      </a:r>
-                    </a:p>
-                  </a:txBody>
-                  <a:tcPr/>
-                </a:tc>
-                <a:tc>
-                  <a:txBody>
-                    <a:bodyPr/>
-                    <a:lstStyle/>
-                    <a:p>
-                      <a:r>
-                        <a:rPr lang="en-US" sz="1200" dirty="0"/>
-                        <a:t>0.78</a:t>
-                      </a:r>
-                    </a:p>
-                  </a:txBody>
-                  <a:tcPr/>
-                </a:tc>
-                <a:tc>
-                  <a:txBody>
-                    <a:bodyPr/>
-                    <a:lstStyle/>
-                    <a:p>
-                      <a:r>
-                        <a:rPr lang="en-US" sz="1200" dirty="0"/>
+                        <a:rPr lang="en-US" sz="1000" dirty="0"/>
                         <a:t>0.58</a:t>
                       </a:r>
                     </a:p>
@@ -22011,7 +22841,20 @@
                     <a:lstStyle/>
                     <a:p>
                       <a:r>
-                        <a:rPr lang="en-US" sz="1200" dirty="0"/>
+                        <a:rPr lang="en-US" sz="1000" dirty="0"/>
+                        <a:t>0.55</a:t>
+                      </a:r>
+                    </a:p>
+                  </a:txBody>
+                  <a:tcPr/>
+                </a:tc>
+                <a:tc>
+                  <a:txBody>
+                    <a:bodyPr/>
+                    <a:lstStyle/>
+                    <a:p>
+                      <a:r>
+                        <a:rPr lang="en-US" sz="1000" dirty="0"/>
                         <a:t>0.67 </a:t>
                       </a:r>
                     </a:p>
@@ -22024,7 +22867,20 @@
                     <a:lstStyle/>
                     <a:p>
                       <a:r>
-                        <a:rPr lang="en-US" sz="1200" dirty="0"/>
+                        <a:rPr lang="en-US" sz="1000" dirty="0"/>
+                        <a:t>0.63</a:t>
+                      </a:r>
+                    </a:p>
+                  </a:txBody>
+                  <a:tcPr/>
+                </a:tc>
+                <a:tc>
+                  <a:txBody>
+                    <a:bodyPr/>
+                    <a:lstStyle/>
+                    <a:p>
+                      <a:r>
+                        <a:rPr lang="en-US" sz="1000" dirty="0"/>
                         <a:t>0.93</a:t>
                       </a:r>
                     </a:p>
@@ -22037,7 +22893,20 @@
                     <a:lstStyle/>
                     <a:p>
                       <a:r>
-                        <a:rPr lang="en-US" sz="1200" dirty="0"/>
+                        <a:rPr lang="en-US" sz="1000" dirty="0"/>
+                        <a:t>0.91</a:t>
+                      </a:r>
+                    </a:p>
+                  </a:txBody>
+                  <a:tcPr/>
+                </a:tc>
+                <a:tc>
+                  <a:txBody>
+                    <a:bodyPr/>
+                    <a:lstStyle/>
+                    <a:p>
+                      <a:r>
+                        <a:rPr lang="en-US" sz="1000" dirty="0"/>
                         <a:t>25,826,693</a:t>
                       </a:r>
                     </a:p>
@@ -22050,6 +22919,143 @@
                   </a:ext>
                 </a:extLst>
               </a:tr>
+              <a:tr h="364134">
+                <a:tc>
+                  <a:txBody>
+                    <a:bodyPr/>
+                    <a:lstStyle/>
+                    <a:p>
+                      <a:r>
+                        <a:rPr lang="en-US" sz="1000" dirty="0"/>
+                        <a:t>InceptionV3</a:t>
+                      </a:r>
+                    </a:p>
+                  </a:txBody>
+                  <a:tcPr/>
+                </a:tc>
+                <a:tc>
+                  <a:txBody>
+                    <a:bodyPr/>
+                    <a:lstStyle/>
+                    <a:p>
+                      <a:r>
+                        <a:rPr lang="en-US" sz="1000" dirty="0"/>
+                        <a:t>0.84</a:t>
+                      </a:r>
+                    </a:p>
+                  </a:txBody>
+                  <a:tcPr/>
+                </a:tc>
+                <a:tc>
+                  <a:txBody>
+                    <a:bodyPr/>
+                    <a:lstStyle/>
+                    <a:p>
+                      <a:r>
+                        <a:rPr lang="en-US" sz="1000" dirty="0"/>
+                        <a:t>0.70</a:t>
+                      </a:r>
+                    </a:p>
+                  </a:txBody>
+                  <a:tcPr/>
+                </a:tc>
+                <a:tc>
+                  <a:txBody>
+                    <a:bodyPr/>
+                    <a:lstStyle/>
+                    <a:p>
+                      <a:r>
+                        <a:rPr lang="en-US" sz="1000" dirty="0"/>
+                        <a:t>0.74</a:t>
+                      </a:r>
+                    </a:p>
+                  </a:txBody>
+                  <a:tcPr/>
+                </a:tc>
+                <a:tc>
+                  <a:txBody>
+                    <a:bodyPr/>
+                    <a:lstStyle/>
+                    <a:p>
+                      <a:r>
+                        <a:rPr lang="en-US" sz="1000" dirty="0"/>
+                        <a:t>0.60</a:t>
+                      </a:r>
+                    </a:p>
+                  </a:txBody>
+                  <a:tcPr/>
+                </a:tc>
+                <a:tc>
+                  <a:txBody>
+                    <a:bodyPr/>
+                    <a:lstStyle/>
+                    <a:p>
+                      <a:r>
+                        <a:rPr lang="en-US" sz="1000" dirty="0"/>
+                        <a:t>0.79</a:t>
+                      </a:r>
+                    </a:p>
+                  </a:txBody>
+                  <a:tcPr/>
+                </a:tc>
+                <a:tc>
+                  <a:txBody>
+                    <a:bodyPr/>
+                    <a:lstStyle/>
+                    <a:p>
+                      <a:r>
+                        <a:rPr lang="en-US" sz="1000" dirty="0"/>
+                        <a:t>0.65</a:t>
+                      </a:r>
+                    </a:p>
+                  </a:txBody>
+                  <a:tcPr/>
+                </a:tc>
+                <a:tc>
+                  <a:txBody>
+                    <a:bodyPr/>
+                    <a:lstStyle/>
+                    <a:p>
+                      <a:r>
+                        <a:rPr lang="en-US" sz="1000" dirty="0"/>
+                        <a:t>0.96</a:t>
+                      </a:r>
+                    </a:p>
+                  </a:txBody>
+                  <a:tcPr/>
+                </a:tc>
+                <a:tc>
+                  <a:txBody>
+                    <a:bodyPr/>
+                    <a:lstStyle/>
+                    <a:p>
+                      <a:r>
+                        <a:rPr lang="en-US" sz="1000" dirty="0"/>
+                        <a:t>0.90</a:t>
+                      </a:r>
+                    </a:p>
+                  </a:txBody>
+                  <a:tcPr/>
+                </a:tc>
+                <a:tc>
+                  <a:txBody>
+                    <a:bodyPr/>
+                    <a:lstStyle/>
+                    <a:p>
+                      <a:r>
+                        <a:rPr lang="en-US" sz="1000" dirty="0"/>
+                        <a:t>21,952,805</a:t>
+                      </a:r>
+                    </a:p>
+                  </a:txBody>
+                  <a:tcPr/>
+                </a:tc>
+                <a:extLst>
+                  <a:ext uri="{0D108BD9-81ED-4DB2-BD59-A6C34878D82A}">
+                    <a16:rowId xmlns:a16="http://schemas.microsoft.com/office/drawing/2014/main" val="2805334336"/>
+                  </a:ext>
+                </a:extLst>
+              </a:tr>
             </a:tbl>
           </a:graphicData>
         </a:graphic>
@@ -22057,7 +23063,7 @@
     </p:spTree>
     <p:extLst>
       <p:ext uri="{BB962C8B-B14F-4D97-AF65-F5344CB8AC3E}">
-        <p14:creationId xmlns:p14="http://schemas.microsoft.com/office/powerpoint/2010/main" val="1860712933"/>
+        <p14:creationId xmlns:p14="http://schemas.microsoft.com/office/powerpoint/2010/main" val="739944324"/>
       </p:ext>
     </p:extLst>
   </p:cSld>
@@ -22067,7 +23073,7 @@
 </p:sld>
 </file>
 
-<file path=ppt/slides/slide11.xml><?xml version="1.0" encoding="utf-8"?>
+<file path=ppt/slides/slide12.xml><?xml version="1.0" encoding="utf-8"?>
 <p:sld xmlns:a="http://schemas.openxmlformats.org/drawingml/2006/main" xmlns:r="http://schemas.openxmlformats.org/officeDocument/2006/relationships" xmlns:p="http://schemas.openxmlformats.org/presentationml/2006/main">
   <p:cSld>
     <p:spTree>
@@ -22189,7 +23195,7 @@
 </p:sld>
 </file>
 
-<file path=ppt/slides/slide12.xml><?xml version="1.0" encoding="utf-8"?>
+<file path=ppt/slides/slide13.xml><?xml version="1.0" encoding="utf-8"?>
 <p:sld xmlns:a="http://schemas.openxmlformats.org/drawingml/2006/main" xmlns:r="http://schemas.openxmlformats.org/officeDocument/2006/relationships" xmlns:p="http://schemas.openxmlformats.org/presentationml/2006/main">
   <p:cSld>
     <p:spTree>
@@ -22254,7 +23260,7 @@
         <p:spPr>
           <a:xfrm>
             <a:off x="2030819" y="812432"/>
-            <a:ext cx="6028660" cy="2462213"/>
+            <a:ext cx="6028660" cy="2246769"/>
           </a:xfrm>
           <a:prstGeom prst="rect">
             <a:avLst/>
@@ -22266,74 +23272,6 @@
             <a:spAutoFit/>
           </a:bodyPr>
           <a:lstStyle/>
-          <a:p>
-            <a:pPr marL="285750" indent="-285750">
-              <a:buClr>
-                <a:schemeClr val="bg1"/>
-              </a:buClr>
-              <a:buFont typeface="Arial" panose="020B0604020202020204" pitchFamily="34" charset="0"/>
-              <a:buChar char="•"/>
-            </a:pPr>
-            <a:r>
-              <a:rPr lang="en-US" b="0" i="0" u="none" strike="noStrike" dirty="0">
-                <a:solidFill>
-                  <a:schemeClr val="bg1"/>
-                </a:solidFill>
-                <a:effectLst/>
-                <a:latin typeface="Arial" panose="020B0604020202020204" pitchFamily="34" charset="0"/>
-              </a:rPr>
-              <a:t>Evaluate on Test Data</a:t>
-            </a:r>
-          </a:p>
-          <a:p>
-            <a:pPr marL="285750" indent="-285750">
-              <a:buClr>
-                <a:schemeClr val="bg1"/>
-              </a:buClr>
-              <a:buFont typeface="Arial" panose="020B0604020202020204" pitchFamily="34" charset="0"/>
-              <a:buChar char="•"/>
-            </a:pPr>
-            <a:endParaRPr lang="en-US" b="0" i="0" u="none" strike="noStrike" dirty="0">
-              <a:solidFill>
-                <a:schemeClr val="bg1"/>
-              </a:solidFill>
-              <a:effectLst/>
-              <a:latin typeface="Arial" panose="020B0604020202020204" pitchFamily="34" charset="0"/>
-            </a:endParaRPr>
-          </a:p>
-          <a:p>
-            <a:pPr marL="285750" indent="-285750">
-              <a:buClr>
-                <a:schemeClr val="bg1"/>
-              </a:buClr>
-              <a:buFont typeface="Arial" panose="020B0604020202020204" pitchFamily="34" charset="0"/>
-              <a:buChar char="•"/>
-            </a:pPr>
-            <a:r>
-              <a:rPr lang="en-US" dirty="0">
-                <a:solidFill>
-                  <a:schemeClr val="bg1"/>
-                </a:solidFill>
-                <a:latin typeface="Arial" panose="020B0604020202020204" pitchFamily="34" charset="0"/>
-              </a:rPr>
-              <a:t>Perform logistic regression and ET decision trees</a:t>
-            </a:r>
-          </a:p>
-          <a:p>
-            <a:pPr marL="285750" indent="-285750">
-              <a:buClr>
-                <a:schemeClr val="bg1"/>
-              </a:buClr>
-              <a:buFont typeface="Arial" panose="020B0604020202020204" pitchFamily="34" charset="0"/>
-              <a:buChar char="•"/>
-            </a:pPr>
-            <a:endParaRPr lang="en-US" dirty="0">
-              <a:solidFill>
-                <a:schemeClr val="bg1"/>
-              </a:solidFill>
-              <a:latin typeface="Arial" panose="020B0604020202020204" pitchFamily="34" charset="0"/>
-            </a:endParaRPr>
-          </a:p>
           <a:p>
             <a:pPr marL="285750" indent="-285750">
               <a:buClr>
@@ -22361,10 +23299,11 @@
               <a:buFont typeface="Arial" panose="020B0604020202020204" pitchFamily="34" charset="0"/>
               <a:buChar char="•"/>
             </a:pPr>
-            <a:endParaRPr lang="en-US" dirty="0">
+            <a:endParaRPr lang="en-US" b="0" i="0" u="none" strike="noStrike" dirty="0">
               <a:solidFill>
                 <a:schemeClr val="bg1"/>
               </a:solidFill>
+              <a:effectLst/>
               <a:latin typeface="Arial" panose="020B0604020202020204" pitchFamily="34" charset="0"/>
             </a:endParaRPr>
           </a:p>
@@ -22388,6 +23327,55 @@
             </a:r>
           </a:p>
           <a:p>
+            <a:pPr>
+              <a:buClr>
+                <a:schemeClr val="bg1"/>
+              </a:buClr>
+            </a:pPr>
+            <a:endParaRPr lang="en-US" b="0" i="0" u="none" strike="noStrike" dirty="0">
+              <a:solidFill>
+                <a:schemeClr val="bg1"/>
+              </a:solidFill>
+              <a:effectLst/>
+              <a:latin typeface="Arial" panose="020B0604020202020204" pitchFamily="34" charset="0"/>
+            </a:endParaRPr>
+          </a:p>
+          <a:p>
+            <a:pPr marL="285750" indent="-285750">
+              <a:buClr>
+                <a:schemeClr val="bg1"/>
+              </a:buClr>
+              <a:buFont typeface="Arial" panose="020B0604020202020204" pitchFamily="34" charset="0"/>
+              <a:buChar char="•"/>
+            </a:pPr>
+            <a:r>
+              <a:rPr lang="en-US" b="0" i="0" u="none" strike="noStrike" dirty="0">
+                <a:solidFill>
+                  <a:schemeClr val="bg1"/>
+                </a:solidFill>
+                <a:effectLst/>
+                <a:latin typeface="Arial" panose="020B0604020202020204" pitchFamily="34" charset="0"/>
+              </a:rPr>
+              <a:t>Classify/Predict labels for Test Data</a:t>
+            </a:r>
+          </a:p>
+          <a:p>
+            <a:pPr marL="285750" indent="-285750">
+              <a:buClr>
+                <a:schemeClr val="bg1"/>
+              </a:buClr>
+              <a:buFont typeface="Arial" panose="020B0604020202020204" pitchFamily="34" charset="0"/>
+              <a:buChar char="•"/>
+            </a:pPr>
+            <a:endParaRPr lang="en-US" b="0" i="0" u="none" strike="noStrike" dirty="0">
+              <a:solidFill>
+                <a:schemeClr val="bg1"/>
+              </a:solidFill>
+              <a:effectLst/>
+              <a:latin typeface="Arial" panose="020B0604020202020204" pitchFamily="34" charset="0"/>
+            </a:endParaRPr>
+          </a:p>
+          <a:p>
             <a:pPr marL="285750" indent="-285750">
               <a:buClr>
                 <a:schemeClr val="bg1"/>
@@ -22400,22 +23388,22 @@
                 <a:solidFill>
                   <a:schemeClr val="bg1"/>
                 </a:solidFill>
+                <a:latin typeface="Arial" panose="020B0604020202020204" pitchFamily="34" charset="0"/>
               </a:rPr>
-              <a:t>Revisit and preprocess image data further (reword)</a:t>
+              <a:t>If time permits, perform logistic regression and ET decision trees</a:t>
             </a:r>
           </a:p>
           <a:p>
-            <a:pPr marL="285750" indent="-285750">
+            <a:pPr>
               <a:buClr>
                 <a:schemeClr val="bg1"/>
               </a:buClr>
-              <a:buFont typeface="Arial" panose="020B0604020202020204" pitchFamily="34" charset="0"/>
-              <a:buChar char="•"/>
             </a:pPr>
             <a:endParaRPr lang="en-US" dirty="0">
               <a:solidFill>
                 <a:schemeClr val="bg1"/>
               </a:solidFill>
+              <a:latin typeface="Arial" panose="020B0604020202020204" pitchFamily="34" charset="0"/>
             </a:endParaRPr>
           </a:p>
         </p:txBody>
@@ -23114,8 +24102,8 @@
         </p:nvSpPr>
         <p:spPr>
           <a:xfrm>
-            <a:off x="2340812" y="1533304"/>
-            <a:ext cx="2270051" cy="1169551"/>
+            <a:off x="2340812" y="1469509"/>
+            <a:ext cx="2270051" cy="1384995"/>
           </a:xfrm>
           <a:prstGeom prst="rect">
             <a:avLst/>
@@ -23182,6 +24170,31 @@
                 <a:latin typeface="+mj-lt"/>
               </a:rPr>
               <a:t>ResNet</a:t>
+            </a:r>
+            <a:endParaRPr lang="en-US" b="0" i="0" dirty="0">
+              <a:solidFill>
+                <a:schemeClr val="bg1"/>
+              </a:solidFill>
+              <a:effectLst/>
+              <a:latin typeface="+mj-lt"/>
+            </a:endParaRPr>
+          </a:p>
+          <a:p>
+            <a:pPr marL="285750" indent="-285750" algn="l" fontAlgn="base">
+              <a:buClr>
+                <a:schemeClr val="bg1"/>
+              </a:buClr>
+              <a:buFont typeface="Arial" panose="020B0604020202020204" pitchFamily="34" charset="0"/>
+              <a:buChar char="•"/>
+            </a:pPr>
+            <a:r>
+              <a:rPr lang="en-US" dirty="0">
+                <a:solidFill>
+                  <a:schemeClr val="bg1"/>
+                </a:solidFill>
+                <a:latin typeface="+mj-lt"/>
+              </a:rPr>
+              <a:t>InceptionV3</a:t>
             </a:r>
             <a:endParaRPr lang="en-US" b="0" i="0" dirty="0">
               <a:solidFill>

--- a/Blindness Detection Presentation.pptx
+++ b/Blindness Detection Presentation.pptx
@@ -5,7 +5,7 @@
     <p:sldMasterId id="2147483648" r:id="rId1"/>
   </p:sldMasterIdLst>
   <p:notesMasterIdLst>
-    <p:notesMasterId r:id="rId15"/>
+    <p:notesMasterId r:id="rId16"/>
   </p:notesMasterIdLst>
   <p:sldIdLst>
     <p:sldId id="256" r:id="rId2"/>
@@ -21,28 +21,29 @@
     <p:sldId id="277" r:id="rId12"/>
     <p:sldId id="275" r:id="rId13"/>
     <p:sldId id="274" r:id="rId14"/>
+    <p:sldId id="278" r:id="rId15"/>
   </p:sldIdLst>
   <p:sldSz cx="9144000" cy="5143500" type="screen16x9"/>
   <p:notesSz cx="6858000" cy="9144000"/>
   <p:embeddedFontLst>
     <p:embeddedFont>
       <p:font typeface="Corbel" panose="020B0503020204020204" pitchFamily="34" charset="0"/>
-      <p:regular r:id="rId16"/>
-      <p:bold r:id="rId17"/>
-      <p:italic r:id="rId18"/>
-      <p:boldItalic r:id="rId19"/>
+      <p:regular r:id="rId17"/>
+      <p:bold r:id="rId18"/>
+      <p:italic r:id="rId19"/>
+      <p:boldItalic r:id="rId20"/>
     </p:embeddedFont>
     <p:embeddedFont>
       <p:font typeface="Lato" panose="020F0502020204030203" pitchFamily="34" charset="0"/>
-      <p:regular r:id="rId20"/>
-      <p:bold r:id="rId21"/>
-      <p:italic r:id="rId22"/>
-      <p:boldItalic r:id="rId23"/>
+      <p:regular r:id="rId21"/>
+      <p:bold r:id="rId22"/>
+      <p:italic r:id="rId23"/>
+      <p:boldItalic r:id="rId24"/>
     </p:embeddedFont>
     <p:embeddedFont>
       <p:font typeface="Raleway ExtraBold" pitchFamily="2" charset="0"/>
-      <p:bold r:id="rId24"/>
-      <p:boldItalic r:id="rId25"/>
+      <p:bold r:id="rId25"/>
+      <p:boldItalic r:id="rId26"/>
     </p:embeddedFont>
   </p:embeddedFontLst>
   <p:defaultTextStyle>
@@ -290,7 +291,7 @@
       </p15:sldGuideLst>
     </p:ext>
     <p:ext uri="http://customooxmlschemas.google.com/">
-      <go:slidesCustomData xmlns="" xmlns:mc="http://schemas.openxmlformats.org/markup-compatibility/2006" xmlns:mv="urn:schemas-microsoft-com:mac:vml" xmlns:c="http://schemas.openxmlformats.org/drawingml/2006/chart" xmlns:dgm="http://schemas.openxmlformats.org/drawingml/2006/diagram" xmlns:o="urn:schemas-microsoft-com:office:office" xmlns:v="urn:schemas-microsoft-com:vml" xmlns:pvml="urn:schemas-microsoft-com:office:powerpoint" xmlns:com="http://schemas.openxmlformats.org/drawingml/2006/compatibility" xmlns:p14="http://schemas.microsoft.com/office/powerpoint/2010/main" xmlns:p15="http://schemas.microsoft.com/office/powerpoint/2012/main" xmlns:ahyp="http://schemas.microsoft.com/office/drawing/2018/hyperlinkcolor" xmlns:go="http://customooxmlschemas.google.com/" r:id="rId29" roundtripDataSignature="AMtx7mhGRjcg0Yqg7aDT2RBWlna5YBA7+Q=="/>
+      <go:slidesCustomData xmlns:go="http://customooxmlschemas.google.com/" xmlns:ahyp="http://schemas.microsoft.com/office/drawing/2018/hyperlinkcolor" xmlns:p15="http://schemas.microsoft.com/office/powerpoint/2012/main" xmlns:p14="http://schemas.microsoft.com/office/powerpoint/2010/main" xmlns:com="http://schemas.openxmlformats.org/drawingml/2006/compatibility" xmlns:pvml="urn:schemas-microsoft-com:office:powerpoint" xmlns:v="urn:schemas-microsoft-com:vml" xmlns:o="urn:schemas-microsoft-com:office:office" xmlns:dgm="http://schemas.openxmlformats.org/drawingml/2006/diagram" xmlns:c="http://schemas.openxmlformats.org/drawingml/2006/chart" xmlns:mv="urn:schemas-microsoft-com:mac:vml" xmlns:mc="http://schemas.openxmlformats.org/markup-compatibility/2006" xmlns="" r:id="rId29" roundtripDataSignature="AMtx7mhGRjcg0Yqg7aDT2RBWlna5YBA7+Q=="/>
     </p:ext>
   </p:extLst>
 </p:presentation>
@@ -23260,7 +23261,7 @@
         <p:spPr>
           <a:xfrm>
             <a:off x="2030819" y="812432"/>
-            <a:ext cx="6028660" cy="2246769"/>
+            <a:ext cx="6028660" cy="3539430"/>
           </a:xfrm>
           <a:prstGeom prst="rect">
             <a:avLst/>
@@ -23394,6 +23395,39 @@
             </a:r>
           </a:p>
           <a:p>
+            <a:pPr marL="285750" indent="-285750">
+              <a:buClr>
+                <a:schemeClr val="bg1"/>
+              </a:buClr>
+              <a:buFont typeface="Arial" panose="020B0604020202020204" pitchFamily="34" charset="0"/>
+              <a:buChar char="•"/>
+            </a:pPr>
+            <a:endParaRPr lang="en-US" dirty="0">
+              <a:solidFill>
+                <a:schemeClr val="bg1"/>
+              </a:solidFill>
+              <a:latin typeface="Arial" panose="020B0604020202020204" pitchFamily="34" charset="0"/>
+            </a:endParaRPr>
+          </a:p>
+          <a:p>
+            <a:pPr marL="285750" indent="-285750">
+              <a:buClr>
+                <a:schemeClr val="bg1"/>
+              </a:buClr>
+              <a:buFont typeface="Arial" panose="020B0604020202020204" pitchFamily="34" charset="0"/>
+              <a:buChar char="•"/>
+            </a:pPr>
+            <a:r>
+              <a:rPr lang="en-US" dirty="0">
+                <a:solidFill>
+                  <a:schemeClr val="bg1"/>
+                </a:solidFill>
+                <a:latin typeface="Arial" panose="020B0604020202020204" pitchFamily="34" charset="0"/>
+              </a:rPr>
+              <a:t>In the future, our group plans to extend this project by developing a model that uses retinal fundus images to predict the age at which a patient on an unhealthy dietary plan is likely to suffer from blindness due to retinopathy. However, this is outside the scope of the current project.</a:t>
+            </a:r>
+          </a:p>
+          <a:p>
             <a:pPr>
               <a:buClr>
                 <a:schemeClr val="bg1"/>
@@ -23412,6 +23446,72 @@
     <p:extLst>
       <p:ext uri="{BB962C8B-B14F-4D97-AF65-F5344CB8AC3E}">
         <p14:creationId xmlns:p14="http://schemas.microsoft.com/office/powerpoint/2010/main" val="2412890731"/>
+      </p:ext>
+    </p:extLst>
+  </p:cSld>
+  <p:clrMapOvr>
+    <a:masterClrMapping/>
+  </p:clrMapOvr>
+</p:sld>
+</file>
+
+<file path=ppt/slides/slide14.xml><?xml version="1.0" encoding="utf-8"?>
+<p:sld xmlns:a="http://schemas.openxmlformats.org/drawingml/2006/main" xmlns:r="http://schemas.openxmlformats.org/officeDocument/2006/relationships" xmlns:p="http://schemas.openxmlformats.org/presentationml/2006/main">
+  <p:cSld>
+    <p:spTree>
+      <p:nvGrpSpPr>
+        <p:cNvPr id="1" name=""/>
+        <p:cNvGrpSpPr/>
+        <p:nvPr/>
+      </p:nvGrpSpPr>
+      <p:grpSpPr>
+        <a:xfrm>
+          <a:off x="0" y="0"/>
+          <a:ext cx="0" cy="0"/>
+          <a:chOff x="0" y="0"/>
+          <a:chExt cx="0" cy="0"/>
+        </a:xfrm>
+      </p:grpSpPr>
+      <p:pic>
+        <p:nvPicPr>
+          <p:cNvPr id="4" name="Picture 3" descr="Text&#10;&#10;Description automatically generated">
+            <a:extLst>
+              <a:ext uri="{FF2B5EF4-FFF2-40B4-BE49-F238E27FC236}">
+                <a16:creationId xmlns:a16="http://schemas.microsoft.com/office/drawing/2014/main" id="{1A079B30-386B-51BA-5ED8-6836D29D3431}"/>
+              </a:ext>
+            </a:extLst>
+          </p:cNvPr>
+          <p:cNvPicPr>
+            <a:picLocks noChangeAspect="1"/>
+          </p:cNvPicPr>
+          <p:nvPr/>
+        </p:nvPicPr>
+        <p:blipFill>
+          <a:blip r:embed="rId2">
+            <a:extLst>
+              <a:ext uri="{837473B0-CC2E-450A-ABE3-18F120FF3D39}">
+                <a1611:picAttrSrcUrl xmlns:a1611="http://schemas.microsoft.com/office/drawing/2016/11/main" r:id="rId3"/>
+              </a:ext>
+            </a:extLst>
+          </a:blip>
+          <a:stretch>
+            <a:fillRect/>
+          </a:stretch>
+        </p:blipFill>
+        <p:spPr>
+          <a:xfrm>
+            <a:off x="1869204" y="1112743"/>
+            <a:ext cx="5405591" cy="2918013"/>
+          </a:xfrm>
+          <a:prstGeom prst="rect">
+            <a:avLst/>
+          </a:prstGeom>
+        </p:spPr>
+      </p:pic>
+    </p:spTree>
+    <p:extLst>
+      <p:ext uri="{BB962C8B-B14F-4D97-AF65-F5344CB8AC3E}">
+        <p14:creationId xmlns:p14="http://schemas.microsoft.com/office/powerpoint/2010/main" val="2186782557"/>
       </p:ext>
     </p:extLst>
   </p:cSld>
@@ -26380,7 +26480,7 @@
         </p:blipFill>
         <p:spPr>
           <a:xfrm>
-            <a:off x="2034116" y="746787"/>
+            <a:off x="2445435" y="760234"/>
             <a:ext cx="4330858" cy="2028312"/>
           </a:xfrm>
           <a:prstGeom prst="rect">
@@ -26409,7 +26509,7 @@
         </p:blipFill>
         <p:spPr>
           <a:xfrm>
-            <a:off x="2034116" y="3015482"/>
+            <a:off x="2428966" y="3015482"/>
             <a:ext cx="4363796" cy="2028312"/>
           </a:xfrm>
           <a:prstGeom prst="rect">

--- a/Blindness Detection Presentation.pptx
+++ b/Blindness Detection Presentation.pptx
@@ -291,7 +291,7 @@
       </p15:sldGuideLst>
     </p:ext>
     <p:ext uri="http://customooxmlschemas.google.com/">
-      <go:slidesCustomData xmlns:go="http://customooxmlschemas.google.com/" xmlns:ahyp="http://schemas.microsoft.com/office/drawing/2018/hyperlinkcolor" xmlns:p15="http://schemas.microsoft.com/office/powerpoint/2012/main" xmlns:p14="http://schemas.microsoft.com/office/powerpoint/2010/main" xmlns:com="http://schemas.openxmlformats.org/drawingml/2006/compatibility" xmlns:pvml="urn:schemas-microsoft-com:office:powerpoint" xmlns:v="urn:schemas-microsoft-com:vml" xmlns:o="urn:schemas-microsoft-com:office:office" xmlns:dgm="http://schemas.openxmlformats.org/drawingml/2006/diagram" xmlns:c="http://schemas.openxmlformats.org/drawingml/2006/chart" xmlns:mv="urn:schemas-microsoft-com:mac:vml" xmlns:mc="http://schemas.openxmlformats.org/markup-compatibility/2006" xmlns="" r:id="rId29" roundtripDataSignature="AMtx7mhGRjcg0Yqg7aDT2RBWlna5YBA7+Q=="/>
+      <go:slidesCustomData xmlns="" xmlns:mc="http://schemas.openxmlformats.org/markup-compatibility/2006" xmlns:mv="urn:schemas-microsoft-com:mac:vml" xmlns:c="http://schemas.openxmlformats.org/drawingml/2006/chart" xmlns:dgm="http://schemas.openxmlformats.org/drawingml/2006/diagram" xmlns:o="urn:schemas-microsoft-com:office:office" xmlns:v="urn:schemas-microsoft-com:vml" xmlns:pvml="urn:schemas-microsoft-com:office:powerpoint" xmlns:com="http://schemas.openxmlformats.org/drawingml/2006/compatibility" xmlns:p14="http://schemas.microsoft.com/office/powerpoint/2010/main" xmlns:p15="http://schemas.microsoft.com/office/powerpoint/2012/main" xmlns:ahyp="http://schemas.microsoft.com/office/drawing/2018/hyperlinkcolor" xmlns:go="http://customooxmlschemas.google.com/" r:id="rId29" roundtripDataSignature="AMtx7mhGRjcg0Yqg7aDT2RBWlna5YBA7+Q=="/>
     </p:ext>
   </p:extLst>
 </p:presentation>
@@ -26246,6 +26246,16 @@
               <a:buChar char="•"/>
             </a:pPr>
             <a:r>
+              <a:rPr lang="en-US" b="0" i="0" u="none" strike="noStrike">
+                <a:solidFill>
+                  <a:schemeClr val="bg1"/>
+                </a:solidFill>
+                <a:effectLst/>
+                <a:latin typeface="Arial" panose="020B0604020202020204" pitchFamily="34" charset="0"/>
+              </a:rPr>
+              <a:t>Perform image </a:t>
+            </a:r>
+            <a:r>
               <a:rPr lang="en-US" b="0" i="0" u="none" strike="noStrike" dirty="0">
                 <a:solidFill>
                   <a:schemeClr val="bg1"/>
@@ -26253,7 +26263,7 @@
                 <a:effectLst/>
                 <a:latin typeface="Arial" panose="020B0604020202020204" pitchFamily="34" charset="0"/>
               </a:rPr>
-              <a:t>Perform data augmentation (rotation - 90°, 180°, 270°) on classes 1, 3, and 4 to create more samples and achieve a more balanced dataset</a:t>
+              <a:t>augmentation (rotation - 90°, 180°, 270°) on classes 1, 3, and 4 to create more samples and achieve a more balanced dataset</a:t>
             </a:r>
             <a:endParaRPr lang="en-US" dirty="0">
               <a:solidFill>
